--- a/ARTEFATOS/15 -  ARQUITETURA DE NEGÓCIO PARA CADA CENÁRIO.pptx
+++ b/ARTEFATOS/15 -  ARQUITETURA DE NEGÓCIO PARA CADA CENÁRIO.pptx
@@ -6372,11 +6372,6 @@
               </a:rPr>
               <a:t>Fechar contrato</a:t>
             </a:r>
-            <a:endParaRPr lang="pt-BR" sz="1000" dirty="0" smtClean="0">
-              <a:solidFill>
-                <a:schemeClr val="dk1"/>
-              </a:solidFill>
-            </a:endParaRPr>
           </a:p>
           <a:p>
             <a:pPr marL="457200" lvl="0" indent="-292100" algn="l" rtl="0">
@@ -6400,11 +6395,6 @@
               </a:rPr>
               <a:t>Realizar tatuagem  </a:t>
             </a:r>
-            <a:endParaRPr lang="pt-BR" sz="1000" dirty="0" smtClean="0">
-              <a:solidFill>
-                <a:schemeClr val="dk1"/>
-              </a:solidFill>
-            </a:endParaRPr>
           </a:p>
           <a:p>
             <a:pPr marL="457200" lvl="0" indent="-292100" algn="l" rtl="0">
@@ -6471,11 +6461,6 @@
               </a:rPr>
               <a:t>Realizar Orçamento</a:t>
             </a:r>
-            <a:endParaRPr lang="pt-BR" sz="1000" dirty="0" smtClean="0">
-              <a:solidFill>
-                <a:schemeClr val="dk1"/>
-              </a:solidFill>
-            </a:endParaRPr>
           </a:p>
           <a:p>
             <a:pPr marL="457200" lvl="0" indent="-292100" algn="l" rtl="0">
@@ -6494,21 +6479,8 @@
                   <a:schemeClr val="dk1"/>
                 </a:solidFill>
               </a:rPr>
-              <a:t>A</a:t>
+              <a:t>Agendar serviço</a:t>
             </a:r>
-            <a:r>
-              <a:rPr lang="pt-BR" sz="1000" dirty="0" smtClean="0">
-                <a:solidFill>
-                  <a:schemeClr val="dk1"/>
-                </a:solidFill>
-              </a:rPr>
-              <a:t>gendar serviço</a:t>
-            </a:r>
-            <a:endParaRPr lang="pt-BR" sz="1000" dirty="0" smtClean="0">
-              <a:solidFill>
-                <a:schemeClr val="dk1"/>
-              </a:solidFill>
-            </a:endParaRPr>
           </a:p>
           <a:p>
             <a:pPr marL="457200" lvl="0" indent="-292100" algn="l" rtl="0">
@@ -6527,29 +6499,8 @@
                   <a:schemeClr val="dk1"/>
                 </a:solidFill>
               </a:rPr>
-              <a:t>Realizar sessões </a:t>
+              <a:t>Realizar sessões para tatuagem</a:t>
             </a:r>
-            <a:r>
-              <a:rPr lang="pt-BR" sz="1000" dirty="0" smtClean="0">
-                <a:solidFill>
-                  <a:schemeClr val="dk1"/>
-                </a:solidFill>
-              </a:rPr>
-              <a:t>para </a:t>
-            </a:r>
-            <a:r>
-              <a:rPr lang="pt-BR" sz="1000" dirty="0" smtClean="0">
-                <a:solidFill>
-                  <a:schemeClr val="dk1"/>
-                </a:solidFill>
-              </a:rPr>
-              <a:t>tatuagem</a:t>
-            </a:r>
-            <a:endParaRPr lang="pt-BR" sz="1000" dirty="0" smtClean="0">
-              <a:solidFill>
-                <a:schemeClr val="dk1"/>
-              </a:solidFill>
-            </a:endParaRPr>
           </a:p>
         </p:txBody>
       </p:sp>
@@ -7481,8 +7432,16 @@
               <a:buNone/>
             </a:pPr>
             <a:r>
+              <a:rPr lang="pt-BR" sz="1000" dirty="0" err="1" smtClean="0"/>
+              <a:t>Draco</a:t>
+            </a:r>
+            <a:r>
               <a:rPr lang="pt-BR" sz="1000" dirty="0" smtClean="0"/>
-              <a:t>Recepção</a:t>
+              <a:t> </a:t>
+            </a:r>
+            <a:r>
+              <a:rPr lang="pt-BR" sz="1000" dirty="0" err="1" smtClean="0"/>
+              <a:t>Tatto</a:t>
             </a:r>
             <a:endParaRPr sz="1000" dirty="0"/>
           </a:p>

--- a/ARTEFATOS/15 -  ARQUITETURA DE NEGÓCIO PARA CADA CENÁRIO.pptx
+++ b/ARTEFATOS/15 -  ARQUITETURA DE NEGÓCIO PARA CADA CENÁRIO.pptx
@@ -5,11 +5,15 @@
     <p:sldMasterId id="2147483659" r:id="rId1"/>
   </p:sldMasterIdLst>
   <p:notesMasterIdLst>
-    <p:notesMasterId r:id="rId4"/>
+    <p:notesMasterId r:id="rId8"/>
   </p:notesMasterIdLst>
   <p:sldIdLst>
     <p:sldId id="256" r:id="rId2"/>
-    <p:sldId id="258" r:id="rId3"/>
+    <p:sldId id="259" r:id="rId3"/>
+    <p:sldId id="260" r:id="rId4"/>
+    <p:sldId id="258" r:id="rId5"/>
+    <p:sldId id="262" r:id="rId6"/>
+    <p:sldId id="261" r:id="rId7"/>
   </p:sldIdLst>
   <p:sldSz cx="9144000" cy="5143500" type="screen16x9"/>
   <p:notesSz cx="6858000" cy="9144000"/>
@@ -904,7 +908,443 @@
     </p:spTree>
     <p:extLst>
       <p:ext uri="{BB962C8B-B14F-4D97-AF65-F5344CB8AC3E}">
+        <p14:creationId xmlns:p14="http://schemas.microsoft.com/office/powerpoint/2010/main" val="178196146"/>
+      </p:ext>
+    </p:extLst>
+  </p:cSld>
+  <p:clrMapOvr>
+    <a:masterClrMapping/>
+  </p:clrMapOvr>
+</p:notes>
+</file>
+
+<file path=ppt/notesSlides/notesSlide3.xml><?xml version="1.0" encoding="utf-8"?>
+<p:notes xmlns:a="http://schemas.openxmlformats.org/drawingml/2006/main" xmlns:r="http://schemas.openxmlformats.org/officeDocument/2006/relationships" xmlns:p="http://schemas.openxmlformats.org/presentationml/2006/main" showMasterSp="0" showMasterPhAnim="0">
+  <p:cSld>
+    <p:spTree>
+      <p:nvGrpSpPr>
+        <p:cNvPr id="1" name="Shape 97"/>
+        <p:cNvGrpSpPr/>
+        <p:nvPr/>
+      </p:nvGrpSpPr>
+      <p:grpSpPr>
+        <a:xfrm>
+          <a:off x="0" y="0"/>
+          <a:ext cx="0" cy="0"/>
+          <a:chOff x="0" y="0"/>
+          <a:chExt cx="0" cy="0"/>
+        </a:xfrm>
+      </p:grpSpPr>
+      <p:sp>
+        <p:nvSpPr>
+          <p:cNvPr id="98" name="Google Shape;98;g2546aa1b3b_0_45:notes"/>
+          <p:cNvSpPr>
+            <a:spLocks noGrp="1" noRot="1" noChangeAspect="1"/>
+          </p:cNvSpPr>
+          <p:nvPr>
+            <p:ph type="sldImg" idx="2"/>
+          </p:nvPr>
+        </p:nvSpPr>
+        <p:spPr>
+          <a:xfrm>
+            <a:off x="381000" y="685800"/>
+            <a:ext cx="6096000" cy="3429000"/>
+          </a:xfrm>
+          <a:custGeom>
+            <a:avLst/>
+            <a:gdLst/>
+            <a:ahLst/>
+            <a:cxnLst/>
+            <a:rect l="l" t="t" r="r" b="b"/>
+            <a:pathLst>
+              <a:path w="120000" h="120000" extrusionOk="0">
+                <a:moveTo>
+                  <a:pt x="0" y="0"/>
+                </a:moveTo>
+                <a:lnTo>
+                  <a:pt x="120000" y="0"/>
+                </a:lnTo>
+                <a:lnTo>
+                  <a:pt x="120000" y="120000"/>
+                </a:lnTo>
+                <a:lnTo>
+                  <a:pt x="0" y="120000"/>
+                </a:lnTo>
+                <a:close/>
+              </a:path>
+            </a:pathLst>
+          </a:custGeom>
+        </p:spPr>
+      </p:sp>
+      <p:sp>
+        <p:nvSpPr>
+          <p:cNvPr id="99" name="Google Shape;99;g2546aa1b3b_0_45:notes"/>
+          <p:cNvSpPr txBox="1">
+            <a:spLocks noGrp="1"/>
+          </p:cNvSpPr>
+          <p:nvPr>
+            <p:ph type="body" idx="1"/>
+          </p:nvPr>
+        </p:nvSpPr>
+        <p:spPr>
+          <a:xfrm>
+            <a:off x="685800" y="4343400"/>
+            <a:ext cx="5486400" cy="4114800"/>
+          </a:xfrm>
+          <a:prstGeom prst="rect">
+            <a:avLst/>
+          </a:prstGeom>
+        </p:spPr>
+        <p:txBody>
+          <a:bodyPr spcFirstLastPara="1" wrap="square" lIns="91425" tIns="91425" rIns="91425" bIns="91425" anchor="t" anchorCtr="0">
+            <a:noAutofit/>
+          </a:bodyPr>
+          <a:lstStyle/>
+          <a:p>
+            <a:pPr marL="0" lvl="0" indent="0" algn="l" rtl="0">
+              <a:spcBef>
+                <a:spcPts val="0"/>
+              </a:spcBef>
+              <a:spcAft>
+                <a:spcPts val="0"/>
+              </a:spcAft>
+              <a:buNone/>
+            </a:pPr>
+            <a:endParaRPr dirty="0"/>
+          </a:p>
+        </p:txBody>
+      </p:sp>
+    </p:spTree>
+    <p:extLst>
+      <p:ext uri="{BB962C8B-B14F-4D97-AF65-F5344CB8AC3E}">
+        <p14:creationId xmlns:p14="http://schemas.microsoft.com/office/powerpoint/2010/main" val="868447162"/>
+      </p:ext>
+    </p:extLst>
+  </p:cSld>
+  <p:clrMapOvr>
+    <a:masterClrMapping/>
+  </p:clrMapOvr>
+</p:notes>
+</file>
+
+<file path=ppt/notesSlides/notesSlide4.xml><?xml version="1.0" encoding="utf-8"?>
+<p:notes xmlns:a="http://schemas.openxmlformats.org/drawingml/2006/main" xmlns:r="http://schemas.openxmlformats.org/officeDocument/2006/relationships" xmlns:p="http://schemas.openxmlformats.org/presentationml/2006/main" showMasterSp="0" showMasterPhAnim="0">
+  <p:cSld>
+    <p:spTree>
+      <p:nvGrpSpPr>
+        <p:cNvPr id="1" name="Shape 97"/>
+        <p:cNvGrpSpPr/>
+        <p:nvPr/>
+      </p:nvGrpSpPr>
+      <p:grpSpPr>
+        <a:xfrm>
+          <a:off x="0" y="0"/>
+          <a:ext cx="0" cy="0"/>
+          <a:chOff x="0" y="0"/>
+          <a:chExt cx="0" cy="0"/>
+        </a:xfrm>
+      </p:grpSpPr>
+      <p:sp>
+        <p:nvSpPr>
+          <p:cNvPr id="98" name="Google Shape;98;g2546aa1b3b_0_45:notes"/>
+          <p:cNvSpPr>
+            <a:spLocks noGrp="1" noRot="1" noChangeAspect="1"/>
+          </p:cNvSpPr>
+          <p:nvPr>
+            <p:ph type="sldImg" idx="2"/>
+          </p:nvPr>
+        </p:nvSpPr>
+        <p:spPr>
+          <a:xfrm>
+            <a:off x="381000" y="685800"/>
+            <a:ext cx="6096000" cy="3429000"/>
+          </a:xfrm>
+          <a:custGeom>
+            <a:avLst/>
+            <a:gdLst/>
+            <a:ahLst/>
+            <a:cxnLst/>
+            <a:rect l="l" t="t" r="r" b="b"/>
+            <a:pathLst>
+              <a:path w="120000" h="120000" extrusionOk="0">
+                <a:moveTo>
+                  <a:pt x="0" y="0"/>
+                </a:moveTo>
+                <a:lnTo>
+                  <a:pt x="120000" y="0"/>
+                </a:lnTo>
+                <a:lnTo>
+                  <a:pt x="120000" y="120000"/>
+                </a:lnTo>
+                <a:lnTo>
+                  <a:pt x="0" y="120000"/>
+                </a:lnTo>
+                <a:close/>
+              </a:path>
+            </a:pathLst>
+          </a:custGeom>
+        </p:spPr>
+      </p:sp>
+      <p:sp>
+        <p:nvSpPr>
+          <p:cNvPr id="99" name="Google Shape;99;g2546aa1b3b_0_45:notes"/>
+          <p:cNvSpPr txBox="1">
+            <a:spLocks noGrp="1"/>
+          </p:cNvSpPr>
+          <p:nvPr>
+            <p:ph type="body" idx="1"/>
+          </p:nvPr>
+        </p:nvSpPr>
+        <p:spPr>
+          <a:xfrm>
+            <a:off x="685800" y="4343400"/>
+            <a:ext cx="5486400" cy="4114800"/>
+          </a:xfrm>
+          <a:prstGeom prst="rect">
+            <a:avLst/>
+          </a:prstGeom>
+        </p:spPr>
+        <p:txBody>
+          <a:bodyPr spcFirstLastPara="1" wrap="square" lIns="91425" tIns="91425" rIns="91425" bIns="91425" anchor="t" anchorCtr="0">
+            <a:noAutofit/>
+          </a:bodyPr>
+          <a:lstStyle/>
+          <a:p>
+            <a:pPr marL="0" lvl="0" indent="0" algn="l" rtl="0">
+              <a:spcBef>
+                <a:spcPts val="0"/>
+              </a:spcBef>
+              <a:spcAft>
+                <a:spcPts val="0"/>
+              </a:spcAft>
+              <a:buNone/>
+            </a:pPr>
+            <a:endParaRPr dirty="0"/>
+          </a:p>
+        </p:txBody>
+      </p:sp>
+    </p:spTree>
+    <p:extLst>
+      <p:ext uri="{BB962C8B-B14F-4D97-AF65-F5344CB8AC3E}">
         <p14:creationId xmlns:p14="http://schemas.microsoft.com/office/powerpoint/2010/main" val="1082501965"/>
+      </p:ext>
+    </p:extLst>
+  </p:cSld>
+  <p:clrMapOvr>
+    <a:masterClrMapping/>
+  </p:clrMapOvr>
+</p:notes>
+</file>
+
+<file path=ppt/notesSlides/notesSlide5.xml><?xml version="1.0" encoding="utf-8"?>
+<p:notes xmlns:a="http://schemas.openxmlformats.org/drawingml/2006/main" xmlns:r="http://schemas.openxmlformats.org/officeDocument/2006/relationships" xmlns:p="http://schemas.openxmlformats.org/presentationml/2006/main" showMasterSp="0" showMasterPhAnim="0">
+  <p:cSld>
+    <p:spTree>
+      <p:nvGrpSpPr>
+        <p:cNvPr id="1" name="Shape 97"/>
+        <p:cNvGrpSpPr/>
+        <p:nvPr/>
+      </p:nvGrpSpPr>
+      <p:grpSpPr>
+        <a:xfrm>
+          <a:off x="0" y="0"/>
+          <a:ext cx="0" cy="0"/>
+          <a:chOff x="0" y="0"/>
+          <a:chExt cx="0" cy="0"/>
+        </a:xfrm>
+      </p:grpSpPr>
+      <p:sp>
+        <p:nvSpPr>
+          <p:cNvPr id="98" name="Google Shape;98;g2546aa1b3b_0_45:notes"/>
+          <p:cNvSpPr>
+            <a:spLocks noGrp="1" noRot="1" noChangeAspect="1"/>
+          </p:cNvSpPr>
+          <p:nvPr>
+            <p:ph type="sldImg" idx="2"/>
+          </p:nvPr>
+        </p:nvSpPr>
+        <p:spPr>
+          <a:xfrm>
+            <a:off x="381000" y="685800"/>
+            <a:ext cx="6096000" cy="3429000"/>
+          </a:xfrm>
+          <a:custGeom>
+            <a:avLst/>
+            <a:gdLst/>
+            <a:ahLst/>
+            <a:cxnLst/>
+            <a:rect l="l" t="t" r="r" b="b"/>
+            <a:pathLst>
+              <a:path w="120000" h="120000" extrusionOk="0">
+                <a:moveTo>
+                  <a:pt x="0" y="0"/>
+                </a:moveTo>
+                <a:lnTo>
+                  <a:pt x="120000" y="0"/>
+                </a:lnTo>
+                <a:lnTo>
+                  <a:pt x="120000" y="120000"/>
+                </a:lnTo>
+                <a:lnTo>
+                  <a:pt x="0" y="120000"/>
+                </a:lnTo>
+                <a:close/>
+              </a:path>
+            </a:pathLst>
+          </a:custGeom>
+        </p:spPr>
+      </p:sp>
+      <p:sp>
+        <p:nvSpPr>
+          <p:cNvPr id="99" name="Google Shape;99;g2546aa1b3b_0_45:notes"/>
+          <p:cNvSpPr txBox="1">
+            <a:spLocks noGrp="1"/>
+          </p:cNvSpPr>
+          <p:nvPr>
+            <p:ph type="body" idx="1"/>
+          </p:nvPr>
+        </p:nvSpPr>
+        <p:spPr>
+          <a:xfrm>
+            <a:off x="685800" y="4343400"/>
+            <a:ext cx="5486400" cy="4114800"/>
+          </a:xfrm>
+          <a:prstGeom prst="rect">
+            <a:avLst/>
+          </a:prstGeom>
+        </p:spPr>
+        <p:txBody>
+          <a:bodyPr spcFirstLastPara="1" wrap="square" lIns="91425" tIns="91425" rIns="91425" bIns="91425" anchor="t" anchorCtr="0">
+            <a:noAutofit/>
+          </a:bodyPr>
+          <a:lstStyle/>
+          <a:p>
+            <a:pPr marL="0" lvl="0" indent="0" algn="l" rtl="0">
+              <a:spcBef>
+                <a:spcPts val="0"/>
+              </a:spcBef>
+              <a:spcAft>
+                <a:spcPts val="0"/>
+              </a:spcAft>
+              <a:buNone/>
+            </a:pPr>
+            <a:endParaRPr dirty="0"/>
+          </a:p>
+        </p:txBody>
+      </p:sp>
+    </p:spTree>
+    <p:extLst>
+      <p:ext uri="{BB962C8B-B14F-4D97-AF65-F5344CB8AC3E}">
+        <p14:creationId xmlns:p14="http://schemas.microsoft.com/office/powerpoint/2010/main" val="188185593"/>
+      </p:ext>
+    </p:extLst>
+  </p:cSld>
+  <p:clrMapOvr>
+    <a:masterClrMapping/>
+  </p:clrMapOvr>
+</p:notes>
+</file>
+
+<file path=ppt/notesSlides/notesSlide6.xml><?xml version="1.0" encoding="utf-8"?>
+<p:notes xmlns:a="http://schemas.openxmlformats.org/drawingml/2006/main" xmlns:r="http://schemas.openxmlformats.org/officeDocument/2006/relationships" xmlns:p="http://schemas.openxmlformats.org/presentationml/2006/main" showMasterSp="0" showMasterPhAnim="0">
+  <p:cSld>
+    <p:spTree>
+      <p:nvGrpSpPr>
+        <p:cNvPr id="1" name="Shape 97"/>
+        <p:cNvGrpSpPr/>
+        <p:nvPr/>
+      </p:nvGrpSpPr>
+      <p:grpSpPr>
+        <a:xfrm>
+          <a:off x="0" y="0"/>
+          <a:ext cx="0" cy="0"/>
+          <a:chOff x="0" y="0"/>
+          <a:chExt cx="0" cy="0"/>
+        </a:xfrm>
+      </p:grpSpPr>
+      <p:sp>
+        <p:nvSpPr>
+          <p:cNvPr id="98" name="Google Shape;98;g2546aa1b3b_0_45:notes"/>
+          <p:cNvSpPr>
+            <a:spLocks noGrp="1" noRot="1" noChangeAspect="1"/>
+          </p:cNvSpPr>
+          <p:nvPr>
+            <p:ph type="sldImg" idx="2"/>
+          </p:nvPr>
+        </p:nvSpPr>
+        <p:spPr>
+          <a:xfrm>
+            <a:off x="381000" y="685800"/>
+            <a:ext cx="6096000" cy="3429000"/>
+          </a:xfrm>
+          <a:custGeom>
+            <a:avLst/>
+            <a:gdLst/>
+            <a:ahLst/>
+            <a:cxnLst/>
+            <a:rect l="l" t="t" r="r" b="b"/>
+            <a:pathLst>
+              <a:path w="120000" h="120000" extrusionOk="0">
+                <a:moveTo>
+                  <a:pt x="0" y="0"/>
+                </a:moveTo>
+                <a:lnTo>
+                  <a:pt x="120000" y="0"/>
+                </a:lnTo>
+                <a:lnTo>
+                  <a:pt x="120000" y="120000"/>
+                </a:lnTo>
+                <a:lnTo>
+                  <a:pt x="0" y="120000"/>
+                </a:lnTo>
+                <a:close/>
+              </a:path>
+            </a:pathLst>
+          </a:custGeom>
+        </p:spPr>
+      </p:sp>
+      <p:sp>
+        <p:nvSpPr>
+          <p:cNvPr id="99" name="Google Shape;99;g2546aa1b3b_0_45:notes"/>
+          <p:cNvSpPr txBox="1">
+            <a:spLocks noGrp="1"/>
+          </p:cNvSpPr>
+          <p:nvPr>
+            <p:ph type="body" idx="1"/>
+          </p:nvPr>
+        </p:nvSpPr>
+        <p:spPr>
+          <a:xfrm>
+            <a:off x="685800" y="4343400"/>
+            <a:ext cx="5486400" cy="4114800"/>
+          </a:xfrm>
+          <a:prstGeom prst="rect">
+            <a:avLst/>
+          </a:prstGeom>
+        </p:spPr>
+        <p:txBody>
+          <a:bodyPr spcFirstLastPara="1" wrap="square" lIns="91425" tIns="91425" rIns="91425" bIns="91425" anchor="t" anchorCtr="0">
+            <a:noAutofit/>
+          </a:bodyPr>
+          <a:lstStyle/>
+          <a:p>
+            <a:pPr marL="0" lvl="0" indent="0" algn="l" rtl="0">
+              <a:spcBef>
+                <a:spcPts val="0"/>
+              </a:spcBef>
+              <a:spcAft>
+                <a:spcPts val="0"/>
+              </a:spcAft>
+              <a:buNone/>
+            </a:pPr>
+            <a:endParaRPr dirty="0"/>
+          </a:p>
+        </p:txBody>
+      </p:sp>
+    </p:spTree>
+    <p:extLst>
+      <p:ext uri="{BB962C8B-B14F-4D97-AF65-F5344CB8AC3E}">
+        <p14:creationId xmlns:p14="http://schemas.microsoft.com/office/powerpoint/2010/main" val="1388547338"/>
       </p:ext>
     </p:extLst>
   </p:cSld>
@@ -6393,8 +6833,29 @@
                   <a:schemeClr val="dk1"/>
                 </a:solidFill>
               </a:rPr>
-              <a:t>Realizar tatuagem  </a:t>
+              <a:t>Realizar </a:t>
             </a:r>
+            <a:r>
+              <a:rPr lang="pt-BR" sz="1000" dirty="0" smtClean="0">
+                <a:solidFill>
+                  <a:schemeClr val="dk1"/>
+                </a:solidFill>
+              </a:rPr>
+              <a:t>serviço</a:t>
+            </a:r>
+            <a:r>
+              <a:rPr lang="pt-BR" sz="1000" dirty="0" smtClean="0">
+                <a:solidFill>
+                  <a:schemeClr val="dk1"/>
+                </a:solidFill>
+              </a:rPr>
+              <a:t>  </a:t>
+            </a:r>
+            <a:endParaRPr lang="pt-BR" sz="1000" dirty="0" smtClean="0">
+              <a:solidFill>
+                <a:schemeClr val="dk1"/>
+              </a:solidFill>
+            </a:endParaRPr>
           </a:p>
           <a:p>
             <a:pPr marL="457200" lvl="0" indent="-292100" algn="l" rtl="0">
@@ -6459,8 +6920,21 @@
                   <a:schemeClr val="dk1"/>
                 </a:solidFill>
               </a:rPr>
-              <a:t>Realizar Orçamento</a:t>
+              <a:t>Realizar </a:t>
             </a:r>
+            <a:r>
+              <a:rPr lang="pt-BR" sz="1000" dirty="0" smtClean="0">
+                <a:solidFill>
+                  <a:schemeClr val="dk1"/>
+                </a:solidFill>
+              </a:rPr>
+              <a:t>orçamento</a:t>
+            </a:r>
+            <a:endParaRPr lang="pt-BR" sz="1000" dirty="0" smtClean="0">
+              <a:solidFill>
+                <a:schemeClr val="dk1"/>
+              </a:solidFill>
+            </a:endParaRPr>
           </a:p>
           <a:p>
             <a:pPr marL="457200" lvl="0" indent="-292100" algn="l" rtl="0">
@@ -6499,8 +6973,13 @@
                   <a:schemeClr val="dk1"/>
                 </a:solidFill>
               </a:rPr>
-              <a:t>Realizar sessões para tatuagem</a:t>
+              <a:t>Receber serviço</a:t>
             </a:r>
+            <a:endParaRPr lang="pt-BR" sz="1000" dirty="0" smtClean="0">
+              <a:solidFill>
+                <a:schemeClr val="dk1"/>
+              </a:solidFill>
+            </a:endParaRPr>
           </a:p>
         </p:txBody>
       </p:sp>
@@ -6703,7 +7182,2481 @@
                   <a:schemeClr val="dk1"/>
                 </a:solidFill>
               </a:rPr>
+              <a:t>Fechar contrato</a:t>
+            </a:r>
+            <a:endParaRPr sz="1200" dirty="0"/>
+          </a:p>
+        </p:txBody>
+      </p:sp>
+      <p:cxnSp>
+        <p:nvCxnSpPr>
+          <p:cNvPr id="111" name="Google Shape;111;p15"/>
+          <p:cNvCxnSpPr>
+            <a:stCxn id="112" idx="0"/>
+            <a:endCxn id="102" idx="2"/>
+          </p:cNvCxnSpPr>
+          <p:nvPr/>
+        </p:nvCxnSpPr>
+        <p:spPr>
+          <a:xfrm rot="-5400000">
+            <a:off x="3849102" y="1120888"/>
+            <a:ext cx="934500" cy="501300"/>
+          </a:xfrm>
+          <a:prstGeom prst="curvedConnector3">
+            <a:avLst>
+              <a:gd name="adj1" fmla="val 47226"/>
+            </a:avLst>
+          </a:prstGeom>
+          <a:noFill/>
+          <a:ln w="9525" cap="flat" cmpd="sng">
+            <a:solidFill>
+              <a:schemeClr val="dk2"/>
+            </a:solidFill>
+            <a:prstDash val="solid"/>
+            <a:round/>
+            <a:headEnd type="none" w="med" len="med"/>
+            <a:tailEnd type="none" w="med" len="med"/>
+          </a:ln>
+        </p:spPr>
+      </p:cxnSp>
+      <p:sp>
+        <p:nvSpPr>
+          <p:cNvPr id="113" name="Google Shape;113;p15"/>
+          <p:cNvSpPr txBox="1"/>
+          <p:nvPr/>
+        </p:nvSpPr>
+        <p:spPr>
+          <a:xfrm>
+            <a:off x="130400" y="2813122"/>
+            <a:ext cx="8542500" cy="1367400"/>
+          </a:xfrm>
+          <a:prstGeom prst="rect">
+            <a:avLst/>
+          </a:prstGeom>
+          <a:noFill/>
+          <a:ln w="9525" cap="flat" cmpd="sng">
+            <a:solidFill>
+              <a:srgbClr val="FF9900"/>
+            </a:solidFill>
+            <a:prstDash val="solid"/>
+            <a:round/>
+            <a:headEnd type="none" w="sm" len="sm"/>
+            <a:tailEnd type="none" w="sm" len="sm"/>
+          </a:ln>
+        </p:spPr>
+        <p:txBody>
+          <a:bodyPr spcFirstLastPara="1" wrap="square" lIns="91425" tIns="91425" rIns="91425" bIns="91425" anchor="t" anchorCtr="0">
+            <a:noAutofit/>
+          </a:bodyPr>
+          <a:lstStyle/>
+          <a:p>
+            <a:pPr marL="0" lvl="0" indent="0" algn="l" rtl="0">
+              <a:spcBef>
+                <a:spcPts val="0"/>
+              </a:spcBef>
+              <a:spcAft>
+                <a:spcPts val="0"/>
+              </a:spcAft>
+              <a:buNone/>
+            </a:pPr>
+            <a:r>
+              <a:rPr lang="pt-BR" dirty="0"/>
+              <a:t>Capacidades Operacionais</a:t>
+            </a:r>
+            <a:endParaRPr dirty="0"/>
+          </a:p>
+        </p:txBody>
+      </p:sp>
+      <p:grpSp>
+        <p:nvGrpSpPr>
+          <p:cNvPr id="115" name="Google Shape;115;p15"/>
+          <p:cNvGrpSpPr/>
+          <p:nvPr/>
+        </p:nvGrpSpPr>
+        <p:grpSpPr>
+          <a:xfrm>
+            <a:off x="6116076" y="1714176"/>
+            <a:ext cx="897119" cy="830488"/>
+            <a:chOff x="6787874" y="3204287"/>
+            <a:chExt cx="897119" cy="830488"/>
+          </a:xfrm>
+        </p:grpSpPr>
+        <p:grpSp>
+          <p:nvGrpSpPr>
+            <p:cNvPr id="116" name="Google Shape;116;p15"/>
+            <p:cNvGrpSpPr/>
+            <p:nvPr/>
+          </p:nvGrpSpPr>
+          <p:grpSpPr>
+            <a:xfrm>
+              <a:off x="7044733" y="3204287"/>
+              <a:ext cx="308885" cy="587736"/>
+              <a:chOff x="1499725" y="1450825"/>
+              <a:chExt cx="497400" cy="843600"/>
+            </a:xfrm>
+          </p:grpSpPr>
+          <p:sp>
+            <p:nvSpPr>
+              <p:cNvPr id="117" name="Google Shape;117;p15"/>
+              <p:cNvSpPr/>
+              <p:nvPr/>
+            </p:nvSpPr>
+            <p:spPr>
+              <a:xfrm>
+                <a:off x="1597825" y="1450825"/>
+                <a:ext cx="313200" cy="281400"/>
+              </a:xfrm>
+              <a:prstGeom prst="flowChartConnector">
+                <a:avLst/>
+              </a:prstGeom>
+              <a:solidFill>
+                <a:srgbClr val="EEEEEE"/>
+              </a:solidFill>
+              <a:ln w="9525" cap="flat" cmpd="sng">
+                <a:solidFill>
+                  <a:srgbClr val="595959"/>
+                </a:solidFill>
+                <a:prstDash val="solid"/>
+                <a:round/>
+                <a:headEnd type="none" w="sm" len="sm"/>
+                <a:tailEnd type="none" w="sm" len="sm"/>
+              </a:ln>
+            </p:spPr>
+            <p:txBody>
+              <a:bodyPr spcFirstLastPara="1" wrap="square" lIns="91425" tIns="91425" rIns="91425" bIns="91425" anchor="ctr" anchorCtr="0">
+                <a:noAutofit/>
+              </a:bodyPr>
+              <a:lstStyle/>
+              <a:p>
+                <a:pPr marL="0" lvl="0" indent="0" algn="l" rtl="0">
+                  <a:spcBef>
+                    <a:spcPts val="0"/>
+                  </a:spcBef>
+                  <a:spcAft>
+                    <a:spcPts val="0"/>
+                  </a:spcAft>
+                  <a:buNone/>
+                </a:pPr>
+                <a:endParaRPr dirty="0"/>
+              </a:p>
+            </p:txBody>
+          </p:sp>
+          <p:cxnSp>
+            <p:nvCxnSpPr>
+              <p:cNvPr id="118" name="Google Shape;118;p15"/>
+              <p:cNvCxnSpPr>
+                <a:stCxn id="117" idx="4"/>
+              </p:cNvCxnSpPr>
+              <p:nvPr/>
+            </p:nvCxnSpPr>
+            <p:spPr>
+              <a:xfrm flipH="1">
+                <a:off x="1748725" y="1732225"/>
+                <a:ext cx="5700" cy="293100"/>
+              </a:xfrm>
+              <a:prstGeom prst="straightConnector1">
+                <a:avLst/>
+              </a:prstGeom>
+              <a:noFill/>
+              <a:ln w="9525" cap="flat" cmpd="sng">
+                <a:solidFill>
+                  <a:srgbClr val="595959"/>
+                </a:solidFill>
+                <a:prstDash val="solid"/>
+                <a:round/>
+                <a:headEnd type="none" w="med" len="med"/>
+                <a:tailEnd type="none" w="med" len="med"/>
+              </a:ln>
+            </p:spPr>
+          </p:cxnSp>
+          <p:cxnSp>
+            <p:nvCxnSpPr>
+              <p:cNvPr id="119" name="Google Shape;119;p15"/>
+              <p:cNvCxnSpPr/>
+              <p:nvPr/>
+            </p:nvCxnSpPr>
+            <p:spPr>
+              <a:xfrm>
+                <a:off x="1527475" y="1858775"/>
+                <a:ext cx="453900" cy="1800"/>
+              </a:xfrm>
+              <a:prstGeom prst="straightConnector1">
+                <a:avLst/>
+              </a:prstGeom>
+              <a:noFill/>
+              <a:ln w="9525" cap="flat" cmpd="sng">
+                <a:solidFill>
+                  <a:srgbClr val="595959"/>
+                </a:solidFill>
+                <a:prstDash val="solid"/>
+                <a:round/>
+                <a:headEnd type="none" w="med" len="med"/>
+                <a:tailEnd type="none" w="med" len="med"/>
+              </a:ln>
+            </p:spPr>
+          </p:cxnSp>
+          <p:cxnSp>
+            <p:nvCxnSpPr>
+              <p:cNvPr id="120" name="Google Shape;120;p15"/>
+              <p:cNvCxnSpPr/>
+              <p:nvPr/>
+            </p:nvCxnSpPr>
+            <p:spPr>
+              <a:xfrm flipH="1">
+                <a:off x="1499725" y="2022925"/>
+                <a:ext cx="248700" cy="271500"/>
+              </a:xfrm>
+              <a:prstGeom prst="straightConnector1">
+                <a:avLst/>
+              </a:prstGeom>
+              <a:noFill/>
+              <a:ln w="9525" cap="flat" cmpd="sng">
+                <a:solidFill>
+                  <a:srgbClr val="595959"/>
+                </a:solidFill>
+                <a:prstDash val="solid"/>
+                <a:round/>
+                <a:headEnd type="none" w="med" len="med"/>
+                <a:tailEnd type="none" w="med" len="med"/>
+              </a:ln>
+            </p:spPr>
+          </p:cxnSp>
+          <p:cxnSp>
+            <p:nvCxnSpPr>
+              <p:cNvPr id="121" name="Google Shape;121;p15"/>
+              <p:cNvCxnSpPr/>
+              <p:nvPr/>
+            </p:nvCxnSpPr>
+            <p:spPr>
+              <a:xfrm rot="10800000">
+                <a:off x="1748425" y="2022925"/>
+                <a:ext cx="248700" cy="271500"/>
+              </a:xfrm>
+              <a:prstGeom prst="straightConnector1">
+                <a:avLst/>
+              </a:prstGeom>
+              <a:noFill/>
+              <a:ln w="9525" cap="flat" cmpd="sng">
+                <a:solidFill>
+                  <a:srgbClr val="595959"/>
+                </a:solidFill>
+                <a:prstDash val="solid"/>
+                <a:round/>
+                <a:headEnd type="none" w="med" len="med"/>
+                <a:tailEnd type="none" w="med" len="med"/>
+              </a:ln>
+            </p:spPr>
+          </p:cxnSp>
+        </p:grpSp>
+        <p:sp>
+          <p:nvSpPr>
+            <p:cNvPr id="122" name="Google Shape;122;p15"/>
+            <p:cNvSpPr txBox="1"/>
+            <p:nvPr/>
+          </p:nvSpPr>
+          <p:spPr>
+            <a:xfrm>
+              <a:off x="6787874" y="3691875"/>
+              <a:ext cx="897119" cy="342900"/>
+            </a:xfrm>
+            <a:prstGeom prst="rect">
+              <a:avLst/>
+            </a:prstGeom>
+            <a:noFill/>
+            <a:ln>
+              <a:noFill/>
+            </a:ln>
+          </p:spPr>
+          <p:txBody>
+            <a:bodyPr spcFirstLastPara="1" wrap="square" lIns="91425" tIns="91425" rIns="91425" bIns="91425" anchor="t" anchorCtr="0">
+              <a:noAutofit/>
+            </a:bodyPr>
+            <a:lstStyle/>
+            <a:p>
+              <a:pPr marL="0" lvl="0" indent="0" algn="ctr" rtl="0">
+                <a:spcBef>
+                  <a:spcPts val="0"/>
+                </a:spcBef>
+                <a:spcAft>
+                  <a:spcPts val="0"/>
+                </a:spcAft>
+                <a:buNone/>
+              </a:pPr>
+              <a:r>
+                <a:rPr lang="pt-BR" sz="1200" b="1" dirty="0" smtClean="0"/>
+                <a:t>Tatuador</a:t>
+              </a:r>
+              <a:endParaRPr sz="1200" b="1" dirty="0"/>
+            </a:p>
+          </p:txBody>
+        </p:sp>
+      </p:grpSp>
+      <p:cxnSp>
+        <p:nvCxnSpPr>
+          <p:cNvPr id="123" name="Google Shape;123;p15"/>
+          <p:cNvCxnSpPr>
+            <a:stCxn id="117" idx="0"/>
+            <a:endCxn id="102" idx="2"/>
+          </p:cNvCxnSpPr>
+          <p:nvPr/>
+        </p:nvCxnSpPr>
+        <p:spPr>
+          <a:xfrm rot="5400000" flipH="1">
+            <a:off x="5144053" y="327126"/>
+            <a:ext cx="810000" cy="1964100"/>
+          </a:xfrm>
+          <a:prstGeom prst="curvedConnector3">
+            <a:avLst>
+              <a:gd name="adj1" fmla="val 46793"/>
+            </a:avLst>
+          </a:prstGeom>
+          <a:noFill/>
+          <a:ln w="9525" cap="flat" cmpd="sng">
+            <a:solidFill>
+              <a:schemeClr val="dk2"/>
+            </a:solidFill>
+            <a:prstDash val="solid"/>
+            <a:round/>
+            <a:headEnd type="none" w="med" len="med"/>
+            <a:tailEnd type="none" w="med" len="med"/>
+          </a:ln>
+        </p:spPr>
+      </p:cxnSp>
+      <p:cxnSp>
+        <p:nvCxnSpPr>
+          <p:cNvPr id="124" name="Google Shape;124;p15"/>
+          <p:cNvCxnSpPr>
+            <a:stCxn id="112" idx="2"/>
+            <a:endCxn id="125" idx="1"/>
+          </p:cNvCxnSpPr>
+          <p:nvPr/>
+        </p:nvCxnSpPr>
+        <p:spPr>
+          <a:xfrm rot="-5400000" flipH="1">
+            <a:off x="3855852" y="2580238"/>
+            <a:ext cx="1161900" cy="742200"/>
+          </a:xfrm>
+          <a:prstGeom prst="curvedConnector2">
+            <a:avLst/>
+          </a:prstGeom>
+          <a:noFill/>
+          <a:ln w="9525" cap="flat" cmpd="sng">
+            <a:solidFill>
+              <a:schemeClr val="dk2"/>
+            </a:solidFill>
+            <a:prstDash val="solid"/>
+            <a:round/>
+            <a:headEnd type="none" w="med" len="med"/>
+            <a:tailEnd type="none" w="med" len="med"/>
+          </a:ln>
+        </p:spPr>
+      </p:cxnSp>
+      <p:sp>
+        <p:nvSpPr>
+          <p:cNvPr id="125" name="Google Shape;125;p15"/>
+          <p:cNvSpPr/>
+          <p:nvPr/>
+        </p:nvSpPr>
+        <p:spPr>
+          <a:xfrm>
+            <a:off x="4807825" y="3266600"/>
+            <a:ext cx="1723200" cy="531600"/>
+          </a:xfrm>
+          <a:prstGeom prst="bracketPair">
+            <a:avLst/>
+          </a:prstGeom>
+          <a:noFill/>
+          <a:ln w="9525" cap="flat" cmpd="sng">
+            <a:solidFill>
+              <a:schemeClr val="dk2"/>
+            </a:solidFill>
+            <a:prstDash val="solid"/>
+            <a:round/>
+            <a:headEnd type="none" w="sm" len="sm"/>
+            <a:tailEnd type="none" w="sm" len="sm"/>
+          </a:ln>
+        </p:spPr>
+        <p:txBody>
+          <a:bodyPr spcFirstLastPara="1" wrap="square" lIns="91425" tIns="91425" rIns="91425" bIns="91425" anchor="ctr" anchorCtr="0">
+            <a:noAutofit/>
+          </a:bodyPr>
+          <a:lstStyle/>
+          <a:p>
+            <a:pPr marL="457200" lvl="0" indent="-292100" algn="l" rtl="0">
+              <a:spcBef>
+                <a:spcPts val="0"/>
+              </a:spcBef>
+              <a:spcAft>
+                <a:spcPts val="0"/>
+              </a:spcAft>
+              <a:buSzPts val="1000"/>
+              <a:buChar char="●"/>
+            </a:pPr>
+            <a:r>
+              <a:rPr lang="pt-BR" sz="1000" dirty="0" smtClean="0"/>
+              <a:t>Fechar contrato</a:t>
+            </a:r>
+            <a:endParaRPr sz="1000" dirty="0"/>
+          </a:p>
+        </p:txBody>
+      </p:sp>
+      <p:sp>
+        <p:nvSpPr>
+          <p:cNvPr id="112" name="Google Shape;112;p15"/>
+          <p:cNvSpPr/>
+          <p:nvPr/>
+        </p:nvSpPr>
+        <p:spPr>
+          <a:xfrm>
+            <a:off x="3564402" y="1838788"/>
+            <a:ext cx="1002600" cy="531600"/>
+          </a:xfrm>
+          <a:prstGeom prst="roundRect">
+            <a:avLst>
+              <a:gd name="adj" fmla="val 16667"/>
+            </a:avLst>
+          </a:prstGeom>
+          <a:gradFill>
+            <a:gsLst>
+              <a:gs pos="0">
+                <a:srgbClr val="D4E5F5"/>
+              </a:gs>
+              <a:gs pos="100000">
+                <a:srgbClr val="70A4D5"/>
+              </a:gs>
+            </a:gsLst>
+            <a:path path="circle">
+              <a:fillToRect l="50000" t="50000" r="50000" b="50000"/>
+            </a:path>
+            <a:tileRect/>
+          </a:gradFill>
+          <a:ln w="9525" cap="flat" cmpd="sng">
+            <a:solidFill>
+              <a:srgbClr val="F3F3F3"/>
+            </a:solidFill>
+            <a:prstDash val="solid"/>
+            <a:round/>
+            <a:headEnd type="none" w="sm" len="sm"/>
+            <a:tailEnd type="none" w="sm" len="sm"/>
+          </a:ln>
+        </p:spPr>
+        <p:txBody>
+          <a:bodyPr spcFirstLastPara="1" wrap="square" lIns="91425" tIns="91425" rIns="91425" bIns="91425" anchor="ctr" anchorCtr="0">
+            <a:noAutofit/>
+          </a:bodyPr>
+          <a:lstStyle/>
+          <a:p>
+            <a:pPr marL="0" lvl="0" indent="0" algn="ctr" rtl="0">
+              <a:spcBef>
+                <a:spcPts val="0"/>
+              </a:spcBef>
+              <a:spcAft>
+                <a:spcPts val="0"/>
+              </a:spcAft>
+              <a:buNone/>
+            </a:pPr>
+            <a:r>
+              <a:rPr lang="pt-BR" sz="1000" dirty="0" err="1" smtClean="0"/>
+              <a:t>Draco</a:t>
+            </a:r>
+            <a:r>
+              <a:rPr lang="pt-BR" sz="1000" dirty="0" smtClean="0"/>
+              <a:t> </a:t>
+            </a:r>
+            <a:r>
+              <a:rPr lang="pt-BR" sz="1000" dirty="0" err="1" smtClean="0"/>
+              <a:t>Tatto</a:t>
+            </a:r>
+            <a:endParaRPr sz="1000" dirty="0"/>
+          </a:p>
+        </p:txBody>
+      </p:sp>
+    </p:spTree>
+    <p:extLst>
+      <p:ext uri="{BB962C8B-B14F-4D97-AF65-F5344CB8AC3E}">
+        <p14:creationId xmlns:p14="http://schemas.microsoft.com/office/powerpoint/2010/main" val="332632794"/>
+      </p:ext>
+    </p:extLst>
+  </p:cSld>
+  <p:clrMapOvr>
+    <a:masterClrMapping/>
+  </p:clrMapOvr>
+</p:sld>
+</file>
+
+<file path=ppt/slides/slide3.xml><?xml version="1.0" encoding="utf-8"?>
+<p:sld xmlns:a="http://schemas.openxmlformats.org/drawingml/2006/main" xmlns:r="http://schemas.openxmlformats.org/officeDocument/2006/relationships" xmlns:p="http://schemas.openxmlformats.org/presentationml/2006/main">
+  <p:cSld>
+    <p:spTree>
+      <p:nvGrpSpPr>
+        <p:cNvPr id="1" name="Shape 100"/>
+        <p:cNvGrpSpPr/>
+        <p:nvPr/>
+      </p:nvGrpSpPr>
+      <p:grpSpPr>
+        <a:xfrm>
+          <a:off x="0" y="0"/>
+          <a:ext cx="0" cy="0"/>
+          <a:chOff x="0" y="0"/>
+          <a:chExt cx="0" cy="0"/>
+        </a:xfrm>
+      </p:grpSpPr>
+      <p:sp>
+        <p:nvSpPr>
+          <p:cNvPr id="101" name="Google Shape;101;p15"/>
+          <p:cNvSpPr txBox="1"/>
+          <p:nvPr/>
+        </p:nvSpPr>
+        <p:spPr>
+          <a:xfrm>
+            <a:off x="130400" y="1445725"/>
+            <a:ext cx="8542500" cy="1367400"/>
+          </a:xfrm>
+          <a:prstGeom prst="rect">
+            <a:avLst/>
+          </a:prstGeom>
+          <a:noFill/>
+          <a:ln w="9525" cap="flat" cmpd="sng">
+            <a:solidFill>
+              <a:srgbClr val="FF9900"/>
+            </a:solidFill>
+            <a:prstDash val="solid"/>
+            <a:round/>
+            <a:headEnd type="none" w="sm" len="sm"/>
+            <a:tailEnd type="none" w="sm" len="sm"/>
+          </a:ln>
+        </p:spPr>
+        <p:txBody>
+          <a:bodyPr spcFirstLastPara="1" wrap="square" lIns="91425" tIns="91425" rIns="91425" bIns="91425" anchor="t" anchorCtr="0">
+            <a:noAutofit/>
+          </a:bodyPr>
+          <a:lstStyle/>
+          <a:p>
+            <a:pPr marL="0" lvl="0" indent="0" algn="l" rtl="0">
+              <a:spcBef>
+                <a:spcPts val="0"/>
+              </a:spcBef>
+              <a:spcAft>
+                <a:spcPts val="0"/>
+              </a:spcAft>
+              <a:buNone/>
+            </a:pPr>
+            <a:r>
+              <a:rPr lang="pt-BR" dirty="0"/>
+              <a:t>Nós Operacionais</a:t>
+            </a:r>
+            <a:endParaRPr dirty="0"/>
+          </a:p>
+        </p:txBody>
+      </p:sp>
+      <p:sp>
+        <p:nvSpPr>
+          <p:cNvPr id="102" name="Google Shape;102;p15"/>
+          <p:cNvSpPr/>
+          <p:nvPr/>
+        </p:nvSpPr>
+        <p:spPr>
+          <a:xfrm>
+            <a:off x="3659550" y="186275"/>
+            <a:ext cx="1815000" cy="771900"/>
+          </a:xfrm>
+          <a:prstGeom prst="wave">
+            <a:avLst>
+              <a:gd name="adj1" fmla="val 6999"/>
+              <a:gd name="adj2" fmla="val 0"/>
+            </a:avLst>
+          </a:prstGeom>
+          <a:solidFill>
+            <a:srgbClr val="F4CCCC"/>
+          </a:solidFill>
+          <a:ln w="9525" cap="flat" cmpd="sng">
+            <a:solidFill>
+              <a:srgbClr val="FFFFFF"/>
+            </a:solidFill>
+            <a:prstDash val="solid"/>
+            <a:round/>
+            <a:headEnd type="none" w="sm" len="sm"/>
+            <a:tailEnd type="none" w="sm" len="sm"/>
+          </a:ln>
+        </p:spPr>
+        <p:txBody>
+          <a:bodyPr spcFirstLastPara="1" wrap="square" lIns="91425" tIns="91425" rIns="91425" bIns="91425" anchor="ctr" anchorCtr="0">
+            <a:noAutofit/>
+          </a:bodyPr>
+          <a:lstStyle/>
+          <a:p>
+            <a:pPr marL="457200" lvl="0" indent="-292100" algn="l" rtl="0">
+              <a:spcBef>
+                <a:spcPts val="0"/>
+              </a:spcBef>
+              <a:spcAft>
+                <a:spcPts val="0"/>
+              </a:spcAft>
+              <a:buClr>
+                <a:schemeClr val="dk1"/>
+              </a:buClr>
+              <a:buSzPts val="1000"/>
+              <a:buChar char="❖"/>
+            </a:pPr>
+            <a:r>
+              <a:rPr lang="pt-BR" sz="1000" dirty="0" smtClean="0">
+                <a:solidFill>
+                  <a:schemeClr val="dk1"/>
+                </a:solidFill>
+              </a:rPr>
+              <a:t>Realizar serviço </a:t>
+            </a:r>
+            <a:endParaRPr sz="1200" dirty="0"/>
+          </a:p>
+        </p:txBody>
+      </p:sp>
+      <p:cxnSp>
+        <p:nvCxnSpPr>
+          <p:cNvPr id="111" name="Google Shape;111;p15"/>
+          <p:cNvCxnSpPr>
+            <a:stCxn id="112" idx="0"/>
+            <a:endCxn id="102" idx="2"/>
+          </p:cNvCxnSpPr>
+          <p:nvPr/>
+        </p:nvCxnSpPr>
+        <p:spPr>
+          <a:xfrm rot="-5400000">
+            <a:off x="3849102" y="1120888"/>
+            <a:ext cx="934500" cy="501300"/>
+          </a:xfrm>
+          <a:prstGeom prst="curvedConnector3">
+            <a:avLst>
+              <a:gd name="adj1" fmla="val 47226"/>
+            </a:avLst>
+          </a:prstGeom>
+          <a:noFill/>
+          <a:ln w="9525" cap="flat" cmpd="sng">
+            <a:solidFill>
+              <a:schemeClr val="dk2"/>
+            </a:solidFill>
+            <a:prstDash val="solid"/>
+            <a:round/>
+            <a:headEnd type="none" w="med" len="med"/>
+            <a:tailEnd type="none" w="med" len="med"/>
+          </a:ln>
+        </p:spPr>
+      </p:cxnSp>
+      <p:sp>
+        <p:nvSpPr>
+          <p:cNvPr id="113" name="Google Shape;113;p15"/>
+          <p:cNvSpPr txBox="1"/>
+          <p:nvPr/>
+        </p:nvSpPr>
+        <p:spPr>
+          <a:xfrm>
+            <a:off x="130400" y="2813122"/>
+            <a:ext cx="8542500" cy="1367400"/>
+          </a:xfrm>
+          <a:prstGeom prst="rect">
+            <a:avLst/>
+          </a:prstGeom>
+          <a:noFill/>
+          <a:ln w="9525" cap="flat" cmpd="sng">
+            <a:solidFill>
+              <a:srgbClr val="FF9900"/>
+            </a:solidFill>
+            <a:prstDash val="solid"/>
+            <a:round/>
+            <a:headEnd type="none" w="sm" len="sm"/>
+            <a:tailEnd type="none" w="sm" len="sm"/>
+          </a:ln>
+        </p:spPr>
+        <p:txBody>
+          <a:bodyPr spcFirstLastPara="1" wrap="square" lIns="91425" tIns="91425" rIns="91425" bIns="91425" anchor="t" anchorCtr="0">
+            <a:noAutofit/>
+          </a:bodyPr>
+          <a:lstStyle/>
+          <a:p>
+            <a:pPr marL="0" lvl="0" indent="0" algn="l" rtl="0">
+              <a:spcBef>
+                <a:spcPts val="0"/>
+              </a:spcBef>
+              <a:spcAft>
+                <a:spcPts val="0"/>
+              </a:spcAft>
+              <a:buNone/>
+            </a:pPr>
+            <a:r>
+              <a:rPr lang="pt-BR" dirty="0"/>
+              <a:t>Capacidades Operacionais</a:t>
+            </a:r>
+            <a:endParaRPr dirty="0"/>
+          </a:p>
+        </p:txBody>
+      </p:sp>
+      <p:grpSp>
+        <p:nvGrpSpPr>
+          <p:cNvPr id="115" name="Google Shape;115;p15"/>
+          <p:cNvGrpSpPr/>
+          <p:nvPr/>
+        </p:nvGrpSpPr>
+        <p:grpSpPr>
+          <a:xfrm>
+            <a:off x="6116076" y="1714176"/>
+            <a:ext cx="897119" cy="830488"/>
+            <a:chOff x="6787874" y="3204287"/>
+            <a:chExt cx="897119" cy="830488"/>
+          </a:xfrm>
+        </p:grpSpPr>
+        <p:grpSp>
+          <p:nvGrpSpPr>
+            <p:cNvPr id="116" name="Google Shape;116;p15"/>
+            <p:cNvGrpSpPr/>
+            <p:nvPr/>
+          </p:nvGrpSpPr>
+          <p:grpSpPr>
+            <a:xfrm>
+              <a:off x="7044733" y="3204287"/>
+              <a:ext cx="308885" cy="587736"/>
+              <a:chOff x="1499725" y="1450825"/>
+              <a:chExt cx="497400" cy="843600"/>
+            </a:xfrm>
+          </p:grpSpPr>
+          <p:sp>
+            <p:nvSpPr>
+              <p:cNvPr id="117" name="Google Shape;117;p15"/>
+              <p:cNvSpPr/>
+              <p:nvPr/>
+            </p:nvSpPr>
+            <p:spPr>
+              <a:xfrm>
+                <a:off x="1597825" y="1450825"/>
+                <a:ext cx="313200" cy="281400"/>
+              </a:xfrm>
+              <a:prstGeom prst="flowChartConnector">
+                <a:avLst/>
+              </a:prstGeom>
+              <a:solidFill>
+                <a:srgbClr val="EEEEEE"/>
+              </a:solidFill>
+              <a:ln w="9525" cap="flat" cmpd="sng">
+                <a:solidFill>
+                  <a:srgbClr val="595959"/>
+                </a:solidFill>
+                <a:prstDash val="solid"/>
+                <a:round/>
+                <a:headEnd type="none" w="sm" len="sm"/>
+                <a:tailEnd type="none" w="sm" len="sm"/>
+              </a:ln>
+            </p:spPr>
+            <p:txBody>
+              <a:bodyPr spcFirstLastPara="1" wrap="square" lIns="91425" tIns="91425" rIns="91425" bIns="91425" anchor="ctr" anchorCtr="0">
+                <a:noAutofit/>
+              </a:bodyPr>
+              <a:lstStyle/>
+              <a:p>
+                <a:pPr marL="0" lvl="0" indent="0" algn="l" rtl="0">
+                  <a:spcBef>
+                    <a:spcPts val="0"/>
+                  </a:spcBef>
+                  <a:spcAft>
+                    <a:spcPts val="0"/>
+                  </a:spcAft>
+                  <a:buNone/>
+                </a:pPr>
+                <a:endParaRPr dirty="0"/>
+              </a:p>
+            </p:txBody>
+          </p:sp>
+          <p:cxnSp>
+            <p:nvCxnSpPr>
+              <p:cNvPr id="118" name="Google Shape;118;p15"/>
+              <p:cNvCxnSpPr>
+                <a:stCxn id="117" idx="4"/>
+              </p:cNvCxnSpPr>
+              <p:nvPr/>
+            </p:nvCxnSpPr>
+            <p:spPr>
+              <a:xfrm flipH="1">
+                <a:off x="1748725" y="1732225"/>
+                <a:ext cx="5700" cy="293100"/>
+              </a:xfrm>
+              <a:prstGeom prst="straightConnector1">
+                <a:avLst/>
+              </a:prstGeom>
+              <a:noFill/>
+              <a:ln w="9525" cap="flat" cmpd="sng">
+                <a:solidFill>
+                  <a:srgbClr val="595959"/>
+                </a:solidFill>
+                <a:prstDash val="solid"/>
+                <a:round/>
+                <a:headEnd type="none" w="med" len="med"/>
+                <a:tailEnd type="none" w="med" len="med"/>
+              </a:ln>
+            </p:spPr>
+          </p:cxnSp>
+          <p:cxnSp>
+            <p:nvCxnSpPr>
+              <p:cNvPr id="119" name="Google Shape;119;p15"/>
+              <p:cNvCxnSpPr/>
+              <p:nvPr/>
+            </p:nvCxnSpPr>
+            <p:spPr>
+              <a:xfrm>
+                <a:off x="1527475" y="1858775"/>
+                <a:ext cx="453900" cy="1800"/>
+              </a:xfrm>
+              <a:prstGeom prst="straightConnector1">
+                <a:avLst/>
+              </a:prstGeom>
+              <a:noFill/>
+              <a:ln w="9525" cap="flat" cmpd="sng">
+                <a:solidFill>
+                  <a:srgbClr val="595959"/>
+                </a:solidFill>
+                <a:prstDash val="solid"/>
+                <a:round/>
+                <a:headEnd type="none" w="med" len="med"/>
+                <a:tailEnd type="none" w="med" len="med"/>
+              </a:ln>
+            </p:spPr>
+          </p:cxnSp>
+          <p:cxnSp>
+            <p:nvCxnSpPr>
+              <p:cNvPr id="120" name="Google Shape;120;p15"/>
+              <p:cNvCxnSpPr/>
+              <p:nvPr/>
+            </p:nvCxnSpPr>
+            <p:spPr>
+              <a:xfrm flipH="1">
+                <a:off x="1499725" y="2022925"/>
+                <a:ext cx="248700" cy="271500"/>
+              </a:xfrm>
+              <a:prstGeom prst="straightConnector1">
+                <a:avLst/>
+              </a:prstGeom>
+              <a:noFill/>
+              <a:ln w="9525" cap="flat" cmpd="sng">
+                <a:solidFill>
+                  <a:srgbClr val="595959"/>
+                </a:solidFill>
+                <a:prstDash val="solid"/>
+                <a:round/>
+                <a:headEnd type="none" w="med" len="med"/>
+                <a:tailEnd type="none" w="med" len="med"/>
+              </a:ln>
+            </p:spPr>
+          </p:cxnSp>
+          <p:cxnSp>
+            <p:nvCxnSpPr>
+              <p:cNvPr id="121" name="Google Shape;121;p15"/>
+              <p:cNvCxnSpPr/>
+              <p:nvPr/>
+            </p:nvCxnSpPr>
+            <p:spPr>
+              <a:xfrm rot="10800000">
+                <a:off x="1748425" y="2022925"/>
+                <a:ext cx="248700" cy="271500"/>
+              </a:xfrm>
+              <a:prstGeom prst="straightConnector1">
+                <a:avLst/>
+              </a:prstGeom>
+              <a:noFill/>
+              <a:ln w="9525" cap="flat" cmpd="sng">
+                <a:solidFill>
+                  <a:srgbClr val="595959"/>
+                </a:solidFill>
+                <a:prstDash val="solid"/>
+                <a:round/>
+                <a:headEnd type="none" w="med" len="med"/>
+                <a:tailEnd type="none" w="med" len="med"/>
+              </a:ln>
+            </p:spPr>
+          </p:cxnSp>
+        </p:grpSp>
+        <p:sp>
+          <p:nvSpPr>
+            <p:cNvPr id="122" name="Google Shape;122;p15"/>
+            <p:cNvSpPr txBox="1"/>
+            <p:nvPr/>
+          </p:nvSpPr>
+          <p:spPr>
+            <a:xfrm>
+              <a:off x="6787874" y="3691875"/>
+              <a:ext cx="897119" cy="342900"/>
+            </a:xfrm>
+            <a:prstGeom prst="rect">
+              <a:avLst/>
+            </a:prstGeom>
+            <a:noFill/>
+            <a:ln>
+              <a:noFill/>
+            </a:ln>
+          </p:spPr>
+          <p:txBody>
+            <a:bodyPr spcFirstLastPara="1" wrap="square" lIns="91425" tIns="91425" rIns="91425" bIns="91425" anchor="t" anchorCtr="0">
+              <a:noAutofit/>
+            </a:bodyPr>
+            <a:lstStyle/>
+            <a:p>
+              <a:pPr marL="0" lvl="0" indent="0" algn="ctr" rtl="0">
+                <a:spcBef>
+                  <a:spcPts val="0"/>
+                </a:spcBef>
+                <a:spcAft>
+                  <a:spcPts val="0"/>
+                </a:spcAft>
+                <a:buNone/>
+              </a:pPr>
+              <a:r>
+                <a:rPr lang="pt-BR" sz="1200" b="1" dirty="0" smtClean="0"/>
+                <a:t>Tatuador</a:t>
+              </a:r>
+              <a:endParaRPr sz="1200" b="1" dirty="0"/>
+            </a:p>
+          </p:txBody>
+        </p:sp>
+      </p:grpSp>
+      <p:cxnSp>
+        <p:nvCxnSpPr>
+          <p:cNvPr id="123" name="Google Shape;123;p15"/>
+          <p:cNvCxnSpPr>
+            <a:stCxn id="117" idx="0"/>
+            <a:endCxn id="102" idx="2"/>
+          </p:cNvCxnSpPr>
+          <p:nvPr/>
+        </p:nvCxnSpPr>
+        <p:spPr>
+          <a:xfrm rot="5400000" flipH="1">
+            <a:off x="5144053" y="327126"/>
+            <a:ext cx="810000" cy="1964100"/>
+          </a:xfrm>
+          <a:prstGeom prst="curvedConnector3">
+            <a:avLst>
+              <a:gd name="adj1" fmla="val 46793"/>
+            </a:avLst>
+          </a:prstGeom>
+          <a:noFill/>
+          <a:ln w="9525" cap="flat" cmpd="sng">
+            <a:solidFill>
+              <a:schemeClr val="dk2"/>
+            </a:solidFill>
+            <a:prstDash val="solid"/>
+            <a:round/>
+            <a:headEnd type="none" w="med" len="med"/>
+            <a:tailEnd type="none" w="med" len="med"/>
+          </a:ln>
+        </p:spPr>
+      </p:cxnSp>
+      <p:cxnSp>
+        <p:nvCxnSpPr>
+          <p:cNvPr id="124" name="Google Shape;124;p15"/>
+          <p:cNvCxnSpPr>
+            <a:stCxn id="112" idx="2"/>
+            <a:endCxn id="125" idx="1"/>
+          </p:cNvCxnSpPr>
+          <p:nvPr/>
+        </p:nvCxnSpPr>
+        <p:spPr>
+          <a:xfrm rot="-5400000" flipH="1">
+            <a:off x="3855852" y="2580238"/>
+            <a:ext cx="1161900" cy="742200"/>
+          </a:xfrm>
+          <a:prstGeom prst="curvedConnector2">
+            <a:avLst/>
+          </a:prstGeom>
+          <a:noFill/>
+          <a:ln w="9525" cap="flat" cmpd="sng">
+            <a:solidFill>
+              <a:schemeClr val="dk2"/>
+            </a:solidFill>
+            <a:prstDash val="solid"/>
+            <a:round/>
+            <a:headEnd type="none" w="med" len="med"/>
+            <a:tailEnd type="none" w="med" len="med"/>
+          </a:ln>
+        </p:spPr>
+      </p:cxnSp>
+      <p:sp>
+        <p:nvSpPr>
+          <p:cNvPr id="125" name="Google Shape;125;p15"/>
+          <p:cNvSpPr/>
+          <p:nvPr/>
+        </p:nvSpPr>
+        <p:spPr>
+          <a:xfrm>
+            <a:off x="4807825" y="3266600"/>
+            <a:ext cx="1723200" cy="531600"/>
+          </a:xfrm>
+          <a:prstGeom prst="bracketPair">
+            <a:avLst/>
+          </a:prstGeom>
+          <a:noFill/>
+          <a:ln w="9525" cap="flat" cmpd="sng">
+            <a:solidFill>
+              <a:schemeClr val="dk2"/>
+            </a:solidFill>
+            <a:prstDash val="solid"/>
+            <a:round/>
+            <a:headEnd type="none" w="sm" len="sm"/>
+            <a:tailEnd type="none" w="sm" len="sm"/>
+          </a:ln>
+        </p:spPr>
+        <p:txBody>
+          <a:bodyPr spcFirstLastPara="1" wrap="square" lIns="91425" tIns="91425" rIns="91425" bIns="91425" anchor="ctr" anchorCtr="0">
+            <a:noAutofit/>
+          </a:bodyPr>
+          <a:lstStyle/>
+          <a:p>
+            <a:pPr marL="457200" lvl="0" indent="-292100" algn="l" rtl="0">
+              <a:spcBef>
+                <a:spcPts val="0"/>
+              </a:spcBef>
+              <a:spcAft>
+                <a:spcPts val="0"/>
+              </a:spcAft>
+              <a:buSzPts val="1000"/>
+              <a:buChar char="●"/>
+            </a:pPr>
+            <a:r>
+              <a:rPr lang="pt-BR" sz="1000" dirty="0" smtClean="0"/>
+              <a:t>Realizar serviço</a:t>
+            </a:r>
+            <a:endParaRPr sz="1000" dirty="0"/>
+          </a:p>
+        </p:txBody>
+      </p:sp>
+      <p:sp>
+        <p:nvSpPr>
+          <p:cNvPr id="112" name="Google Shape;112;p15"/>
+          <p:cNvSpPr/>
+          <p:nvPr/>
+        </p:nvSpPr>
+        <p:spPr>
+          <a:xfrm>
+            <a:off x="3564402" y="1838788"/>
+            <a:ext cx="1002600" cy="531600"/>
+          </a:xfrm>
+          <a:prstGeom prst="roundRect">
+            <a:avLst>
+              <a:gd name="adj" fmla="val 16667"/>
+            </a:avLst>
+          </a:prstGeom>
+          <a:gradFill>
+            <a:gsLst>
+              <a:gs pos="0">
+                <a:srgbClr val="D4E5F5"/>
+              </a:gs>
+              <a:gs pos="100000">
+                <a:srgbClr val="70A4D5"/>
+              </a:gs>
+            </a:gsLst>
+            <a:path path="circle">
+              <a:fillToRect l="50000" t="50000" r="50000" b="50000"/>
+            </a:path>
+            <a:tileRect/>
+          </a:gradFill>
+          <a:ln w="9525" cap="flat" cmpd="sng">
+            <a:solidFill>
+              <a:srgbClr val="F3F3F3"/>
+            </a:solidFill>
+            <a:prstDash val="solid"/>
+            <a:round/>
+            <a:headEnd type="none" w="sm" len="sm"/>
+            <a:tailEnd type="none" w="sm" len="sm"/>
+          </a:ln>
+        </p:spPr>
+        <p:txBody>
+          <a:bodyPr spcFirstLastPara="1" wrap="square" lIns="91425" tIns="91425" rIns="91425" bIns="91425" anchor="ctr" anchorCtr="0">
+            <a:noAutofit/>
+          </a:bodyPr>
+          <a:lstStyle/>
+          <a:p>
+            <a:pPr marL="0" lvl="0" indent="0" algn="ctr" rtl="0">
+              <a:spcBef>
+                <a:spcPts val="0"/>
+              </a:spcBef>
+              <a:spcAft>
+                <a:spcPts val="0"/>
+              </a:spcAft>
+              <a:buNone/>
+            </a:pPr>
+            <a:r>
+              <a:rPr lang="pt-BR" sz="1000" dirty="0" smtClean="0"/>
+              <a:t>Estúdio</a:t>
+            </a:r>
+            <a:endParaRPr sz="1000" dirty="0"/>
+          </a:p>
+        </p:txBody>
+      </p:sp>
+    </p:spTree>
+    <p:extLst>
+      <p:ext uri="{BB962C8B-B14F-4D97-AF65-F5344CB8AC3E}">
+        <p14:creationId xmlns:p14="http://schemas.microsoft.com/office/powerpoint/2010/main" val="1280879970"/>
+      </p:ext>
+    </p:extLst>
+  </p:cSld>
+  <p:clrMapOvr>
+    <a:masterClrMapping/>
+  </p:clrMapOvr>
+</p:sld>
+</file>
+
+<file path=ppt/slides/slide4.xml><?xml version="1.0" encoding="utf-8"?>
+<p:sld xmlns:a="http://schemas.openxmlformats.org/drawingml/2006/main" xmlns:r="http://schemas.openxmlformats.org/officeDocument/2006/relationships" xmlns:p="http://schemas.openxmlformats.org/presentationml/2006/main">
+  <p:cSld>
+    <p:spTree>
+      <p:nvGrpSpPr>
+        <p:cNvPr id="1" name="Shape 100"/>
+        <p:cNvGrpSpPr/>
+        <p:nvPr/>
+      </p:nvGrpSpPr>
+      <p:grpSpPr>
+        <a:xfrm>
+          <a:off x="0" y="0"/>
+          <a:ext cx="0" cy="0"/>
+          <a:chOff x="0" y="0"/>
+          <a:chExt cx="0" cy="0"/>
+        </a:xfrm>
+      </p:grpSpPr>
+      <p:sp>
+        <p:nvSpPr>
+          <p:cNvPr id="101" name="Google Shape;101;p15"/>
+          <p:cNvSpPr txBox="1"/>
+          <p:nvPr/>
+        </p:nvSpPr>
+        <p:spPr>
+          <a:xfrm>
+            <a:off x="130400" y="1445725"/>
+            <a:ext cx="8542500" cy="1367400"/>
+          </a:xfrm>
+          <a:prstGeom prst="rect">
+            <a:avLst/>
+          </a:prstGeom>
+          <a:noFill/>
+          <a:ln w="9525" cap="flat" cmpd="sng">
+            <a:solidFill>
+              <a:srgbClr val="FF9900"/>
+            </a:solidFill>
+            <a:prstDash val="solid"/>
+            <a:round/>
+            <a:headEnd type="none" w="sm" len="sm"/>
+            <a:tailEnd type="none" w="sm" len="sm"/>
+          </a:ln>
+        </p:spPr>
+        <p:txBody>
+          <a:bodyPr spcFirstLastPara="1" wrap="square" lIns="91425" tIns="91425" rIns="91425" bIns="91425" anchor="t" anchorCtr="0">
+            <a:noAutofit/>
+          </a:bodyPr>
+          <a:lstStyle/>
+          <a:p>
+            <a:pPr marL="0" lvl="0" indent="0" algn="l" rtl="0">
+              <a:spcBef>
+                <a:spcPts val="0"/>
+              </a:spcBef>
+              <a:spcAft>
+                <a:spcPts val="0"/>
+              </a:spcAft>
+              <a:buNone/>
+            </a:pPr>
+            <a:r>
+              <a:rPr lang="pt-BR" dirty="0"/>
+              <a:t>Nós Operacionais</a:t>
+            </a:r>
+            <a:endParaRPr dirty="0"/>
+          </a:p>
+        </p:txBody>
+      </p:sp>
+      <p:sp>
+        <p:nvSpPr>
+          <p:cNvPr id="102" name="Google Shape;102;p15"/>
+          <p:cNvSpPr/>
+          <p:nvPr/>
+        </p:nvSpPr>
+        <p:spPr>
+          <a:xfrm>
+            <a:off x="3659550" y="186275"/>
+            <a:ext cx="1815000" cy="771900"/>
+          </a:xfrm>
+          <a:prstGeom prst="wave">
+            <a:avLst>
+              <a:gd name="adj1" fmla="val 6999"/>
+              <a:gd name="adj2" fmla="val 0"/>
+            </a:avLst>
+          </a:prstGeom>
+          <a:solidFill>
+            <a:srgbClr val="F4CCCC"/>
+          </a:solidFill>
+          <a:ln w="9525" cap="flat" cmpd="sng">
+            <a:solidFill>
+              <a:srgbClr val="FFFFFF"/>
+            </a:solidFill>
+            <a:prstDash val="solid"/>
+            <a:round/>
+            <a:headEnd type="none" w="sm" len="sm"/>
+            <a:tailEnd type="none" w="sm" len="sm"/>
+          </a:ln>
+        </p:spPr>
+        <p:txBody>
+          <a:bodyPr spcFirstLastPara="1" wrap="square" lIns="91425" tIns="91425" rIns="91425" bIns="91425" anchor="ctr" anchorCtr="0">
+            <a:noAutofit/>
+          </a:bodyPr>
+          <a:lstStyle/>
+          <a:p>
+            <a:pPr marL="457200" lvl="0" indent="-292100" algn="l" rtl="0">
+              <a:spcBef>
+                <a:spcPts val="0"/>
+              </a:spcBef>
+              <a:spcAft>
+                <a:spcPts val="0"/>
+              </a:spcAft>
+              <a:buClr>
+                <a:schemeClr val="dk1"/>
+              </a:buClr>
+              <a:buSzPts val="1000"/>
+              <a:buChar char="❖"/>
+            </a:pPr>
+            <a:r>
+              <a:rPr lang="pt-BR" sz="1000" dirty="0" smtClean="0">
+                <a:solidFill>
+                  <a:schemeClr val="dk1"/>
+                </a:solidFill>
+              </a:rPr>
               <a:t>Agendar serviço </a:t>
+            </a:r>
+            <a:endParaRPr sz="1200" dirty="0"/>
+          </a:p>
+        </p:txBody>
+      </p:sp>
+      <p:grpSp>
+        <p:nvGrpSpPr>
+          <p:cNvPr id="103" name="Google Shape;103;p15"/>
+          <p:cNvGrpSpPr/>
+          <p:nvPr/>
+        </p:nvGrpSpPr>
+        <p:grpSpPr>
+          <a:xfrm>
+            <a:off x="1485327" y="1888715"/>
+            <a:ext cx="1021200" cy="830484"/>
+            <a:chOff x="2852000" y="3424900"/>
+            <a:chExt cx="1021200" cy="830484"/>
+          </a:xfrm>
+        </p:grpSpPr>
+        <p:grpSp>
+          <p:nvGrpSpPr>
+            <p:cNvPr id="104" name="Google Shape;104;p15"/>
+            <p:cNvGrpSpPr/>
+            <p:nvPr/>
+          </p:nvGrpSpPr>
+          <p:grpSpPr>
+            <a:xfrm>
+              <a:off x="3206355" y="3424900"/>
+              <a:ext cx="308885" cy="587736"/>
+              <a:chOff x="1499725" y="1450825"/>
+              <a:chExt cx="497400" cy="843600"/>
+            </a:xfrm>
+          </p:grpSpPr>
+          <p:sp>
+            <p:nvSpPr>
+              <p:cNvPr id="105" name="Google Shape;105;p15"/>
+              <p:cNvSpPr/>
+              <p:nvPr/>
+            </p:nvSpPr>
+            <p:spPr>
+              <a:xfrm>
+                <a:off x="1597825" y="1450825"/>
+                <a:ext cx="313200" cy="281400"/>
+              </a:xfrm>
+              <a:prstGeom prst="flowChartConnector">
+                <a:avLst/>
+              </a:prstGeom>
+              <a:solidFill>
+                <a:srgbClr val="EEEEEE"/>
+              </a:solidFill>
+              <a:ln w="9525" cap="flat" cmpd="sng">
+                <a:solidFill>
+                  <a:srgbClr val="595959"/>
+                </a:solidFill>
+                <a:prstDash val="solid"/>
+                <a:round/>
+                <a:headEnd type="none" w="sm" len="sm"/>
+                <a:tailEnd type="none" w="sm" len="sm"/>
+              </a:ln>
+            </p:spPr>
+            <p:txBody>
+              <a:bodyPr spcFirstLastPara="1" wrap="square" lIns="91425" tIns="91425" rIns="91425" bIns="91425" anchor="ctr" anchorCtr="0">
+                <a:noAutofit/>
+              </a:bodyPr>
+              <a:lstStyle/>
+              <a:p>
+                <a:pPr marL="0" lvl="0" indent="0" algn="l" rtl="0">
+                  <a:spcBef>
+                    <a:spcPts val="0"/>
+                  </a:spcBef>
+                  <a:spcAft>
+                    <a:spcPts val="0"/>
+                  </a:spcAft>
+                  <a:buNone/>
+                </a:pPr>
+                <a:endParaRPr dirty="0"/>
+              </a:p>
+            </p:txBody>
+          </p:sp>
+          <p:cxnSp>
+            <p:nvCxnSpPr>
+              <p:cNvPr id="106" name="Google Shape;106;p15"/>
+              <p:cNvCxnSpPr>
+                <a:stCxn id="105" idx="4"/>
+              </p:cNvCxnSpPr>
+              <p:nvPr/>
+            </p:nvCxnSpPr>
+            <p:spPr>
+              <a:xfrm flipH="1">
+                <a:off x="1748725" y="1732225"/>
+                <a:ext cx="5700" cy="293100"/>
+              </a:xfrm>
+              <a:prstGeom prst="straightConnector1">
+                <a:avLst/>
+              </a:prstGeom>
+              <a:noFill/>
+              <a:ln w="9525" cap="flat" cmpd="sng">
+                <a:solidFill>
+                  <a:srgbClr val="595959"/>
+                </a:solidFill>
+                <a:prstDash val="solid"/>
+                <a:round/>
+                <a:headEnd type="none" w="med" len="med"/>
+                <a:tailEnd type="none" w="med" len="med"/>
+              </a:ln>
+            </p:spPr>
+          </p:cxnSp>
+          <p:cxnSp>
+            <p:nvCxnSpPr>
+              <p:cNvPr id="107" name="Google Shape;107;p15"/>
+              <p:cNvCxnSpPr/>
+              <p:nvPr/>
+            </p:nvCxnSpPr>
+            <p:spPr>
+              <a:xfrm>
+                <a:off x="1527475" y="1858775"/>
+                <a:ext cx="453900" cy="1800"/>
+              </a:xfrm>
+              <a:prstGeom prst="straightConnector1">
+                <a:avLst/>
+              </a:prstGeom>
+              <a:noFill/>
+              <a:ln w="9525" cap="flat" cmpd="sng">
+                <a:solidFill>
+                  <a:srgbClr val="595959"/>
+                </a:solidFill>
+                <a:prstDash val="solid"/>
+                <a:round/>
+                <a:headEnd type="none" w="med" len="med"/>
+                <a:tailEnd type="none" w="med" len="med"/>
+              </a:ln>
+            </p:spPr>
+          </p:cxnSp>
+          <p:cxnSp>
+            <p:nvCxnSpPr>
+              <p:cNvPr id="108" name="Google Shape;108;p15"/>
+              <p:cNvCxnSpPr/>
+              <p:nvPr/>
+            </p:nvCxnSpPr>
+            <p:spPr>
+              <a:xfrm flipH="1">
+                <a:off x="1499725" y="2022925"/>
+                <a:ext cx="248700" cy="271500"/>
+              </a:xfrm>
+              <a:prstGeom prst="straightConnector1">
+                <a:avLst/>
+              </a:prstGeom>
+              <a:noFill/>
+              <a:ln w="9525" cap="flat" cmpd="sng">
+                <a:solidFill>
+                  <a:srgbClr val="595959"/>
+                </a:solidFill>
+                <a:prstDash val="solid"/>
+                <a:round/>
+                <a:headEnd type="none" w="med" len="med"/>
+                <a:tailEnd type="none" w="med" len="med"/>
+              </a:ln>
+            </p:spPr>
+          </p:cxnSp>
+          <p:cxnSp>
+            <p:nvCxnSpPr>
+              <p:cNvPr id="109" name="Google Shape;109;p15"/>
+              <p:cNvCxnSpPr/>
+              <p:nvPr/>
+            </p:nvCxnSpPr>
+            <p:spPr>
+              <a:xfrm rot="10800000">
+                <a:off x="1748425" y="2022925"/>
+                <a:ext cx="248700" cy="271500"/>
+              </a:xfrm>
+              <a:prstGeom prst="straightConnector1">
+                <a:avLst/>
+              </a:prstGeom>
+              <a:noFill/>
+              <a:ln w="9525" cap="flat" cmpd="sng">
+                <a:solidFill>
+                  <a:srgbClr val="595959"/>
+                </a:solidFill>
+                <a:prstDash val="solid"/>
+                <a:round/>
+                <a:headEnd type="none" w="med" len="med"/>
+                <a:tailEnd type="none" w="med" len="med"/>
+              </a:ln>
+            </p:spPr>
+          </p:cxnSp>
+        </p:grpSp>
+        <p:sp>
+          <p:nvSpPr>
+            <p:cNvPr id="110" name="Google Shape;110;p15"/>
+            <p:cNvSpPr txBox="1"/>
+            <p:nvPr/>
+          </p:nvSpPr>
+          <p:spPr>
+            <a:xfrm>
+              <a:off x="2852000" y="3912484"/>
+              <a:ext cx="1021200" cy="342900"/>
+            </a:xfrm>
+            <a:prstGeom prst="rect">
+              <a:avLst/>
+            </a:prstGeom>
+            <a:noFill/>
+            <a:ln>
+              <a:noFill/>
+            </a:ln>
+          </p:spPr>
+          <p:txBody>
+            <a:bodyPr spcFirstLastPara="1" wrap="square" lIns="91425" tIns="91425" rIns="91425" bIns="91425" anchor="t" anchorCtr="0">
+              <a:noAutofit/>
+            </a:bodyPr>
+            <a:lstStyle/>
+            <a:p>
+              <a:pPr marL="0" lvl="0" indent="0" algn="ctr" rtl="0">
+                <a:spcBef>
+                  <a:spcPts val="0"/>
+                </a:spcBef>
+                <a:spcAft>
+                  <a:spcPts val="0"/>
+                </a:spcAft>
+                <a:buNone/>
+              </a:pPr>
+              <a:r>
+                <a:rPr lang="pt-BR" sz="1200" b="1" dirty="0" smtClean="0"/>
+                <a:t>Cliente</a:t>
+              </a:r>
+              <a:endParaRPr sz="1200" b="1" dirty="0"/>
+            </a:p>
+          </p:txBody>
+        </p:sp>
+      </p:grpSp>
+      <p:cxnSp>
+        <p:nvCxnSpPr>
+          <p:cNvPr id="111" name="Google Shape;111;p15"/>
+          <p:cNvCxnSpPr>
+            <a:stCxn id="112" idx="0"/>
+            <a:endCxn id="102" idx="2"/>
+          </p:cNvCxnSpPr>
+          <p:nvPr/>
+        </p:nvCxnSpPr>
+        <p:spPr>
+          <a:xfrm rot="-5400000">
+            <a:off x="3849102" y="1120888"/>
+            <a:ext cx="934500" cy="501300"/>
+          </a:xfrm>
+          <a:prstGeom prst="curvedConnector3">
+            <a:avLst>
+              <a:gd name="adj1" fmla="val 47226"/>
+            </a:avLst>
+          </a:prstGeom>
+          <a:noFill/>
+          <a:ln w="9525" cap="flat" cmpd="sng">
+            <a:solidFill>
+              <a:schemeClr val="dk2"/>
+            </a:solidFill>
+            <a:prstDash val="solid"/>
+            <a:round/>
+            <a:headEnd type="none" w="med" len="med"/>
+            <a:tailEnd type="none" w="med" len="med"/>
+          </a:ln>
+        </p:spPr>
+      </p:cxnSp>
+      <p:sp>
+        <p:nvSpPr>
+          <p:cNvPr id="113" name="Google Shape;113;p15"/>
+          <p:cNvSpPr txBox="1"/>
+          <p:nvPr/>
+        </p:nvSpPr>
+        <p:spPr>
+          <a:xfrm>
+            <a:off x="130400" y="2813122"/>
+            <a:ext cx="8542500" cy="1367400"/>
+          </a:xfrm>
+          <a:prstGeom prst="rect">
+            <a:avLst/>
+          </a:prstGeom>
+          <a:noFill/>
+          <a:ln w="9525" cap="flat" cmpd="sng">
+            <a:solidFill>
+              <a:srgbClr val="FF9900"/>
+            </a:solidFill>
+            <a:prstDash val="solid"/>
+            <a:round/>
+            <a:headEnd type="none" w="sm" len="sm"/>
+            <a:tailEnd type="none" w="sm" len="sm"/>
+          </a:ln>
+        </p:spPr>
+        <p:txBody>
+          <a:bodyPr spcFirstLastPara="1" wrap="square" lIns="91425" tIns="91425" rIns="91425" bIns="91425" anchor="t" anchorCtr="0">
+            <a:noAutofit/>
+          </a:bodyPr>
+          <a:lstStyle/>
+          <a:p>
+            <a:pPr marL="0" lvl="0" indent="0" algn="l" rtl="0">
+              <a:spcBef>
+                <a:spcPts val="0"/>
+              </a:spcBef>
+              <a:spcAft>
+                <a:spcPts val="0"/>
+              </a:spcAft>
+              <a:buNone/>
+            </a:pPr>
+            <a:r>
+              <a:rPr lang="pt-BR" dirty="0"/>
+              <a:t>Capacidades Operacionais</a:t>
+            </a:r>
+            <a:endParaRPr dirty="0"/>
+          </a:p>
+        </p:txBody>
+      </p:sp>
+      <p:cxnSp>
+        <p:nvCxnSpPr>
+          <p:cNvPr id="114" name="Google Shape;114;p15"/>
+          <p:cNvCxnSpPr>
+            <a:stCxn id="105" idx="0"/>
+            <a:endCxn id="102" idx="2"/>
+          </p:cNvCxnSpPr>
+          <p:nvPr/>
+        </p:nvCxnSpPr>
+        <p:spPr>
+          <a:xfrm rot="-5400000">
+            <a:off x="2790151" y="111815"/>
+            <a:ext cx="984600" cy="2569200"/>
+          </a:xfrm>
+          <a:prstGeom prst="curvedConnector3">
+            <a:avLst>
+              <a:gd name="adj1" fmla="val 47358"/>
+            </a:avLst>
+          </a:prstGeom>
+          <a:noFill/>
+          <a:ln w="9525" cap="flat" cmpd="sng">
+            <a:solidFill>
+              <a:schemeClr val="dk2"/>
+            </a:solidFill>
+            <a:prstDash val="solid"/>
+            <a:round/>
+            <a:headEnd type="none" w="med" len="med"/>
+            <a:tailEnd type="none" w="med" len="med"/>
+          </a:ln>
+        </p:spPr>
+      </p:cxnSp>
+      <p:cxnSp>
+        <p:nvCxnSpPr>
+          <p:cNvPr id="124" name="Google Shape;124;p15"/>
+          <p:cNvCxnSpPr>
+            <a:stCxn id="112" idx="2"/>
+            <a:endCxn id="125" idx="1"/>
+          </p:cNvCxnSpPr>
+          <p:nvPr/>
+        </p:nvCxnSpPr>
+        <p:spPr>
+          <a:xfrm rot="-5400000" flipH="1">
+            <a:off x="3855852" y="2580238"/>
+            <a:ext cx="1161900" cy="742200"/>
+          </a:xfrm>
+          <a:prstGeom prst="curvedConnector2">
+            <a:avLst/>
+          </a:prstGeom>
+          <a:noFill/>
+          <a:ln w="9525" cap="flat" cmpd="sng">
+            <a:solidFill>
+              <a:schemeClr val="dk2"/>
+            </a:solidFill>
+            <a:prstDash val="solid"/>
+            <a:round/>
+            <a:headEnd type="none" w="med" len="med"/>
+            <a:tailEnd type="none" w="med" len="med"/>
+          </a:ln>
+        </p:spPr>
+      </p:cxnSp>
+      <p:sp>
+        <p:nvSpPr>
+          <p:cNvPr id="125" name="Google Shape;125;p15"/>
+          <p:cNvSpPr/>
+          <p:nvPr/>
+        </p:nvSpPr>
+        <p:spPr>
+          <a:xfrm>
+            <a:off x="4807825" y="3266600"/>
+            <a:ext cx="1723200" cy="531600"/>
+          </a:xfrm>
+          <a:prstGeom prst="bracketPair">
+            <a:avLst/>
+          </a:prstGeom>
+          <a:noFill/>
+          <a:ln w="9525" cap="flat" cmpd="sng">
+            <a:solidFill>
+              <a:schemeClr val="dk2"/>
+            </a:solidFill>
+            <a:prstDash val="solid"/>
+            <a:round/>
+            <a:headEnd type="none" w="sm" len="sm"/>
+            <a:tailEnd type="none" w="sm" len="sm"/>
+          </a:ln>
+        </p:spPr>
+        <p:txBody>
+          <a:bodyPr spcFirstLastPara="1" wrap="square" lIns="91425" tIns="91425" rIns="91425" bIns="91425" anchor="ctr" anchorCtr="0">
+            <a:noAutofit/>
+          </a:bodyPr>
+          <a:lstStyle/>
+          <a:p>
+            <a:pPr marL="457200" lvl="0" indent="-292100" algn="l" rtl="0">
+              <a:spcBef>
+                <a:spcPts val="0"/>
+              </a:spcBef>
+              <a:spcAft>
+                <a:spcPts val="0"/>
+              </a:spcAft>
+              <a:buSzPts val="1000"/>
+              <a:buChar char="●"/>
+            </a:pPr>
+            <a:r>
+              <a:rPr lang="pt-BR" sz="1000" dirty="0" smtClean="0"/>
+              <a:t>Agendar serviço</a:t>
+            </a:r>
+            <a:endParaRPr sz="1000" dirty="0"/>
+          </a:p>
+        </p:txBody>
+      </p:sp>
+      <p:sp>
+        <p:nvSpPr>
+          <p:cNvPr id="112" name="Google Shape;112;p15"/>
+          <p:cNvSpPr/>
+          <p:nvPr/>
+        </p:nvSpPr>
+        <p:spPr>
+          <a:xfrm>
+            <a:off x="3564402" y="1838788"/>
+            <a:ext cx="1002600" cy="531600"/>
+          </a:xfrm>
+          <a:prstGeom prst="roundRect">
+            <a:avLst>
+              <a:gd name="adj" fmla="val 16667"/>
+            </a:avLst>
+          </a:prstGeom>
+          <a:gradFill>
+            <a:gsLst>
+              <a:gs pos="0">
+                <a:srgbClr val="D4E5F5"/>
+              </a:gs>
+              <a:gs pos="100000">
+                <a:srgbClr val="70A4D5"/>
+              </a:gs>
+            </a:gsLst>
+            <a:path path="circle">
+              <a:fillToRect l="50000" t="50000" r="50000" b="50000"/>
+            </a:path>
+            <a:tileRect/>
+          </a:gradFill>
+          <a:ln w="9525" cap="flat" cmpd="sng">
+            <a:solidFill>
+              <a:srgbClr val="F3F3F3"/>
+            </a:solidFill>
+            <a:prstDash val="solid"/>
+            <a:round/>
+            <a:headEnd type="none" w="sm" len="sm"/>
+            <a:tailEnd type="none" w="sm" len="sm"/>
+          </a:ln>
+        </p:spPr>
+        <p:txBody>
+          <a:bodyPr spcFirstLastPara="1" wrap="square" lIns="91425" tIns="91425" rIns="91425" bIns="91425" anchor="ctr" anchorCtr="0">
+            <a:noAutofit/>
+          </a:bodyPr>
+          <a:lstStyle/>
+          <a:p>
+            <a:pPr marL="0" lvl="0" indent="0" algn="ctr" rtl="0">
+              <a:spcBef>
+                <a:spcPts val="0"/>
+              </a:spcBef>
+              <a:spcAft>
+                <a:spcPts val="0"/>
+              </a:spcAft>
+              <a:buNone/>
+            </a:pPr>
+            <a:r>
+              <a:rPr lang="pt-BR" sz="1000" dirty="0" err="1" smtClean="0"/>
+              <a:t>Draco</a:t>
+            </a:r>
+            <a:r>
+              <a:rPr lang="pt-BR" sz="1000" dirty="0" smtClean="0"/>
+              <a:t> </a:t>
+            </a:r>
+            <a:r>
+              <a:rPr lang="pt-BR" sz="1000" dirty="0" err="1" smtClean="0"/>
+              <a:t>Tatto</a:t>
+            </a:r>
+            <a:endParaRPr sz="1000" dirty="0"/>
+          </a:p>
+        </p:txBody>
+      </p:sp>
+    </p:spTree>
+  </p:cSld>
+  <p:clrMapOvr>
+    <a:masterClrMapping/>
+  </p:clrMapOvr>
+</p:sld>
+</file>
+
+<file path=ppt/slides/slide5.xml><?xml version="1.0" encoding="utf-8"?>
+<p:sld xmlns:a="http://schemas.openxmlformats.org/drawingml/2006/main" xmlns:r="http://schemas.openxmlformats.org/officeDocument/2006/relationships" xmlns:p="http://schemas.openxmlformats.org/presentationml/2006/main">
+  <p:cSld>
+    <p:spTree>
+      <p:nvGrpSpPr>
+        <p:cNvPr id="1" name="Shape 100"/>
+        <p:cNvGrpSpPr/>
+        <p:nvPr/>
+      </p:nvGrpSpPr>
+      <p:grpSpPr>
+        <a:xfrm>
+          <a:off x="0" y="0"/>
+          <a:ext cx="0" cy="0"/>
+          <a:chOff x="0" y="0"/>
+          <a:chExt cx="0" cy="0"/>
+        </a:xfrm>
+      </p:grpSpPr>
+      <p:sp>
+        <p:nvSpPr>
+          <p:cNvPr id="101" name="Google Shape;101;p15"/>
+          <p:cNvSpPr txBox="1"/>
+          <p:nvPr/>
+        </p:nvSpPr>
+        <p:spPr>
+          <a:xfrm>
+            <a:off x="130400" y="1445725"/>
+            <a:ext cx="8542500" cy="1367400"/>
+          </a:xfrm>
+          <a:prstGeom prst="rect">
+            <a:avLst/>
+          </a:prstGeom>
+          <a:noFill/>
+          <a:ln w="9525" cap="flat" cmpd="sng">
+            <a:solidFill>
+              <a:srgbClr val="FF9900"/>
+            </a:solidFill>
+            <a:prstDash val="solid"/>
+            <a:round/>
+            <a:headEnd type="none" w="sm" len="sm"/>
+            <a:tailEnd type="none" w="sm" len="sm"/>
+          </a:ln>
+        </p:spPr>
+        <p:txBody>
+          <a:bodyPr spcFirstLastPara="1" wrap="square" lIns="91425" tIns="91425" rIns="91425" bIns="91425" anchor="t" anchorCtr="0">
+            <a:noAutofit/>
+          </a:bodyPr>
+          <a:lstStyle/>
+          <a:p>
+            <a:pPr marL="0" lvl="0" indent="0" algn="l" rtl="0">
+              <a:spcBef>
+                <a:spcPts val="0"/>
+              </a:spcBef>
+              <a:spcAft>
+                <a:spcPts val="0"/>
+              </a:spcAft>
+              <a:buNone/>
+            </a:pPr>
+            <a:r>
+              <a:rPr lang="pt-BR" dirty="0"/>
+              <a:t>Nós Operacionais</a:t>
+            </a:r>
+            <a:endParaRPr dirty="0"/>
+          </a:p>
+        </p:txBody>
+      </p:sp>
+      <p:sp>
+        <p:nvSpPr>
+          <p:cNvPr id="102" name="Google Shape;102;p15"/>
+          <p:cNvSpPr/>
+          <p:nvPr/>
+        </p:nvSpPr>
+        <p:spPr>
+          <a:xfrm>
+            <a:off x="3659550" y="186275"/>
+            <a:ext cx="1815000" cy="771900"/>
+          </a:xfrm>
+          <a:prstGeom prst="wave">
+            <a:avLst>
+              <a:gd name="adj1" fmla="val 6999"/>
+              <a:gd name="adj2" fmla="val 0"/>
+            </a:avLst>
+          </a:prstGeom>
+          <a:solidFill>
+            <a:srgbClr val="F4CCCC"/>
+          </a:solidFill>
+          <a:ln w="9525" cap="flat" cmpd="sng">
+            <a:solidFill>
+              <a:srgbClr val="FFFFFF"/>
+            </a:solidFill>
+            <a:prstDash val="solid"/>
+            <a:round/>
+            <a:headEnd type="none" w="sm" len="sm"/>
+            <a:tailEnd type="none" w="sm" len="sm"/>
+          </a:ln>
+        </p:spPr>
+        <p:txBody>
+          <a:bodyPr spcFirstLastPara="1" wrap="square" lIns="91425" tIns="91425" rIns="91425" bIns="91425" anchor="ctr" anchorCtr="0">
+            <a:noAutofit/>
+          </a:bodyPr>
+          <a:lstStyle/>
+          <a:p>
+            <a:pPr marL="457200" lvl="0" indent="-292100" algn="l" rtl="0">
+              <a:spcBef>
+                <a:spcPts val="0"/>
+              </a:spcBef>
+              <a:spcAft>
+                <a:spcPts val="0"/>
+              </a:spcAft>
+              <a:buClr>
+                <a:schemeClr val="dk1"/>
+              </a:buClr>
+              <a:buSzPts val="1000"/>
+              <a:buChar char="❖"/>
+            </a:pPr>
+            <a:r>
+              <a:rPr lang="pt-BR" sz="1000" dirty="0" smtClean="0">
+                <a:solidFill>
+                  <a:schemeClr val="dk1"/>
+                </a:solidFill>
+              </a:rPr>
+              <a:t>Realizar orçamento</a:t>
+            </a:r>
+            <a:endParaRPr sz="1200" dirty="0"/>
+          </a:p>
+        </p:txBody>
+      </p:sp>
+      <p:grpSp>
+        <p:nvGrpSpPr>
+          <p:cNvPr id="103" name="Google Shape;103;p15"/>
+          <p:cNvGrpSpPr/>
+          <p:nvPr/>
+        </p:nvGrpSpPr>
+        <p:grpSpPr>
+          <a:xfrm>
+            <a:off x="1485327" y="1888715"/>
+            <a:ext cx="1021200" cy="830484"/>
+            <a:chOff x="2852000" y="3424900"/>
+            <a:chExt cx="1021200" cy="830484"/>
+          </a:xfrm>
+        </p:grpSpPr>
+        <p:grpSp>
+          <p:nvGrpSpPr>
+            <p:cNvPr id="104" name="Google Shape;104;p15"/>
+            <p:cNvGrpSpPr/>
+            <p:nvPr/>
+          </p:nvGrpSpPr>
+          <p:grpSpPr>
+            <a:xfrm>
+              <a:off x="3206355" y="3424900"/>
+              <a:ext cx="308885" cy="587736"/>
+              <a:chOff x="1499725" y="1450825"/>
+              <a:chExt cx="497400" cy="843600"/>
+            </a:xfrm>
+          </p:grpSpPr>
+          <p:sp>
+            <p:nvSpPr>
+              <p:cNvPr id="105" name="Google Shape;105;p15"/>
+              <p:cNvSpPr/>
+              <p:nvPr/>
+            </p:nvSpPr>
+            <p:spPr>
+              <a:xfrm>
+                <a:off x="1597825" y="1450825"/>
+                <a:ext cx="313200" cy="281400"/>
+              </a:xfrm>
+              <a:prstGeom prst="flowChartConnector">
+                <a:avLst/>
+              </a:prstGeom>
+              <a:solidFill>
+                <a:srgbClr val="EEEEEE"/>
+              </a:solidFill>
+              <a:ln w="9525" cap="flat" cmpd="sng">
+                <a:solidFill>
+                  <a:srgbClr val="595959"/>
+                </a:solidFill>
+                <a:prstDash val="solid"/>
+                <a:round/>
+                <a:headEnd type="none" w="sm" len="sm"/>
+                <a:tailEnd type="none" w="sm" len="sm"/>
+              </a:ln>
+            </p:spPr>
+            <p:txBody>
+              <a:bodyPr spcFirstLastPara="1" wrap="square" lIns="91425" tIns="91425" rIns="91425" bIns="91425" anchor="ctr" anchorCtr="0">
+                <a:noAutofit/>
+              </a:bodyPr>
+              <a:lstStyle/>
+              <a:p>
+                <a:pPr marL="0" lvl="0" indent="0" algn="l" rtl="0">
+                  <a:spcBef>
+                    <a:spcPts val="0"/>
+                  </a:spcBef>
+                  <a:spcAft>
+                    <a:spcPts val="0"/>
+                  </a:spcAft>
+                  <a:buNone/>
+                </a:pPr>
+                <a:endParaRPr dirty="0"/>
+              </a:p>
+            </p:txBody>
+          </p:sp>
+          <p:cxnSp>
+            <p:nvCxnSpPr>
+              <p:cNvPr id="106" name="Google Shape;106;p15"/>
+              <p:cNvCxnSpPr>
+                <a:stCxn id="105" idx="4"/>
+              </p:cNvCxnSpPr>
+              <p:nvPr/>
+            </p:nvCxnSpPr>
+            <p:spPr>
+              <a:xfrm flipH="1">
+                <a:off x="1748725" y="1732225"/>
+                <a:ext cx="5700" cy="293100"/>
+              </a:xfrm>
+              <a:prstGeom prst="straightConnector1">
+                <a:avLst/>
+              </a:prstGeom>
+              <a:noFill/>
+              <a:ln w="9525" cap="flat" cmpd="sng">
+                <a:solidFill>
+                  <a:srgbClr val="595959"/>
+                </a:solidFill>
+                <a:prstDash val="solid"/>
+                <a:round/>
+                <a:headEnd type="none" w="med" len="med"/>
+                <a:tailEnd type="none" w="med" len="med"/>
+              </a:ln>
+            </p:spPr>
+          </p:cxnSp>
+          <p:cxnSp>
+            <p:nvCxnSpPr>
+              <p:cNvPr id="107" name="Google Shape;107;p15"/>
+              <p:cNvCxnSpPr/>
+              <p:nvPr/>
+            </p:nvCxnSpPr>
+            <p:spPr>
+              <a:xfrm>
+                <a:off x="1527475" y="1858775"/>
+                <a:ext cx="453900" cy="1800"/>
+              </a:xfrm>
+              <a:prstGeom prst="straightConnector1">
+                <a:avLst/>
+              </a:prstGeom>
+              <a:noFill/>
+              <a:ln w="9525" cap="flat" cmpd="sng">
+                <a:solidFill>
+                  <a:srgbClr val="595959"/>
+                </a:solidFill>
+                <a:prstDash val="solid"/>
+                <a:round/>
+                <a:headEnd type="none" w="med" len="med"/>
+                <a:tailEnd type="none" w="med" len="med"/>
+              </a:ln>
+            </p:spPr>
+          </p:cxnSp>
+          <p:cxnSp>
+            <p:nvCxnSpPr>
+              <p:cNvPr id="108" name="Google Shape;108;p15"/>
+              <p:cNvCxnSpPr/>
+              <p:nvPr/>
+            </p:nvCxnSpPr>
+            <p:spPr>
+              <a:xfrm flipH="1">
+                <a:off x="1499725" y="2022925"/>
+                <a:ext cx="248700" cy="271500"/>
+              </a:xfrm>
+              <a:prstGeom prst="straightConnector1">
+                <a:avLst/>
+              </a:prstGeom>
+              <a:noFill/>
+              <a:ln w="9525" cap="flat" cmpd="sng">
+                <a:solidFill>
+                  <a:srgbClr val="595959"/>
+                </a:solidFill>
+                <a:prstDash val="solid"/>
+                <a:round/>
+                <a:headEnd type="none" w="med" len="med"/>
+                <a:tailEnd type="none" w="med" len="med"/>
+              </a:ln>
+            </p:spPr>
+          </p:cxnSp>
+          <p:cxnSp>
+            <p:nvCxnSpPr>
+              <p:cNvPr id="109" name="Google Shape;109;p15"/>
+              <p:cNvCxnSpPr/>
+              <p:nvPr/>
+            </p:nvCxnSpPr>
+            <p:spPr>
+              <a:xfrm rot="10800000">
+                <a:off x="1748425" y="2022925"/>
+                <a:ext cx="248700" cy="271500"/>
+              </a:xfrm>
+              <a:prstGeom prst="straightConnector1">
+                <a:avLst/>
+              </a:prstGeom>
+              <a:noFill/>
+              <a:ln w="9525" cap="flat" cmpd="sng">
+                <a:solidFill>
+                  <a:srgbClr val="595959"/>
+                </a:solidFill>
+                <a:prstDash val="solid"/>
+                <a:round/>
+                <a:headEnd type="none" w="med" len="med"/>
+                <a:tailEnd type="none" w="med" len="med"/>
+              </a:ln>
+            </p:spPr>
+          </p:cxnSp>
+        </p:grpSp>
+        <p:sp>
+          <p:nvSpPr>
+            <p:cNvPr id="110" name="Google Shape;110;p15"/>
+            <p:cNvSpPr txBox="1"/>
+            <p:nvPr/>
+          </p:nvSpPr>
+          <p:spPr>
+            <a:xfrm>
+              <a:off x="2852000" y="3912484"/>
+              <a:ext cx="1021200" cy="342900"/>
+            </a:xfrm>
+            <a:prstGeom prst="rect">
+              <a:avLst/>
+            </a:prstGeom>
+            <a:noFill/>
+            <a:ln>
+              <a:noFill/>
+            </a:ln>
+          </p:spPr>
+          <p:txBody>
+            <a:bodyPr spcFirstLastPara="1" wrap="square" lIns="91425" tIns="91425" rIns="91425" bIns="91425" anchor="t" anchorCtr="0">
+              <a:noAutofit/>
+            </a:bodyPr>
+            <a:lstStyle/>
+            <a:p>
+              <a:pPr marL="0" lvl="0" indent="0" algn="ctr" rtl="0">
+                <a:spcBef>
+                  <a:spcPts val="0"/>
+                </a:spcBef>
+                <a:spcAft>
+                  <a:spcPts val="0"/>
+                </a:spcAft>
+                <a:buNone/>
+              </a:pPr>
+              <a:r>
+                <a:rPr lang="pt-BR" sz="1200" b="1" dirty="0" smtClean="0"/>
+                <a:t>Cliente</a:t>
+              </a:r>
+              <a:endParaRPr sz="1200" b="1" dirty="0"/>
+            </a:p>
+          </p:txBody>
+        </p:sp>
+      </p:grpSp>
+      <p:cxnSp>
+        <p:nvCxnSpPr>
+          <p:cNvPr id="111" name="Google Shape;111;p15"/>
+          <p:cNvCxnSpPr>
+            <a:stCxn id="112" idx="0"/>
+            <a:endCxn id="102" idx="2"/>
+          </p:cNvCxnSpPr>
+          <p:nvPr/>
+        </p:nvCxnSpPr>
+        <p:spPr>
+          <a:xfrm rot="-5400000">
+            <a:off x="3849102" y="1120888"/>
+            <a:ext cx="934500" cy="501300"/>
+          </a:xfrm>
+          <a:prstGeom prst="curvedConnector3">
+            <a:avLst>
+              <a:gd name="adj1" fmla="val 47226"/>
+            </a:avLst>
+          </a:prstGeom>
+          <a:noFill/>
+          <a:ln w="9525" cap="flat" cmpd="sng">
+            <a:solidFill>
+              <a:schemeClr val="dk2"/>
+            </a:solidFill>
+            <a:prstDash val="solid"/>
+            <a:round/>
+            <a:headEnd type="none" w="med" len="med"/>
+            <a:tailEnd type="none" w="med" len="med"/>
+          </a:ln>
+        </p:spPr>
+      </p:cxnSp>
+      <p:sp>
+        <p:nvSpPr>
+          <p:cNvPr id="113" name="Google Shape;113;p15"/>
+          <p:cNvSpPr txBox="1"/>
+          <p:nvPr/>
+        </p:nvSpPr>
+        <p:spPr>
+          <a:xfrm>
+            <a:off x="130400" y="2813122"/>
+            <a:ext cx="8542500" cy="1367400"/>
+          </a:xfrm>
+          <a:prstGeom prst="rect">
+            <a:avLst/>
+          </a:prstGeom>
+          <a:noFill/>
+          <a:ln w="9525" cap="flat" cmpd="sng">
+            <a:solidFill>
+              <a:srgbClr val="FF9900"/>
+            </a:solidFill>
+            <a:prstDash val="solid"/>
+            <a:round/>
+            <a:headEnd type="none" w="sm" len="sm"/>
+            <a:tailEnd type="none" w="sm" len="sm"/>
+          </a:ln>
+        </p:spPr>
+        <p:txBody>
+          <a:bodyPr spcFirstLastPara="1" wrap="square" lIns="91425" tIns="91425" rIns="91425" bIns="91425" anchor="t" anchorCtr="0">
+            <a:noAutofit/>
+          </a:bodyPr>
+          <a:lstStyle/>
+          <a:p>
+            <a:pPr marL="0" lvl="0" indent="0" algn="l" rtl="0">
+              <a:spcBef>
+                <a:spcPts val="0"/>
+              </a:spcBef>
+              <a:spcAft>
+                <a:spcPts val="0"/>
+              </a:spcAft>
+              <a:buNone/>
+            </a:pPr>
+            <a:r>
+              <a:rPr lang="pt-BR" dirty="0"/>
+              <a:t>Capacidades Operacionais</a:t>
+            </a:r>
+            <a:endParaRPr dirty="0"/>
+          </a:p>
+        </p:txBody>
+      </p:sp>
+      <p:cxnSp>
+        <p:nvCxnSpPr>
+          <p:cNvPr id="114" name="Google Shape;114;p15"/>
+          <p:cNvCxnSpPr>
+            <a:stCxn id="105" idx="0"/>
+            <a:endCxn id="102" idx="2"/>
+          </p:cNvCxnSpPr>
+          <p:nvPr/>
+        </p:nvCxnSpPr>
+        <p:spPr>
+          <a:xfrm rot="-5400000">
+            <a:off x="2790151" y="111815"/>
+            <a:ext cx="984600" cy="2569200"/>
+          </a:xfrm>
+          <a:prstGeom prst="curvedConnector3">
+            <a:avLst>
+              <a:gd name="adj1" fmla="val 47358"/>
+            </a:avLst>
+          </a:prstGeom>
+          <a:noFill/>
+          <a:ln w="9525" cap="flat" cmpd="sng">
+            <a:solidFill>
+              <a:schemeClr val="dk2"/>
+            </a:solidFill>
+            <a:prstDash val="solid"/>
+            <a:round/>
+            <a:headEnd type="none" w="med" len="med"/>
+            <a:tailEnd type="none" w="med" len="med"/>
+          </a:ln>
+        </p:spPr>
+      </p:cxnSp>
+      <p:cxnSp>
+        <p:nvCxnSpPr>
+          <p:cNvPr id="124" name="Google Shape;124;p15"/>
+          <p:cNvCxnSpPr>
+            <a:stCxn id="112" idx="2"/>
+            <a:endCxn id="125" idx="1"/>
+          </p:cNvCxnSpPr>
+          <p:nvPr/>
+        </p:nvCxnSpPr>
+        <p:spPr>
+          <a:xfrm rot="-5400000" flipH="1">
+            <a:off x="3855852" y="2580238"/>
+            <a:ext cx="1161900" cy="742200"/>
+          </a:xfrm>
+          <a:prstGeom prst="curvedConnector2">
+            <a:avLst/>
+          </a:prstGeom>
+          <a:noFill/>
+          <a:ln w="9525" cap="flat" cmpd="sng">
+            <a:solidFill>
+              <a:schemeClr val="dk2"/>
+            </a:solidFill>
+            <a:prstDash val="solid"/>
+            <a:round/>
+            <a:headEnd type="none" w="med" len="med"/>
+            <a:tailEnd type="none" w="med" len="med"/>
+          </a:ln>
+        </p:spPr>
+      </p:cxnSp>
+      <p:sp>
+        <p:nvSpPr>
+          <p:cNvPr id="125" name="Google Shape;125;p15"/>
+          <p:cNvSpPr/>
+          <p:nvPr/>
+        </p:nvSpPr>
+        <p:spPr>
+          <a:xfrm>
+            <a:off x="4807825" y="3266600"/>
+            <a:ext cx="1723200" cy="531600"/>
+          </a:xfrm>
+          <a:prstGeom prst="bracketPair">
+            <a:avLst/>
+          </a:prstGeom>
+          <a:noFill/>
+          <a:ln w="9525" cap="flat" cmpd="sng">
+            <a:solidFill>
+              <a:schemeClr val="dk2"/>
+            </a:solidFill>
+            <a:prstDash val="solid"/>
+            <a:round/>
+            <a:headEnd type="none" w="sm" len="sm"/>
+            <a:tailEnd type="none" w="sm" len="sm"/>
+          </a:ln>
+        </p:spPr>
+        <p:txBody>
+          <a:bodyPr spcFirstLastPara="1" wrap="square" lIns="91425" tIns="91425" rIns="91425" bIns="91425" anchor="ctr" anchorCtr="0">
+            <a:noAutofit/>
+          </a:bodyPr>
+          <a:lstStyle/>
+          <a:p>
+            <a:pPr marL="457200" lvl="0" indent="-292100" algn="l" rtl="0">
+              <a:spcBef>
+                <a:spcPts val="0"/>
+              </a:spcBef>
+              <a:spcAft>
+                <a:spcPts val="0"/>
+              </a:spcAft>
+              <a:buSzPts val="1000"/>
+              <a:buChar char="●"/>
+            </a:pPr>
+            <a:r>
+              <a:rPr lang="pt-BR" sz="1000" dirty="0" smtClean="0"/>
+              <a:t>Realizar orçamento</a:t>
+            </a:r>
+          </a:p>
+        </p:txBody>
+      </p:sp>
+      <p:sp>
+        <p:nvSpPr>
+          <p:cNvPr id="112" name="Google Shape;112;p15"/>
+          <p:cNvSpPr/>
+          <p:nvPr/>
+        </p:nvSpPr>
+        <p:spPr>
+          <a:xfrm>
+            <a:off x="3564402" y="1838788"/>
+            <a:ext cx="1002600" cy="531600"/>
+          </a:xfrm>
+          <a:prstGeom prst="roundRect">
+            <a:avLst>
+              <a:gd name="adj" fmla="val 16667"/>
+            </a:avLst>
+          </a:prstGeom>
+          <a:gradFill>
+            <a:gsLst>
+              <a:gs pos="0">
+                <a:srgbClr val="D4E5F5"/>
+              </a:gs>
+              <a:gs pos="100000">
+                <a:srgbClr val="70A4D5"/>
+              </a:gs>
+            </a:gsLst>
+            <a:path path="circle">
+              <a:fillToRect l="50000" t="50000" r="50000" b="50000"/>
+            </a:path>
+            <a:tileRect/>
+          </a:gradFill>
+          <a:ln w="9525" cap="flat" cmpd="sng">
+            <a:solidFill>
+              <a:srgbClr val="F3F3F3"/>
+            </a:solidFill>
+            <a:prstDash val="solid"/>
+            <a:round/>
+            <a:headEnd type="none" w="sm" len="sm"/>
+            <a:tailEnd type="none" w="sm" len="sm"/>
+          </a:ln>
+        </p:spPr>
+        <p:txBody>
+          <a:bodyPr spcFirstLastPara="1" wrap="square" lIns="91425" tIns="91425" rIns="91425" bIns="91425" anchor="ctr" anchorCtr="0">
+            <a:noAutofit/>
+          </a:bodyPr>
+          <a:lstStyle/>
+          <a:p>
+            <a:pPr marL="0" lvl="0" indent="0" algn="ctr" rtl="0">
+              <a:spcBef>
+                <a:spcPts val="0"/>
+              </a:spcBef>
+              <a:spcAft>
+                <a:spcPts val="0"/>
+              </a:spcAft>
+              <a:buNone/>
+            </a:pPr>
+            <a:r>
+              <a:rPr lang="pt-BR" sz="1000" dirty="0" err="1" smtClean="0"/>
+              <a:t>Draco</a:t>
+            </a:r>
+            <a:r>
+              <a:rPr lang="pt-BR" sz="1000" dirty="0" smtClean="0"/>
+              <a:t> </a:t>
+            </a:r>
+            <a:r>
+              <a:rPr lang="pt-BR" sz="1000" dirty="0" err="1" smtClean="0"/>
+              <a:t>Tatto</a:t>
+            </a:r>
+            <a:endParaRPr sz="1000" dirty="0"/>
+          </a:p>
+        </p:txBody>
+      </p:sp>
+    </p:spTree>
+    <p:extLst>
+      <p:ext uri="{BB962C8B-B14F-4D97-AF65-F5344CB8AC3E}">
+        <p14:creationId xmlns:p14="http://schemas.microsoft.com/office/powerpoint/2010/main" val="3293852983"/>
+      </p:ext>
+    </p:extLst>
+  </p:cSld>
+  <p:clrMapOvr>
+    <a:masterClrMapping/>
+  </p:clrMapOvr>
+</p:sld>
+</file>
+
+<file path=ppt/slides/slide6.xml><?xml version="1.0" encoding="utf-8"?>
+<p:sld xmlns:a="http://schemas.openxmlformats.org/drawingml/2006/main" xmlns:r="http://schemas.openxmlformats.org/officeDocument/2006/relationships" xmlns:p="http://schemas.openxmlformats.org/presentationml/2006/main">
+  <p:cSld>
+    <p:spTree>
+      <p:nvGrpSpPr>
+        <p:cNvPr id="1" name="Shape 100"/>
+        <p:cNvGrpSpPr/>
+        <p:nvPr/>
+      </p:nvGrpSpPr>
+      <p:grpSpPr>
+        <a:xfrm>
+          <a:off x="0" y="0"/>
+          <a:ext cx="0" cy="0"/>
+          <a:chOff x="0" y="0"/>
+          <a:chExt cx="0" cy="0"/>
+        </a:xfrm>
+      </p:grpSpPr>
+      <p:sp>
+        <p:nvSpPr>
+          <p:cNvPr id="101" name="Google Shape;101;p15"/>
+          <p:cNvSpPr txBox="1"/>
+          <p:nvPr/>
+        </p:nvSpPr>
+        <p:spPr>
+          <a:xfrm>
+            <a:off x="130400" y="1445725"/>
+            <a:ext cx="8542500" cy="1367400"/>
+          </a:xfrm>
+          <a:prstGeom prst="rect">
+            <a:avLst/>
+          </a:prstGeom>
+          <a:noFill/>
+          <a:ln w="9525" cap="flat" cmpd="sng">
+            <a:solidFill>
+              <a:srgbClr val="FF9900"/>
+            </a:solidFill>
+            <a:prstDash val="solid"/>
+            <a:round/>
+            <a:headEnd type="none" w="sm" len="sm"/>
+            <a:tailEnd type="none" w="sm" len="sm"/>
+          </a:ln>
+        </p:spPr>
+        <p:txBody>
+          <a:bodyPr spcFirstLastPara="1" wrap="square" lIns="91425" tIns="91425" rIns="91425" bIns="91425" anchor="t" anchorCtr="0">
+            <a:noAutofit/>
+          </a:bodyPr>
+          <a:lstStyle/>
+          <a:p>
+            <a:pPr marL="0" lvl="0" indent="0" algn="l" rtl="0">
+              <a:spcBef>
+                <a:spcPts val="0"/>
+              </a:spcBef>
+              <a:spcAft>
+                <a:spcPts val="0"/>
+              </a:spcAft>
+              <a:buNone/>
+            </a:pPr>
+            <a:r>
+              <a:rPr lang="pt-BR" dirty="0"/>
+              <a:t>Nós Operacionais</a:t>
+            </a:r>
+            <a:endParaRPr dirty="0"/>
+          </a:p>
+        </p:txBody>
+      </p:sp>
+      <p:sp>
+        <p:nvSpPr>
+          <p:cNvPr id="102" name="Google Shape;102;p15"/>
+          <p:cNvSpPr/>
+          <p:nvPr/>
+        </p:nvSpPr>
+        <p:spPr>
+          <a:xfrm>
+            <a:off x="3659550" y="186275"/>
+            <a:ext cx="1815000" cy="771900"/>
+          </a:xfrm>
+          <a:prstGeom prst="wave">
+            <a:avLst>
+              <a:gd name="adj1" fmla="val 6999"/>
+              <a:gd name="adj2" fmla="val 0"/>
+            </a:avLst>
+          </a:prstGeom>
+          <a:solidFill>
+            <a:srgbClr val="F4CCCC"/>
+          </a:solidFill>
+          <a:ln w="9525" cap="flat" cmpd="sng">
+            <a:solidFill>
+              <a:srgbClr val="FFFFFF"/>
+            </a:solidFill>
+            <a:prstDash val="solid"/>
+            <a:round/>
+            <a:headEnd type="none" w="sm" len="sm"/>
+            <a:tailEnd type="none" w="sm" len="sm"/>
+          </a:ln>
+        </p:spPr>
+        <p:txBody>
+          <a:bodyPr spcFirstLastPara="1" wrap="square" lIns="91425" tIns="91425" rIns="91425" bIns="91425" anchor="ctr" anchorCtr="0">
+            <a:noAutofit/>
+          </a:bodyPr>
+          <a:lstStyle/>
+          <a:p>
+            <a:pPr marL="457200" lvl="0" indent="-292100" algn="l" rtl="0">
+              <a:spcBef>
+                <a:spcPts val="0"/>
+              </a:spcBef>
+              <a:spcAft>
+                <a:spcPts val="0"/>
+              </a:spcAft>
+              <a:buClr>
+                <a:schemeClr val="dk1"/>
+              </a:buClr>
+              <a:buSzPts val="1000"/>
+              <a:buChar char="❖"/>
+            </a:pPr>
+            <a:r>
+              <a:rPr lang="pt-BR" sz="1000" dirty="0" smtClean="0">
+                <a:solidFill>
+                  <a:schemeClr val="dk1"/>
+                </a:solidFill>
+              </a:rPr>
+              <a:t>Receber serviço </a:t>
             </a:r>
             <a:endParaRPr sz="1200" dirty="0"/>
           </a:p>
@@ -7370,7 +10323,7 @@
             </a:pPr>
             <a:r>
               <a:rPr lang="pt-BR" sz="1000" dirty="0" smtClean="0"/>
-              <a:t>Realizar agendamento</a:t>
+              <a:t>Receber serviço</a:t>
             </a:r>
             <a:endParaRPr sz="1000" dirty="0"/>
           </a:p>
@@ -7432,22 +10385,19 @@
               <a:buNone/>
             </a:pPr>
             <a:r>
-              <a:rPr lang="pt-BR" sz="1000" dirty="0" err="1" smtClean="0"/>
-              <a:t>Draco</a:t>
-            </a:r>
-            <a:r>
               <a:rPr lang="pt-BR" sz="1000" dirty="0" smtClean="0"/>
-              <a:t> </a:t>
-            </a:r>
-            <a:r>
-              <a:rPr lang="pt-BR" sz="1000" dirty="0" err="1" smtClean="0"/>
-              <a:t>Tatto</a:t>
+              <a:t>Estúdio</a:t>
             </a:r>
             <a:endParaRPr sz="1000" dirty="0"/>
           </a:p>
         </p:txBody>
       </p:sp>
     </p:spTree>
+    <p:extLst>
+      <p:ext uri="{BB962C8B-B14F-4D97-AF65-F5344CB8AC3E}">
+        <p14:creationId xmlns:p14="http://schemas.microsoft.com/office/powerpoint/2010/main" val="1008109227"/>
+      </p:ext>
+    </p:extLst>
   </p:cSld>
   <p:clrMapOvr>
     <a:masterClrMapping/>

--- a/ARTEFATOS/15 -  ARQUITETURA DE NEGÓCIO PARA CADA CENÁRIO.pptx
+++ b/ARTEFATOS/15 -  ARQUITETURA DE NEGÓCIO PARA CADA CENÁRIO.pptx
@@ -5,15 +5,16 @@
     <p:sldMasterId id="2147483659" r:id="rId1"/>
   </p:sldMasterIdLst>
   <p:notesMasterIdLst>
-    <p:notesMasterId r:id="rId8"/>
+    <p:notesMasterId r:id="rId9"/>
   </p:notesMasterIdLst>
   <p:sldIdLst>
     <p:sldId id="256" r:id="rId2"/>
     <p:sldId id="259" r:id="rId3"/>
     <p:sldId id="260" r:id="rId4"/>
     <p:sldId id="258" r:id="rId5"/>
-    <p:sldId id="262" r:id="rId6"/>
-    <p:sldId id="261" r:id="rId7"/>
+    <p:sldId id="263" r:id="rId6"/>
+    <p:sldId id="262" r:id="rId7"/>
+    <p:sldId id="261" r:id="rId8"/>
   </p:sldIdLst>
   <p:sldSz cx="9144000" cy="5143500" type="screen16x9"/>
   <p:notesSz cx="6858000" cy="9144000"/>
@@ -1235,6 +1236,115 @@
     </p:spTree>
     <p:extLst>
       <p:ext uri="{BB962C8B-B14F-4D97-AF65-F5344CB8AC3E}">
+        <p14:creationId xmlns:p14="http://schemas.microsoft.com/office/powerpoint/2010/main" val="2833353820"/>
+      </p:ext>
+    </p:extLst>
+  </p:cSld>
+  <p:clrMapOvr>
+    <a:masterClrMapping/>
+  </p:clrMapOvr>
+</p:notes>
+</file>
+
+<file path=ppt/notesSlides/notesSlide6.xml><?xml version="1.0" encoding="utf-8"?>
+<p:notes xmlns:a="http://schemas.openxmlformats.org/drawingml/2006/main" xmlns:r="http://schemas.openxmlformats.org/officeDocument/2006/relationships" xmlns:p="http://schemas.openxmlformats.org/presentationml/2006/main" showMasterSp="0" showMasterPhAnim="0">
+  <p:cSld>
+    <p:spTree>
+      <p:nvGrpSpPr>
+        <p:cNvPr id="1" name="Shape 97"/>
+        <p:cNvGrpSpPr/>
+        <p:nvPr/>
+      </p:nvGrpSpPr>
+      <p:grpSpPr>
+        <a:xfrm>
+          <a:off x="0" y="0"/>
+          <a:ext cx="0" cy="0"/>
+          <a:chOff x="0" y="0"/>
+          <a:chExt cx="0" cy="0"/>
+        </a:xfrm>
+      </p:grpSpPr>
+      <p:sp>
+        <p:nvSpPr>
+          <p:cNvPr id="98" name="Google Shape;98;g2546aa1b3b_0_45:notes"/>
+          <p:cNvSpPr>
+            <a:spLocks noGrp="1" noRot="1" noChangeAspect="1"/>
+          </p:cNvSpPr>
+          <p:nvPr>
+            <p:ph type="sldImg" idx="2"/>
+          </p:nvPr>
+        </p:nvSpPr>
+        <p:spPr>
+          <a:xfrm>
+            <a:off x="381000" y="685800"/>
+            <a:ext cx="6096000" cy="3429000"/>
+          </a:xfrm>
+          <a:custGeom>
+            <a:avLst/>
+            <a:gdLst/>
+            <a:ahLst/>
+            <a:cxnLst/>
+            <a:rect l="l" t="t" r="r" b="b"/>
+            <a:pathLst>
+              <a:path w="120000" h="120000" extrusionOk="0">
+                <a:moveTo>
+                  <a:pt x="0" y="0"/>
+                </a:moveTo>
+                <a:lnTo>
+                  <a:pt x="120000" y="0"/>
+                </a:lnTo>
+                <a:lnTo>
+                  <a:pt x="120000" y="120000"/>
+                </a:lnTo>
+                <a:lnTo>
+                  <a:pt x="0" y="120000"/>
+                </a:lnTo>
+                <a:close/>
+              </a:path>
+            </a:pathLst>
+          </a:custGeom>
+        </p:spPr>
+      </p:sp>
+      <p:sp>
+        <p:nvSpPr>
+          <p:cNvPr id="99" name="Google Shape;99;g2546aa1b3b_0_45:notes"/>
+          <p:cNvSpPr txBox="1">
+            <a:spLocks noGrp="1"/>
+          </p:cNvSpPr>
+          <p:nvPr>
+            <p:ph type="body" idx="1"/>
+          </p:nvPr>
+        </p:nvSpPr>
+        <p:spPr>
+          <a:xfrm>
+            <a:off x="685800" y="4343400"/>
+            <a:ext cx="5486400" cy="4114800"/>
+          </a:xfrm>
+          <a:prstGeom prst="rect">
+            <a:avLst/>
+          </a:prstGeom>
+        </p:spPr>
+        <p:txBody>
+          <a:bodyPr spcFirstLastPara="1" wrap="square" lIns="91425" tIns="91425" rIns="91425" bIns="91425" anchor="t" anchorCtr="0">
+            <a:noAutofit/>
+          </a:bodyPr>
+          <a:lstStyle/>
+          <a:p>
+            <a:pPr marL="0" lvl="0" indent="0" algn="l" rtl="0">
+              <a:spcBef>
+                <a:spcPts val="0"/>
+              </a:spcBef>
+              <a:spcAft>
+                <a:spcPts val="0"/>
+              </a:spcAft>
+              <a:buNone/>
+            </a:pPr>
+            <a:endParaRPr dirty="0"/>
+          </a:p>
+        </p:txBody>
+      </p:sp>
+    </p:spTree>
+    <p:extLst>
+      <p:ext uri="{BB962C8B-B14F-4D97-AF65-F5344CB8AC3E}">
         <p14:creationId xmlns:p14="http://schemas.microsoft.com/office/powerpoint/2010/main" val="188185593"/>
       </p:ext>
     </p:extLst>
@@ -1245,7 +1355,7 @@
 </p:notes>
 </file>
 
-<file path=ppt/notesSlides/notesSlide6.xml><?xml version="1.0" encoding="utf-8"?>
+<file path=ppt/notesSlides/notesSlide7.xml><?xml version="1.0" encoding="utf-8"?>
 <p:notes xmlns:a="http://schemas.openxmlformats.org/drawingml/2006/main" xmlns:r="http://schemas.openxmlformats.org/officeDocument/2006/relationships" xmlns:p="http://schemas.openxmlformats.org/presentationml/2006/main" showMasterSp="0" showMasterPhAnim="0">
   <p:cSld>
     <p:spTree>
@@ -6810,7 +6920,7 @@
                   <a:schemeClr val="dk1"/>
                 </a:solidFill>
               </a:rPr>
-              <a:t>Fechar contrato</a:t>
+              <a:t>Realizar orçamento</a:t>
             </a:r>
           </a:p>
           <a:p>
@@ -6833,7 +6943,7 @@
                   <a:schemeClr val="dk1"/>
                 </a:solidFill>
               </a:rPr>
-              <a:t>Realizar </a:t>
+              <a:t>Fechar </a:t>
             </a:r>
             <a:r>
               <a:rPr lang="pt-BR" sz="1000" dirty="0" smtClean="0">
@@ -6841,21 +6951,31 @@
                   <a:schemeClr val="dk1"/>
                 </a:solidFill>
               </a:rPr>
-              <a:t>serviço</a:t>
+              <a:t>contrato</a:t>
             </a:r>
+          </a:p>
+          <a:p>
+            <a:pPr marL="457200" lvl="0" indent="-292100" algn="l" rtl="0">
+              <a:spcBef>
+                <a:spcPts val="0"/>
+              </a:spcBef>
+              <a:spcAft>
+                <a:spcPts val="0"/>
+              </a:spcAft>
+              <a:buClr>
+                <a:schemeClr val="dk1"/>
+              </a:buClr>
+              <a:buSzPts val="1000"/>
+              <a:buChar char="❖"/>
+            </a:pPr>
             <a:r>
               <a:rPr lang="pt-BR" sz="1000" dirty="0" smtClean="0">
                 <a:solidFill>
                   <a:schemeClr val="dk1"/>
                 </a:solidFill>
               </a:rPr>
-              <a:t>  </a:t>
+              <a:t>Realizar serviço  </a:t>
             </a:r>
-            <a:endParaRPr lang="pt-BR" sz="1000" dirty="0" smtClean="0">
-              <a:solidFill>
-                <a:schemeClr val="dk1"/>
-              </a:solidFill>
-            </a:endParaRPr>
           </a:p>
           <a:p>
             <a:pPr marL="457200" lvl="0" indent="-292100" algn="l" rtl="0">
@@ -6920,7 +7040,15 @@
                   <a:schemeClr val="dk1"/>
                 </a:solidFill>
               </a:rPr>
-              <a:t>Realizar </a:t>
+              <a:t>Obte</a:t>
+            </a:r>
+            <a:r>
+              <a:rPr lang="pt-BR" sz="1000" dirty="0" smtClean="0">
+                <a:solidFill>
+                  <a:schemeClr val="dk1"/>
+                </a:solidFill>
+              </a:rPr>
+              <a:t>r </a:t>
             </a:r>
             <a:r>
               <a:rPr lang="pt-BR" sz="1000" dirty="0" smtClean="0">
@@ -6930,11 +7058,6 @@
               </a:rPr>
               <a:t>orçamento</a:t>
             </a:r>
-            <a:endParaRPr lang="pt-BR" sz="1000" dirty="0" smtClean="0">
-              <a:solidFill>
-                <a:schemeClr val="dk1"/>
-              </a:solidFill>
-            </a:endParaRPr>
           </a:p>
           <a:p>
             <a:pPr marL="457200" lvl="0" indent="-292100" algn="l" rtl="0">
@@ -6975,11 +7098,6 @@
               </a:rPr>
               <a:t>Receber serviço</a:t>
             </a:r>
-            <a:endParaRPr lang="pt-BR" sz="1000" dirty="0" smtClean="0">
-              <a:solidFill>
-                <a:schemeClr val="dk1"/>
-              </a:solidFill>
-            </a:endParaRPr>
           </a:p>
         </p:txBody>
       </p:sp>
@@ -7198,13 +7316,15 @@
           <p:nvPr/>
         </p:nvCxnSpPr>
         <p:spPr>
-          <a:xfrm rot="-5400000">
-            <a:off x="3849102" y="1120888"/>
-            <a:ext cx="934500" cy="501300"/>
+          <a:xfrm rot="5400000" flipH="1" flipV="1">
+            <a:off x="3832509" y="1104247"/>
+            <a:ext cx="934638" cy="534444"/>
           </a:xfrm>
-          <a:prstGeom prst="curvedConnector3">
+          <a:prstGeom prst="curvedConnector5">
             <a:avLst>
-              <a:gd name="adj1" fmla="val 47226"/>
+              <a:gd name="adj1" fmla="val 47110"/>
+              <a:gd name="adj2" fmla="val 3579"/>
+              <a:gd name="adj3" fmla="val 67912"/>
             </a:avLst>
           </a:prstGeom>
           <a:noFill/>
@@ -7532,9 +7652,9 @@
           <p:nvPr/>
         </p:nvCxnSpPr>
         <p:spPr>
-          <a:xfrm rot="-5400000" flipH="1">
-            <a:off x="3855852" y="2580238"/>
-            <a:ext cx="1161900" cy="742200"/>
+          <a:xfrm rot="16200000" flipH="1">
+            <a:off x="3839209" y="2563784"/>
+            <a:ext cx="1162012" cy="775219"/>
           </a:xfrm>
           <a:prstGeom prst="curvedConnector2">
             <a:avLst/>
@@ -7608,8 +7728,8 @@
         </p:nvSpPr>
         <p:spPr>
           <a:xfrm>
-            <a:off x="3564402" y="1838788"/>
-            <a:ext cx="1002600" cy="531600"/>
+            <a:off x="3498209" y="1838788"/>
+            <a:ext cx="1068793" cy="531600"/>
           </a:xfrm>
           <a:prstGeom prst="roundRect">
             <a:avLst>
@@ -7656,16 +7776,8 @@
               <a:buNone/>
             </a:pPr>
             <a:r>
-              <a:rPr lang="pt-BR" sz="1000" dirty="0" err="1" smtClean="0"/>
-              <a:t>Draco</a:t>
-            </a:r>
-            <a:r>
               <a:rPr lang="pt-BR" sz="1000" dirty="0" smtClean="0"/>
-              <a:t> </a:t>
-            </a:r>
-            <a:r>
-              <a:rPr lang="pt-BR" sz="1000" dirty="0" err="1" smtClean="0"/>
-              <a:t>Tatto</a:t>
+              <a:t>Administração</a:t>
             </a:r>
             <a:endParaRPr sz="1000" dirty="0"/>
           </a:p>
@@ -7820,13 +7932,15 @@
           <p:nvPr/>
         </p:nvCxnSpPr>
         <p:spPr>
-          <a:xfrm rot="-5400000">
-            <a:off x="3849102" y="1120888"/>
-            <a:ext cx="934500" cy="501300"/>
+          <a:xfrm rot="5400000" flipH="1" flipV="1">
+            <a:off x="3834606" y="1106344"/>
+            <a:ext cx="934638" cy="530250"/>
           </a:xfrm>
-          <a:prstGeom prst="curvedConnector3">
+          <a:prstGeom prst="curvedConnector5">
             <a:avLst>
-              <a:gd name="adj1" fmla="val 47226"/>
+              <a:gd name="adj1" fmla="val 47110"/>
+              <a:gd name="adj2" fmla="val 24966"/>
+              <a:gd name="adj3" fmla="val 71503"/>
             </a:avLst>
           </a:prstGeom>
           <a:noFill/>
@@ -8154,9 +8268,9 @@
           <p:nvPr/>
         </p:nvCxnSpPr>
         <p:spPr>
-          <a:xfrm rot="-5400000" flipH="1">
-            <a:off x="3855852" y="2580238"/>
-            <a:ext cx="1161900" cy="742200"/>
+          <a:xfrm rot="16200000" flipH="1">
+            <a:off x="3841306" y="2565881"/>
+            <a:ext cx="1162012" cy="771025"/>
           </a:xfrm>
           <a:prstGeom prst="curvedConnector2">
             <a:avLst/>
@@ -8230,8 +8344,8 @@
         </p:nvSpPr>
         <p:spPr>
           <a:xfrm>
-            <a:off x="3564402" y="1838788"/>
-            <a:ext cx="1002600" cy="531600"/>
+            <a:off x="3506598" y="1838788"/>
+            <a:ext cx="1060404" cy="531600"/>
           </a:xfrm>
           <a:prstGeom prst="roundRect">
             <a:avLst>
@@ -8279,7 +8393,7 @@
             </a:pPr>
             <a:r>
               <a:rPr lang="pt-BR" sz="1000" dirty="0" smtClean="0"/>
-              <a:t>Estúdio</a:t>
+              <a:t>Administração</a:t>
             </a:r>
             <a:endParaRPr sz="1000" dirty="0"/>
           </a:p>
@@ -8658,13 +8772,15 @@
           <p:nvPr/>
         </p:nvCxnSpPr>
         <p:spPr>
-          <a:xfrm rot="-5400000">
-            <a:off x="3849102" y="1120888"/>
-            <a:ext cx="934500" cy="501300"/>
+          <a:xfrm rot="5400000" flipH="1" flipV="1">
+            <a:off x="3834606" y="1106344"/>
+            <a:ext cx="934638" cy="530250"/>
           </a:xfrm>
-          <a:prstGeom prst="curvedConnector3">
+          <a:prstGeom prst="curvedConnector5">
             <a:avLst>
-              <a:gd name="adj1" fmla="val 47226"/>
+              <a:gd name="adj1" fmla="val 47110"/>
+              <a:gd name="adj2" fmla="val 85085"/>
+              <a:gd name="adj3" fmla="val 88556"/>
             </a:avLst>
           </a:prstGeom>
           <a:noFill/>
@@ -8768,9 +8884,9 @@
           <p:nvPr/>
         </p:nvCxnSpPr>
         <p:spPr>
-          <a:xfrm rot="-5400000" flipH="1">
-            <a:off x="3855852" y="2580238"/>
-            <a:ext cx="1161900" cy="742200"/>
+          <a:xfrm rot="16200000" flipH="1">
+            <a:off x="3841306" y="2565881"/>
+            <a:ext cx="1162012" cy="771025"/>
           </a:xfrm>
           <a:prstGeom prst="curvedConnector2">
             <a:avLst/>
@@ -8844,8 +8960,8 @@
         </p:nvSpPr>
         <p:spPr>
           <a:xfrm>
-            <a:off x="3564402" y="1838788"/>
-            <a:ext cx="1002600" cy="531600"/>
+            <a:off x="3506598" y="1838788"/>
+            <a:ext cx="1060404" cy="531600"/>
           </a:xfrm>
           <a:prstGeom prst="roundRect">
             <a:avLst>
@@ -8892,16 +9008,8 @@
               <a:buNone/>
             </a:pPr>
             <a:r>
-              <a:rPr lang="pt-BR" sz="1000" dirty="0" err="1" smtClean="0"/>
-              <a:t>Draco</a:t>
-            </a:r>
-            <a:r>
               <a:rPr lang="pt-BR" sz="1000" dirty="0" smtClean="0"/>
-              <a:t> </a:t>
-            </a:r>
-            <a:r>
-              <a:rPr lang="pt-BR" sz="1000" dirty="0" err="1" smtClean="0"/>
-              <a:t>Tatto</a:t>
+              <a:t>Administração</a:t>
             </a:r>
             <a:endParaRPr sz="1000" dirty="0"/>
           </a:p>
@@ -9035,7 +9143,7 @@
                   <a:schemeClr val="dk1"/>
                 </a:solidFill>
               </a:rPr>
-              <a:t>Realizar orçamento</a:t>
+              <a:t>Obter orçamento </a:t>
             </a:r>
             <a:endParaRPr sz="1200" dirty="0"/>
           </a:p>
@@ -9275,13 +9383,15 @@
           <p:nvPr/>
         </p:nvCxnSpPr>
         <p:spPr>
-          <a:xfrm rot="-5400000">
-            <a:off x="3849102" y="1120888"/>
-            <a:ext cx="934500" cy="501300"/>
+          <a:xfrm rot="5400000" flipH="1" flipV="1">
+            <a:off x="3836703" y="1108442"/>
+            <a:ext cx="934638" cy="526055"/>
           </a:xfrm>
-          <a:prstGeom prst="curvedConnector3">
+          <a:prstGeom prst="curvedConnector5">
             <a:avLst>
-              <a:gd name="adj1" fmla="val 47226"/>
+              <a:gd name="adj1" fmla="val 47110"/>
+              <a:gd name="adj2" fmla="val 83371"/>
+              <a:gd name="adj3" fmla="val 51756"/>
             </a:avLst>
           </a:prstGeom>
           <a:noFill/>
@@ -9385,9 +9495,9 @@
           <p:nvPr/>
         </p:nvCxnSpPr>
         <p:spPr>
-          <a:xfrm rot="-5400000" flipH="1">
-            <a:off x="3855852" y="2580238"/>
-            <a:ext cx="1161900" cy="742200"/>
+          <a:xfrm rot="16200000" flipH="1">
+            <a:off x="3843404" y="2567979"/>
+            <a:ext cx="1162012" cy="766830"/>
           </a:xfrm>
           <a:prstGeom prst="curvedConnector2">
             <a:avLst/>
@@ -9447,8 +9557,9 @@
             </a:pPr>
             <a:r>
               <a:rPr lang="pt-BR" sz="1000" dirty="0" smtClean="0"/>
-              <a:t>Realizar orçamento</a:t>
+              <a:t>Obter orçamento</a:t>
             </a:r>
+            <a:endParaRPr sz="1000" dirty="0"/>
           </a:p>
         </p:txBody>
       </p:sp>
@@ -9460,8 +9571,8 @@
         </p:nvSpPr>
         <p:spPr>
           <a:xfrm>
-            <a:off x="3564402" y="1838788"/>
-            <a:ext cx="1002600" cy="531600"/>
+            <a:off x="3514987" y="1838788"/>
+            <a:ext cx="1052015" cy="531600"/>
           </a:xfrm>
           <a:prstGeom prst="roundRect">
             <a:avLst>
@@ -9508,16 +9619,623 @@
               <a:buNone/>
             </a:pPr>
             <a:r>
-              <a:rPr lang="pt-BR" sz="1000" dirty="0" err="1" smtClean="0"/>
-              <a:t>Draco</a:t>
+              <a:rPr lang="pt-BR" sz="1000" dirty="0" smtClean="0"/>
+              <a:t>Administração</a:t>
             </a:r>
+            <a:endParaRPr sz="1000" dirty="0"/>
+          </a:p>
+        </p:txBody>
+      </p:sp>
+    </p:spTree>
+    <p:extLst>
+      <p:ext uri="{BB962C8B-B14F-4D97-AF65-F5344CB8AC3E}">
+        <p14:creationId xmlns:p14="http://schemas.microsoft.com/office/powerpoint/2010/main" val="338124771"/>
+      </p:ext>
+    </p:extLst>
+  </p:cSld>
+  <p:clrMapOvr>
+    <a:masterClrMapping/>
+  </p:clrMapOvr>
+</p:sld>
+</file>
+
+<file path=ppt/slides/slide6.xml><?xml version="1.0" encoding="utf-8"?>
+<p:sld xmlns:a="http://schemas.openxmlformats.org/drawingml/2006/main" xmlns:r="http://schemas.openxmlformats.org/officeDocument/2006/relationships" xmlns:p="http://schemas.openxmlformats.org/presentationml/2006/main">
+  <p:cSld>
+    <p:spTree>
+      <p:nvGrpSpPr>
+        <p:cNvPr id="1" name="Shape 100"/>
+        <p:cNvGrpSpPr/>
+        <p:nvPr/>
+      </p:nvGrpSpPr>
+      <p:grpSpPr>
+        <a:xfrm>
+          <a:off x="0" y="0"/>
+          <a:ext cx="0" cy="0"/>
+          <a:chOff x="0" y="0"/>
+          <a:chExt cx="0" cy="0"/>
+        </a:xfrm>
+      </p:grpSpPr>
+      <p:sp>
+        <p:nvSpPr>
+          <p:cNvPr id="101" name="Google Shape;101;p15"/>
+          <p:cNvSpPr txBox="1"/>
+          <p:nvPr/>
+        </p:nvSpPr>
+        <p:spPr>
+          <a:xfrm>
+            <a:off x="130400" y="1445725"/>
+            <a:ext cx="8542500" cy="1367400"/>
+          </a:xfrm>
+          <a:prstGeom prst="rect">
+            <a:avLst/>
+          </a:prstGeom>
+          <a:noFill/>
+          <a:ln w="9525" cap="flat" cmpd="sng">
+            <a:solidFill>
+              <a:srgbClr val="FF9900"/>
+            </a:solidFill>
+            <a:prstDash val="solid"/>
+            <a:round/>
+            <a:headEnd type="none" w="sm" len="sm"/>
+            <a:tailEnd type="none" w="sm" len="sm"/>
+          </a:ln>
+        </p:spPr>
+        <p:txBody>
+          <a:bodyPr spcFirstLastPara="1" wrap="square" lIns="91425" tIns="91425" rIns="91425" bIns="91425" anchor="t" anchorCtr="0">
+            <a:noAutofit/>
+          </a:bodyPr>
+          <a:lstStyle/>
+          <a:p>
+            <a:pPr marL="0" lvl="0" indent="0" algn="l" rtl="0">
+              <a:spcBef>
+                <a:spcPts val="0"/>
+              </a:spcBef>
+              <a:spcAft>
+                <a:spcPts val="0"/>
+              </a:spcAft>
+              <a:buNone/>
+            </a:pPr>
+            <a:r>
+              <a:rPr lang="pt-BR" dirty="0"/>
+              <a:t>Nós Operacionais</a:t>
+            </a:r>
+            <a:endParaRPr dirty="0"/>
+          </a:p>
+        </p:txBody>
+      </p:sp>
+      <p:sp>
+        <p:nvSpPr>
+          <p:cNvPr id="102" name="Google Shape;102;p15"/>
+          <p:cNvSpPr/>
+          <p:nvPr/>
+        </p:nvSpPr>
+        <p:spPr>
+          <a:xfrm>
+            <a:off x="3659550" y="186275"/>
+            <a:ext cx="1815000" cy="771900"/>
+          </a:xfrm>
+          <a:prstGeom prst="wave">
+            <a:avLst>
+              <a:gd name="adj1" fmla="val 6999"/>
+              <a:gd name="adj2" fmla="val 0"/>
+            </a:avLst>
+          </a:prstGeom>
+          <a:solidFill>
+            <a:srgbClr val="F4CCCC"/>
+          </a:solidFill>
+          <a:ln w="9525" cap="flat" cmpd="sng">
+            <a:solidFill>
+              <a:srgbClr val="FFFFFF"/>
+            </a:solidFill>
+            <a:prstDash val="solid"/>
+            <a:round/>
+            <a:headEnd type="none" w="sm" len="sm"/>
+            <a:tailEnd type="none" w="sm" len="sm"/>
+          </a:ln>
+        </p:spPr>
+        <p:txBody>
+          <a:bodyPr spcFirstLastPara="1" wrap="square" lIns="91425" tIns="91425" rIns="91425" bIns="91425" anchor="ctr" anchorCtr="0">
+            <a:noAutofit/>
+          </a:bodyPr>
+          <a:lstStyle/>
+          <a:p>
+            <a:pPr marL="457200" lvl="0" indent="-292100" algn="l" rtl="0">
+              <a:spcBef>
+                <a:spcPts val="0"/>
+              </a:spcBef>
+              <a:spcAft>
+                <a:spcPts val="0"/>
+              </a:spcAft>
+              <a:buClr>
+                <a:schemeClr val="dk1"/>
+              </a:buClr>
+              <a:buSzPts val="1000"/>
+              <a:buChar char="❖"/>
+            </a:pPr>
+            <a:r>
+              <a:rPr lang="pt-BR" sz="1000" dirty="0" smtClean="0">
+                <a:solidFill>
+                  <a:schemeClr val="dk1"/>
+                </a:solidFill>
+              </a:rPr>
+              <a:t>Realizar orçamento</a:t>
+            </a:r>
+            <a:endParaRPr sz="1200" dirty="0"/>
+          </a:p>
+        </p:txBody>
+      </p:sp>
+      <p:grpSp>
+        <p:nvGrpSpPr>
+          <p:cNvPr id="103" name="Google Shape;103;p15"/>
+          <p:cNvGrpSpPr/>
+          <p:nvPr/>
+        </p:nvGrpSpPr>
+        <p:grpSpPr>
+          <a:xfrm>
+            <a:off x="5310687" y="1750249"/>
+            <a:ext cx="1021200" cy="830484"/>
+            <a:chOff x="2852000" y="3424900"/>
+            <a:chExt cx="1021200" cy="830484"/>
+          </a:xfrm>
+        </p:grpSpPr>
+        <p:grpSp>
+          <p:nvGrpSpPr>
+            <p:cNvPr id="104" name="Google Shape;104;p15"/>
+            <p:cNvGrpSpPr/>
+            <p:nvPr/>
+          </p:nvGrpSpPr>
+          <p:grpSpPr>
+            <a:xfrm>
+              <a:off x="3206355" y="3424900"/>
+              <a:ext cx="308885" cy="587736"/>
+              <a:chOff x="1499725" y="1450825"/>
+              <a:chExt cx="497400" cy="843600"/>
+            </a:xfrm>
+          </p:grpSpPr>
+          <p:sp>
+            <p:nvSpPr>
+              <p:cNvPr id="105" name="Google Shape;105;p15"/>
+              <p:cNvSpPr/>
+              <p:nvPr/>
+            </p:nvSpPr>
+            <p:spPr>
+              <a:xfrm>
+                <a:off x="1597825" y="1450825"/>
+                <a:ext cx="313200" cy="281400"/>
+              </a:xfrm>
+              <a:prstGeom prst="flowChartConnector">
+                <a:avLst/>
+              </a:prstGeom>
+              <a:solidFill>
+                <a:srgbClr val="EEEEEE"/>
+              </a:solidFill>
+              <a:ln w="9525" cap="flat" cmpd="sng">
+                <a:solidFill>
+                  <a:srgbClr val="595959"/>
+                </a:solidFill>
+                <a:prstDash val="solid"/>
+                <a:round/>
+                <a:headEnd type="none" w="sm" len="sm"/>
+                <a:tailEnd type="none" w="sm" len="sm"/>
+              </a:ln>
+            </p:spPr>
+            <p:txBody>
+              <a:bodyPr spcFirstLastPara="1" wrap="square" lIns="91425" tIns="91425" rIns="91425" bIns="91425" anchor="ctr" anchorCtr="0">
+                <a:noAutofit/>
+              </a:bodyPr>
+              <a:lstStyle/>
+              <a:p>
+                <a:pPr marL="0" lvl="0" indent="0" algn="l" rtl="0">
+                  <a:spcBef>
+                    <a:spcPts val="0"/>
+                  </a:spcBef>
+                  <a:spcAft>
+                    <a:spcPts val="0"/>
+                  </a:spcAft>
+                  <a:buNone/>
+                </a:pPr>
+                <a:endParaRPr dirty="0"/>
+              </a:p>
+            </p:txBody>
+          </p:sp>
+          <p:cxnSp>
+            <p:nvCxnSpPr>
+              <p:cNvPr id="106" name="Google Shape;106;p15"/>
+              <p:cNvCxnSpPr>
+                <a:stCxn id="105" idx="4"/>
+              </p:cNvCxnSpPr>
+              <p:nvPr/>
+            </p:nvCxnSpPr>
+            <p:spPr>
+              <a:xfrm flipH="1">
+                <a:off x="1748725" y="1732225"/>
+                <a:ext cx="5700" cy="293100"/>
+              </a:xfrm>
+              <a:prstGeom prst="straightConnector1">
+                <a:avLst/>
+              </a:prstGeom>
+              <a:noFill/>
+              <a:ln w="9525" cap="flat" cmpd="sng">
+                <a:solidFill>
+                  <a:srgbClr val="595959"/>
+                </a:solidFill>
+                <a:prstDash val="solid"/>
+                <a:round/>
+                <a:headEnd type="none" w="med" len="med"/>
+                <a:tailEnd type="none" w="med" len="med"/>
+              </a:ln>
+            </p:spPr>
+          </p:cxnSp>
+          <p:cxnSp>
+            <p:nvCxnSpPr>
+              <p:cNvPr id="107" name="Google Shape;107;p15"/>
+              <p:cNvCxnSpPr/>
+              <p:nvPr/>
+            </p:nvCxnSpPr>
+            <p:spPr>
+              <a:xfrm>
+                <a:off x="1527475" y="1858775"/>
+                <a:ext cx="453900" cy="1800"/>
+              </a:xfrm>
+              <a:prstGeom prst="straightConnector1">
+                <a:avLst/>
+              </a:prstGeom>
+              <a:noFill/>
+              <a:ln w="9525" cap="flat" cmpd="sng">
+                <a:solidFill>
+                  <a:srgbClr val="595959"/>
+                </a:solidFill>
+                <a:prstDash val="solid"/>
+                <a:round/>
+                <a:headEnd type="none" w="med" len="med"/>
+                <a:tailEnd type="none" w="med" len="med"/>
+              </a:ln>
+            </p:spPr>
+          </p:cxnSp>
+          <p:cxnSp>
+            <p:nvCxnSpPr>
+              <p:cNvPr id="108" name="Google Shape;108;p15"/>
+              <p:cNvCxnSpPr/>
+              <p:nvPr/>
+            </p:nvCxnSpPr>
+            <p:spPr>
+              <a:xfrm flipH="1">
+                <a:off x="1499725" y="2022925"/>
+                <a:ext cx="248700" cy="271500"/>
+              </a:xfrm>
+              <a:prstGeom prst="straightConnector1">
+                <a:avLst/>
+              </a:prstGeom>
+              <a:noFill/>
+              <a:ln w="9525" cap="flat" cmpd="sng">
+                <a:solidFill>
+                  <a:srgbClr val="595959"/>
+                </a:solidFill>
+                <a:prstDash val="solid"/>
+                <a:round/>
+                <a:headEnd type="none" w="med" len="med"/>
+                <a:tailEnd type="none" w="med" len="med"/>
+              </a:ln>
+            </p:spPr>
+          </p:cxnSp>
+          <p:cxnSp>
+            <p:nvCxnSpPr>
+              <p:cNvPr id="109" name="Google Shape;109;p15"/>
+              <p:cNvCxnSpPr/>
+              <p:nvPr/>
+            </p:nvCxnSpPr>
+            <p:spPr>
+              <a:xfrm rot="10800000">
+                <a:off x="1748425" y="2022925"/>
+                <a:ext cx="248700" cy="271500"/>
+              </a:xfrm>
+              <a:prstGeom prst="straightConnector1">
+                <a:avLst/>
+              </a:prstGeom>
+              <a:noFill/>
+              <a:ln w="9525" cap="flat" cmpd="sng">
+                <a:solidFill>
+                  <a:srgbClr val="595959"/>
+                </a:solidFill>
+                <a:prstDash val="solid"/>
+                <a:round/>
+                <a:headEnd type="none" w="med" len="med"/>
+                <a:tailEnd type="none" w="med" len="med"/>
+              </a:ln>
+            </p:spPr>
+          </p:cxnSp>
+        </p:grpSp>
+        <p:sp>
+          <p:nvSpPr>
+            <p:cNvPr id="110" name="Google Shape;110;p15"/>
+            <p:cNvSpPr txBox="1"/>
+            <p:nvPr/>
+          </p:nvSpPr>
+          <p:spPr>
+            <a:xfrm>
+              <a:off x="2852000" y="3912484"/>
+              <a:ext cx="1021200" cy="342900"/>
+            </a:xfrm>
+            <a:prstGeom prst="rect">
+              <a:avLst/>
+            </a:prstGeom>
+            <a:noFill/>
+            <a:ln>
+              <a:noFill/>
+            </a:ln>
+          </p:spPr>
+          <p:txBody>
+            <a:bodyPr spcFirstLastPara="1" wrap="square" lIns="91425" tIns="91425" rIns="91425" bIns="91425" anchor="t" anchorCtr="0">
+              <a:noAutofit/>
+            </a:bodyPr>
+            <a:lstStyle/>
+            <a:p>
+              <a:pPr marL="0" lvl="0" indent="0" algn="ctr" rtl="0">
+                <a:spcBef>
+                  <a:spcPts val="0"/>
+                </a:spcBef>
+                <a:spcAft>
+                  <a:spcPts val="0"/>
+                </a:spcAft>
+                <a:buNone/>
+              </a:pPr>
+              <a:r>
+                <a:rPr lang="pt-BR" sz="1200" b="1" dirty="0" smtClean="0"/>
+                <a:t>Tatuador</a:t>
+              </a:r>
+              <a:endParaRPr sz="1200" b="1" dirty="0"/>
+            </a:p>
+          </p:txBody>
+        </p:sp>
+      </p:grpSp>
+      <p:cxnSp>
+        <p:nvCxnSpPr>
+          <p:cNvPr id="111" name="Google Shape;111;p15"/>
+          <p:cNvCxnSpPr>
+            <a:stCxn id="112" idx="0"/>
+            <a:endCxn id="102" idx="2"/>
+          </p:cNvCxnSpPr>
+          <p:nvPr/>
+        </p:nvCxnSpPr>
+        <p:spPr>
+          <a:xfrm rot="5400000" flipH="1" flipV="1">
+            <a:off x="3863120" y="1134858"/>
+            <a:ext cx="934638" cy="473222"/>
+          </a:xfrm>
+          <a:prstGeom prst="curvedConnector5">
+            <a:avLst>
+              <a:gd name="adj1" fmla="val 47110"/>
+              <a:gd name="adj2" fmla="val 17696"/>
+              <a:gd name="adj3" fmla="val 67912"/>
+            </a:avLst>
+          </a:prstGeom>
+          <a:noFill/>
+          <a:ln w="9525" cap="flat" cmpd="sng">
+            <a:solidFill>
+              <a:schemeClr val="dk2"/>
+            </a:solidFill>
+            <a:prstDash val="solid"/>
+            <a:round/>
+            <a:headEnd type="none" w="med" len="med"/>
+            <a:tailEnd type="none" w="med" len="med"/>
+          </a:ln>
+        </p:spPr>
+      </p:cxnSp>
+      <p:sp>
+        <p:nvSpPr>
+          <p:cNvPr id="113" name="Google Shape;113;p15"/>
+          <p:cNvSpPr txBox="1"/>
+          <p:nvPr/>
+        </p:nvSpPr>
+        <p:spPr>
+          <a:xfrm>
+            <a:off x="130400" y="2813122"/>
+            <a:ext cx="8542500" cy="1367400"/>
+          </a:xfrm>
+          <a:prstGeom prst="rect">
+            <a:avLst/>
+          </a:prstGeom>
+          <a:noFill/>
+          <a:ln w="9525" cap="flat" cmpd="sng">
+            <a:solidFill>
+              <a:srgbClr val="FF9900"/>
+            </a:solidFill>
+            <a:prstDash val="solid"/>
+            <a:round/>
+            <a:headEnd type="none" w="sm" len="sm"/>
+            <a:tailEnd type="none" w="sm" len="sm"/>
+          </a:ln>
+        </p:spPr>
+        <p:txBody>
+          <a:bodyPr spcFirstLastPara="1" wrap="square" lIns="91425" tIns="91425" rIns="91425" bIns="91425" anchor="t" anchorCtr="0">
+            <a:noAutofit/>
+          </a:bodyPr>
+          <a:lstStyle/>
+          <a:p>
+            <a:pPr marL="0" lvl="0" indent="0" algn="l" rtl="0">
+              <a:spcBef>
+                <a:spcPts val="0"/>
+              </a:spcBef>
+              <a:spcAft>
+                <a:spcPts val="0"/>
+              </a:spcAft>
+              <a:buNone/>
+            </a:pPr>
+            <a:r>
+              <a:rPr lang="pt-BR" dirty="0"/>
+              <a:t>Capacidades Operacionais</a:t>
+            </a:r>
+            <a:endParaRPr dirty="0"/>
+          </a:p>
+        </p:txBody>
+      </p:sp>
+      <p:cxnSp>
+        <p:nvCxnSpPr>
+          <p:cNvPr id="114" name="Google Shape;114;p15"/>
+          <p:cNvCxnSpPr>
+            <a:stCxn id="105" idx="0"/>
+            <a:endCxn id="102" idx="2"/>
+          </p:cNvCxnSpPr>
+          <p:nvPr/>
+        </p:nvCxnSpPr>
+        <p:spPr>
+          <a:xfrm rot="16200000" flipV="1">
+            <a:off x="4772082" y="699119"/>
+            <a:ext cx="846099" cy="1256161"/>
+          </a:xfrm>
+          <a:prstGeom prst="curvedConnector3">
+            <a:avLst>
+              <a:gd name="adj1" fmla="val 63139"/>
+            </a:avLst>
+          </a:prstGeom>
+          <a:noFill/>
+          <a:ln w="9525" cap="flat" cmpd="sng">
+            <a:solidFill>
+              <a:schemeClr val="dk2"/>
+            </a:solidFill>
+            <a:prstDash val="solid"/>
+            <a:round/>
+            <a:headEnd type="none" w="med" len="med"/>
+            <a:tailEnd type="none" w="med" len="med"/>
+          </a:ln>
+        </p:spPr>
+      </p:cxnSp>
+      <p:cxnSp>
+        <p:nvCxnSpPr>
+          <p:cNvPr id="124" name="Google Shape;124;p15"/>
+          <p:cNvCxnSpPr>
+            <a:stCxn id="112" idx="2"/>
+            <a:endCxn id="125" idx="1"/>
+          </p:cNvCxnSpPr>
+          <p:nvPr/>
+        </p:nvCxnSpPr>
+        <p:spPr>
+          <a:xfrm rot="16200000" flipH="1">
+            <a:off x="3869820" y="2594395"/>
+            <a:ext cx="1162012" cy="713997"/>
+          </a:xfrm>
+          <a:prstGeom prst="curvedConnector2">
+            <a:avLst/>
+          </a:prstGeom>
+          <a:noFill/>
+          <a:ln w="9525" cap="flat" cmpd="sng">
+            <a:solidFill>
+              <a:schemeClr val="dk2"/>
+            </a:solidFill>
+            <a:prstDash val="solid"/>
+            <a:round/>
+            <a:headEnd type="none" w="med" len="med"/>
+            <a:tailEnd type="none" w="med" len="med"/>
+          </a:ln>
+        </p:spPr>
+      </p:cxnSp>
+      <p:sp>
+        <p:nvSpPr>
+          <p:cNvPr id="125" name="Google Shape;125;p15"/>
+          <p:cNvSpPr/>
+          <p:nvPr/>
+        </p:nvSpPr>
+        <p:spPr>
+          <a:xfrm>
+            <a:off x="4807825" y="3266600"/>
+            <a:ext cx="1723200" cy="531600"/>
+          </a:xfrm>
+          <a:prstGeom prst="bracketPair">
+            <a:avLst/>
+          </a:prstGeom>
+          <a:noFill/>
+          <a:ln w="9525" cap="flat" cmpd="sng">
+            <a:solidFill>
+              <a:schemeClr val="dk2"/>
+            </a:solidFill>
+            <a:prstDash val="solid"/>
+            <a:round/>
+            <a:headEnd type="none" w="sm" len="sm"/>
+            <a:tailEnd type="none" w="sm" len="sm"/>
+          </a:ln>
+        </p:spPr>
+        <p:txBody>
+          <a:bodyPr spcFirstLastPara="1" wrap="square" lIns="91425" tIns="91425" rIns="91425" bIns="91425" anchor="ctr" anchorCtr="0">
+            <a:noAutofit/>
+          </a:bodyPr>
+          <a:lstStyle/>
+          <a:p>
+            <a:pPr marL="457200" lvl="0" indent="-292100" algn="l" rtl="0">
+              <a:spcBef>
+                <a:spcPts val="0"/>
+              </a:spcBef>
+              <a:spcAft>
+                <a:spcPts val="0"/>
+              </a:spcAft>
+              <a:buSzPts val="1000"/>
+              <a:buChar char="●"/>
+            </a:pPr>
             <a:r>
               <a:rPr lang="pt-BR" sz="1000" dirty="0" smtClean="0"/>
-              <a:t> </a:t>
+              <a:t>Realizar orçamento</a:t>
             </a:r>
+          </a:p>
+        </p:txBody>
+      </p:sp>
+      <p:sp>
+        <p:nvSpPr>
+          <p:cNvPr id="112" name="Google Shape;112;p15"/>
+          <p:cNvSpPr/>
+          <p:nvPr/>
+        </p:nvSpPr>
+        <p:spPr>
+          <a:xfrm>
+            <a:off x="3531765" y="1838788"/>
+            <a:ext cx="1124125" cy="531600"/>
+          </a:xfrm>
+          <a:prstGeom prst="roundRect">
+            <a:avLst>
+              <a:gd name="adj" fmla="val 16667"/>
+            </a:avLst>
+          </a:prstGeom>
+          <a:gradFill>
+            <a:gsLst>
+              <a:gs pos="0">
+                <a:srgbClr val="D4E5F5"/>
+              </a:gs>
+              <a:gs pos="100000">
+                <a:srgbClr val="70A4D5"/>
+              </a:gs>
+            </a:gsLst>
+            <a:path path="circle">
+              <a:fillToRect l="50000" t="50000" r="50000" b="50000"/>
+            </a:path>
+            <a:tileRect/>
+          </a:gradFill>
+          <a:ln w="9525" cap="flat" cmpd="sng">
+            <a:solidFill>
+              <a:srgbClr val="F3F3F3"/>
+            </a:solidFill>
+            <a:prstDash val="solid"/>
+            <a:round/>
+            <a:headEnd type="none" w="sm" len="sm"/>
+            <a:tailEnd type="none" w="sm" len="sm"/>
+          </a:ln>
+        </p:spPr>
+        <p:txBody>
+          <a:bodyPr spcFirstLastPara="1" wrap="square" lIns="91425" tIns="91425" rIns="91425" bIns="91425" anchor="ctr" anchorCtr="0">
+            <a:noAutofit/>
+          </a:bodyPr>
+          <a:lstStyle/>
+          <a:p>
+            <a:pPr marL="0" lvl="0" indent="0" algn="ctr" rtl="0">
+              <a:spcBef>
+                <a:spcPts val="0"/>
+              </a:spcBef>
+              <a:spcAft>
+                <a:spcPts val="0"/>
+              </a:spcAft>
+              <a:buNone/>
+            </a:pPr>
             <a:r>
-              <a:rPr lang="pt-BR" sz="1000" dirty="0" err="1" smtClean="0"/>
-              <a:t>Tatto</a:t>
+              <a:rPr lang="pt-BR" sz="1000" dirty="0" smtClean="0"/>
+              <a:t>Administração</a:t>
             </a:r>
             <a:endParaRPr sz="1000" dirty="0"/>
           </a:p>
@@ -9536,7 +10254,7 @@
 </p:sld>
 </file>
 
-<file path=ppt/slides/slide6.xml><?xml version="1.0" encoding="utf-8"?>
+<file path=ppt/slides/slide7.xml><?xml version="1.0" encoding="utf-8"?>
 <p:sld xmlns:a="http://schemas.openxmlformats.org/drawingml/2006/main" xmlns:r="http://schemas.openxmlformats.org/officeDocument/2006/relationships" xmlns:p="http://schemas.openxmlformats.org/presentationml/2006/main">
   <p:cSld>
     <p:spTree>

--- a/ARTEFATOS/15 -  ARQUITETURA DE NEGÓCIO PARA CADA CENÁRIO.pptx
+++ b/ARTEFATOS/15 -  ARQUITETURA DE NEGÓCIO PARA CADA CENÁRIO.pptx
@@ -9557,7 +9557,7 @@
             </a:pPr>
             <a:r>
               <a:rPr lang="pt-BR" sz="1000" dirty="0" smtClean="0"/>
-              <a:t>Obter orçamento</a:t>
+              <a:t>Realizar orçamento</a:t>
             </a:r>
             <a:endParaRPr sz="1000" dirty="0"/>
           </a:p>

--- a/ARTEFATOS/15 -  ARQUITETURA DE NEGÓCIO PARA CADA CENÁRIO.pptx
+++ b/ARTEFATOS/15 -  ARQUITETURA DE NEGÓCIO PARA CADA CENÁRIO.pptx
@@ -5,16 +5,14 @@
     <p:sldMasterId id="2147483659" r:id="rId1"/>
   </p:sldMasterIdLst>
   <p:notesMasterIdLst>
-    <p:notesMasterId r:id="rId9"/>
+    <p:notesMasterId r:id="rId7"/>
   </p:notesMasterIdLst>
   <p:sldIdLst>
     <p:sldId id="256" r:id="rId2"/>
-    <p:sldId id="259" r:id="rId3"/>
-    <p:sldId id="260" r:id="rId4"/>
-    <p:sldId id="258" r:id="rId5"/>
-    <p:sldId id="263" r:id="rId6"/>
-    <p:sldId id="262" r:id="rId7"/>
-    <p:sldId id="261" r:id="rId8"/>
+    <p:sldId id="264" r:id="rId3"/>
+    <p:sldId id="258" r:id="rId4"/>
+    <p:sldId id="259" r:id="rId5"/>
+    <p:sldId id="261" r:id="rId6"/>
   </p:sldIdLst>
   <p:sldSz cx="9144000" cy="5143500" type="screen16x9"/>
   <p:notesSz cx="6858000" cy="9144000"/>
@@ -909,7 +907,7 @@
     </p:spTree>
     <p:extLst>
       <p:ext uri="{BB962C8B-B14F-4D97-AF65-F5344CB8AC3E}">
-        <p14:creationId xmlns:p14="http://schemas.microsoft.com/office/powerpoint/2010/main" val="178196146"/>
+        <p14:creationId xmlns:p14="http://schemas.microsoft.com/office/powerpoint/2010/main" val="4123005632"/>
       </p:ext>
     </p:extLst>
   </p:cSld>
@@ -1018,7 +1016,7 @@
     </p:spTree>
     <p:extLst>
       <p:ext uri="{BB962C8B-B14F-4D97-AF65-F5344CB8AC3E}">
-        <p14:creationId xmlns:p14="http://schemas.microsoft.com/office/powerpoint/2010/main" val="868447162"/>
+        <p14:creationId xmlns:p14="http://schemas.microsoft.com/office/powerpoint/2010/main" val="1082501965"/>
       </p:ext>
     </p:extLst>
   </p:cSld>
@@ -1127,7 +1125,7 @@
     </p:spTree>
     <p:extLst>
       <p:ext uri="{BB962C8B-B14F-4D97-AF65-F5344CB8AC3E}">
-        <p14:creationId xmlns:p14="http://schemas.microsoft.com/office/powerpoint/2010/main" val="1082501965"/>
+        <p14:creationId xmlns:p14="http://schemas.microsoft.com/office/powerpoint/2010/main" val="178196146"/>
       </p:ext>
     </p:extLst>
   </p:cSld>
@@ -1138,224 +1136,6 @@
 </file>
 
 <file path=ppt/notesSlides/notesSlide5.xml><?xml version="1.0" encoding="utf-8"?>
-<p:notes xmlns:a="http://schemas.openxmlformats.org/drawingml/2006/main" xmlns:r="http://schemas.openxmlformats.org/officeDocument/2006/relationships" xmlns:p="http://schemas.openxmlformats.org/presentationml/2006/main" showMasterSp="0" showMasterPhAnim="0">
-  <p:cSld>
-    <p:spTree>
-      <p:nvGrpSpPr>
-        <p:cNvPr id="1" name="Shape 97"/>
-        <p:cNvGrpSpPr/>
-        <p:nvPr/>
-      </p:nvGrpSpPr>
-      <p:grpSpPr>
-        <a:xfrm>
-          <a:off x="0" y="0"/>
-          <a:ext cx="0" cy="0"/>
-          <a:chOff x="0" y="0"/>
-          <a:chExt cx="0" cy="0"/>
-        </a:xfrm>
-      </p:grpSpPr>
-      <p:sp>
-        <p:nvSpPr>
-          <p:cNvPr id="98" name="Google Shape;98;g2546aa1b3b_0_45:notes"/>
-          <p:cNvSpPr>
-            <a:spLocks noGrp="1" noRot="1" noChangeAspect="1"/>
-          </p:cNvSpPr>
-          <p:nvPr>
-            <p:ph type="sldImg" idx="2"/>
-          </p:nvPr>
-        </p:nvSpPr>
-        <p:spPr>
-          <a:xfrm>
-            <a:off x="381000" y="685800"/>
-            <a:ext cx="6096000" cy="3429000"/>
-          </a:xfrm>
-          <a:custGeom>
-            <a:avLst/>
-            <a:gdLst/>
-            <a:ahLst/>
-            <a:cxnLst/>
-            <a:rect l="l" t="t" r="r" b="b"/>
-            <a:pathLst>
-              <a:path w="120000" h="120000" extrusionOk="0">
-                <a:moveTo>
-                  <a:pt x="0" y="0"/>
-                </a:moveTo>
-                <a:lnTo>
-                  <a:pt x="120000" y="0"/>
-                </a:lnTo>
-                <a:lnTo>
-                  <a:pt x="120000" y="120000"/>
-                </a:lnTo>
-                <a:lnTo>
-                  <a:pt x="0" y="120000"/>
-                </a:lnTo>
-                <a:close/>
-              </a:path>
-            </a:pathLst>
-          </a:custGeom>
-        </p:spPr>
-      </p:sp>
-      <p:sp>
-        <p:nvSpPr>
-          <p:cNvPr id="99" name="Google Shape;99;g2546aa1b3b_0_45:notes"/>
-          <p:cNvSpPr txBox="1">
-            <a:spLocks noGrp="1"/>
-          </p:cNvSpPr>
-          <p:nvPr>
-            <p:ph type="body" idx="1"/>
-          </p:nvPr>
-        </p:nvSpPr>
-        <p:spPr>
-          <a:xfrm>
-            <a:off x="685800" y="4343400"/>
-            <a:ext cx="5486400" cy="4114800"/>
-          </a:xfrm>
-          <a:prstGeom prst="rect">
-            <a:avLst/>
-          </a:prstGeom>
-        </p:spPr>
-        <p:txBody>
-          <a:bodyPr spcFirstLastPara="1" wrap="square" lIns="91425" tIns="91425" rIns="91425" bIns="91425" anchor="t" anchorCtr="0">
-            <a:noAutofit/>
-          </a:bodyPr>
-          <a:lstStyle/>
-          <a:p>
-            <a:pPr marL="0" lvl="0" indent="0" algn="l" rtl="0">
-              <a:spcBef>
-                <a:spcPts val="0"/>
-              </a:spcBef>
-              <a:spcAft>
-                <a:spcPts val="0"/>
-              </a:spcAft>
-              <a:buNone/>
-            </a:pPr>
-            <a:endParaRPr dirty="0"/>
-          </a:p>
-        </p:txBody>
-      </p:sp>
-    </p:spTree>
-    <p:extLst>
-      <p:ext uri="{BB962C8B-B14F-4D97-AF65-F5344CB8AC3E}">
-        <p14:creationId xmlns:p14="http://schemas.microsoft.com/office/powerpoint/2010/main" val="2833353820"/>
-      </p:ext>
-    </p:extLst>
-  </p:cSld>
-  <p:clrMapOvr>
-    <a:masterClrMapping/>
-  </p:clrMapOvr>
-</p:notes>
-</file>
-
-<file path=ppt/notesSlides/notesSlide6.xml><?xml version="1.0" encoding="utf-8"?>
-<p:notes xmlns:a="http://schemas.openxmlformats.org/drawingml/2006/main" xmlns:r="http://schemas.openxmlformats.org/officeDocument/2006/relationships" xmlns:p="http://schemas.openxmlformats.org/presentationml/2006/main" showMasterSp="0" showMasterPhAnim="0">
-  <p:cSld>
-    <p:spTree>
-      <p:nvGrpSpPr>
-        <p:cNvPr id="1" name="Shape 97"/>
-        <p:cNvGrpSpPr/>
-        <p:nvPr/>
-      </p:nvGrpSpPr>
-      <p:grpSpPr>
-        <a:xfrm>
-          <a:off x="0" y="0"/>
-          <a:ext cx="0" cy="0"/>
-          <a:chOff x="0" y="0"/>
-          <a:chExt cx="0" cy="0"/>
-        </a:xfrm>
-      </p:grpSpPr>
-      <p:sp>
-        <p:nvSpPr>
-          <p:cNvPr id="98" name="Google Shape;98;g2546aa1b3b_0_45:notes"/>
-          <p:cNvSpPr>
-            <a:spLocks noGrp="1" noRot="1" noChangeAspect="1"/>
-          </p:cNvSpPr>
-          <p:nvPr>
-            <p:ph type="sldImg" idx="2"/>
-          </p:nvPr>
-        </p:nvSpPr>
-        <p:spPr>
-          <a:xfrm>
-            <a:off x="381000" y="685800"/>
-            <a:ext cx="6096000" cy="3429000"/>
-          </a:xfrm>
-          <a:custGeom>
-            <a:avLst/>
-            <a:gdLst/>
-            <a:ahLst/>
-            <a:cxnLst/>
-            <a:rect l="l" t="t" r="r" b="b"/>
-            <a:pathLst>
-              <a:path w="120000" h="120000" extrusionOk="0">
-                <a:moveTo>
-                  <a:pt x="0" y="0"/>
-                </a:moveTo>
-                <a:lnTo>
-                  <a:pt x="120000" y="0"/>
-                </a:lnTo>
-                <a:lnTo>
-                  <a:pt x="120000" y="120000"/>
-                </a:lnTo>
-                <a:lnTo>
-                  <a:pt x="0" y="120000"/>
-                </a:lnTo>
-                <a:close/>
-              </a:path>
-            </a:pathLst>
-          </a:custGeom>
-        </p:spPr>
-      </p:sp>
-      <p:sp>
-        <p:nvSpPr>
-          <p:cNvPr id="99" name="Google Shape;99;g2546aa1b3b_0_45:notes"/>
-          <p:cNvSpPr txBox="1">
-            <a:spLocks noGrp="1"/>
-          </p:cNvSpPr>
-          <p:nvPr>
-            <p:ph type="body" idx="1"/>
-          </p:nvPr>
-        </p:nvSpPr>
-        <p:spPr>
-          <a:xfrm>
-            <a:off x="685800" y="4343400"/>
-            <a:ext cx="5486400" cy="4114800"/>
-          </a:xfrm>
-          <a:prstGeom prst="rect">
-            <a:avLst/>
-          </a:prstGeom>
-        </p:spPr>
-        <p:txBody>
-          <a:bodyPr spcFirstLastPara="1" wrap="square" lIns="91425" tIns="91425" rIns="91425" bIns="91425" anchor="t" anchorCtr="0">
-            <a:noAutofit/>
-          </a:bodyPr>
-          <a:lstStyle/>
-          <a:p>
-            <a:pPr marL="0" lvl="0" indent="0" algn="l" rtl="0">
-              <a:spcBef>
-                <a:spcPts val="0"/>
-              </a:spcBef>
-              <a:spcAft>
-                <a:spcPts val="0"/>
-              </a:spcAft>
-              <a:buNone/>
-            </a:pPr>
-            <a:endParaRPr dirty="0"/>
-          </a:p>
-        </p:txBody>
-      </p:sp>
-    </p:spTree>
-    <p:extLst>
-      <p:ext uri="{BB962C8B-B14F-4D97-AF65-F5344CB8AC3E}">
-        <p14:creationId xmlns:p14="http://schemas.microsoft.com/office/powerpoint/2010/main" val="188185593"/>
-      </p:ext>
-    </p:extLst>
-  </p:cSld>
-  <p:clrMapOvr>
-    <a:masterClrMapping/>
-  </p:clrMapOvr>
-</p:notes>
-</file>
-
-<file path=ppt/notesSlides/notesSlide7.xml><?xml version="1.0" encoding="utf-8"?>
 <p:notes xmlns:a="http://schemas.openxmlformats.org/drawingml/2006/main" xmlns:r="http://schemas.openxmlformats.org/officeDocument/2006/relationships" xmlns:p="http://schemas.openxmlformats.org/presentationml/2006/main" showMasterSp="0" showMasterPhAnim="0">
   <p:cSld>
     <p:spTree>
@@ -6292,7 +6072,7 @@
               <a:buNone/>
             </a:pPr>
             <a:r>
-              <a:rPr lang="pt-BR" sz="1200" dirty="0" smtClean="0"/>
+              <a:rPr lang="pt-BR" sz="1200" dirty="0"/>
               <a:t>Estúdio Tattoo</a:t>
             </a:r>
             <a:endParaRPr sz="1200" dirty="0"/>
@@ -6355,15 +6135,15 @@
               <a:buNone/>
             </a:pPr>
             <a:r>
-              <a:rPr lang="pt-BR" sz="1000" dirty="0" err="1" smtClean="0"/>
+              <a:rPr lang="pt-BR" sz="1000" dirty="0" err="1"/>
               <a:t>Draco</a:t>
             </a:r>
             <a:r>
-              <a:rPr lang="pt-BR" sz="1000" dirty="0" smtClean="0"/>
+              <a:rPr lang="pt-BR" sz="1000" dirty="0"/>
               <a:t> </a:t>
             </a:r>
             <a:r>
-              <a:rPr lang="pt-BR" sz="1000" dirty="0" err="1" smtClean="0"/>
+              <a:rPr lang="pt-BR" sz="1000" dirty="0" err="1"/>
               <a:t>Tattoo</a:t>
             </a:r>
             <a:endParaRPr sz="1000" dirty="0"/>
@@ -6586,7 +6366,7 @@
                 <a:buNone/>
               </a:pPr>
               <a:r>
-                <a:rPr lang="pt-BR" sz="1200" b="1" dirty="0" smtClean="0"/>
+                <a:rPr lang="pt-BR" sz="1200" b="1" dirty="0"/>
                 <a:t>Cliente</a:t>
               </a:r>
               <a:endParaRPr sz="1200" b="1" dirty="0"/>
@@ -6810,7 +6590,7 @@
                 <a:buNone/>
               </a:pPr>
               <a:r>
-                <a:rPr lang="pt-BR" sz="1200" b="1" dirty="0" smtClean="0"/>
+                <a:rPr lang="pt-BR" sz="1200" b="1" dirty="0"/>
                 <a:t>Tatuador</a:t>
               </a:r>
               <a:endParaRPr sz="1200" b="1" dirty="0"/>
@@ -6915,7 +6695,7 @@
               <a:buChar char="❖"/>
             </a:pPr>
             <a:r>
-              <a:rPr lang="pt-BR" sz="1000" dirty="0" smtClean="0">
+              <a:rPr lang="pt-BR" sz="1000" dirty="0">
                 <a:solidFill>
                   <a:schemeClr val="dk1"/>
                 </a:solidFill>
@@ -6938,20 +6718,12 @@
               <a:buChar char="❖"/>
             </a:pPr>
             <a:r>
-              <a:rPr lang="pt-BR" sz="1000" dirty="0" smtClean="0">
+              <a:rPr lang="pt-BR" sz="1000" dirty="0">
                 <a:solidFill>
                   <a:schemeClr val="dk1"/>
                 </a:solidFill>
               </a:rPr>
-              <a:t>Fechar </a:t>
-            </a:r>
-            <a:r>
-              <a:rPr lang="pt-BR" sz="1000" dirty="0" smtClean="0">
-                <a:solidFill>
-                  <a:schemeClr val="dk1"/>
-                </a:solidFill>
-              </a:rPr>
-              <a:t>contrato</a:t>
+              <a:t>Fechar contrato</a:t>
             </a:r>
           </a:p>
           <a:p>
@@ -6969,7 +6741,7 @@
               <a:buChar char="❖"/>
             </a:pPr>
             <a:r>
-              <a:rPr lang="pt-BR" sz="1000" dirty="0" smtClean="0">
+              <a:rPr lang="pt-BR" sz="1000" dirty="0">
                 <a:solidFill>
                   <a:schemeClr val="dk1"/>
                 </a:solidFill>
@@ -7035,28 +6807,12 @@
               <a:buChar char="❖"/>
             </a:pPr>
             <a:r>
-              <a:rPr lang="pt-BR" sz="1000" dirty="0" smtClean="0">
+              <a:rPr lang="pt-BR" sz="1000" dirty="0">
                 <a:solidFill>
                   <a:schemeClr val="dk1"/>
                 </a:solidFill>
               </a:rPr>
-              <a:t>Obte</a:t>
-            </a:r>
-            <a:r>
-              <a:rPr lang="pt-BR" sz="1000" dirty="0" smtClean="0">
-                <a:solidFill>
-                  <a:schemeClr val="dk1"/>
-                </a:solidFill>
-              </a:rPr>
-              <a:t>r </a:t>
-            </a:r>
-            <a:r>
-              <a:rPr lang="pt-BR" sz="1000" dirty="0" smtClean="0">
-                <a:solidFill>
-                  <a:schemeClr val="dk1"/>
-                </a:solidFill>
-              </a:rPr>
-              <a:t>orçamento</a:t>
+              <a:t>Obter orçamento</a:t>
             </a:r>
           </a:p>
           <a:p>
@@ -7071,7 +6827,7 @@
               <a:buChar char="❖"/>
             </a:pPr>
             <a:r>
-              <a:rPr lang="pt-BR" sz="1000" dirty="0" smtClean="0">
+              <a:rPr lang="pt-BR" sz="1000" dirty="0">
                 <a:solidFill>
                   <a:schemeClr val="dk1"/>
                 </a:solidFill>
@@ -7091,7 +6847,7 @@
               <a:buChar char="❖"/>
             </a:pPr>
             <a:r>
-              <a:rPr lang="pt-BR" sz="1000" dirty="0" smtClean="0">
+              <a:rPr lang="pt-BR" sz="1000" dirty="0">
                 <a:solidFill>
                   <a:schemeClr val="dk1"/>
                 </a:solidFill>
@@ -7295,1246 +7051,13 @@
               <a:buChar char="❖"/>
             </a:pPr>
             <a:r>
-              <a:rPr lang="pt-BR" sz="1000" dirty="0" smtClean="0">
+              <a:rPr lang="pt-BR" sz="1000" dirty="0">
                 <a:solidFill>
                   <a:schemeClr val="dk1"/>
                 </a:solidFill>
               </a:rPr>
-              <a:t>Fechar contrato</a:t>
+              <a:t>Realizar orçamento</a:t>
             </a:r>
-            <a:endParaRPr sz="1200" dirty="0"/>
-          </a:p>
-        </p:txBody>
-      </p:sp>
-      <p:cxnSp>
-        <p:nvCxnSpPr>
-          <p:cNvPr id="111" name="Google Shape;111;p15"/>
-          <p:cNvCxnSpPr>
-            <a:stCxn id="112" idx="0"/>
-            <a:endCxn id="102" idx="2"/>
-          </p:cNvCxnSpPr>
-          <p:nvPr/>
-        </p:nvCxnSpPr>
-        <p:spPr>
-          <a:xfrm rot="5400000" flipH="1" flipV="1">
-            <a:off x="3832509" y="1104247"/>
-            <a:ext cx="934638" cy="534444"/>
-          </a:xfrm>
-          <a:prstGeom prst="curvedConnector5">
-            <a:avLst>
-              <a:gd name="adj1" fmla="val 47110"/>
-              <a:gd name="adj2" fmla="val 3579"/>
-              <a:gd name="adj3" fmla="val 67912"/>
-            </a:avLst>
-          </a:prstGeom>
-          <a:noFill/>
-          <a:ln w="9525" cap="flat" cmpd="sng">
-            <a:solidFill>
-              <a:schemeClr val="dk2"/>
-            </a:solidFill>
-            <a:prstDash val="solid"/>
-            <a:round/>
-            <a:headEnd type="none" w="med" len="med"/>
-            <a:tailEnd type="none" w="med" len="med"/>
-          </a:ln>
-        </p:spPr>
-      </p:cxnSp>
-      <p:sp>
-        <p:nvSpPr>
-          <p:cNvPr id="113" name="Google Shape;113;p15"/>
-          <p:cNvSpPr txBox="1"/>
-          <p:nvPr/>
-        </p:nvSpPr>
-        <p:spPr>
-          <a:xfrm>
-            <a:off x="130400" y="2813122"/>
-            <a:ext cx="8542500" cy="1367400"/>
-          </a:xfrm>
-          <a:prstGeom prst="rect">
-            <a:avLst/>
-          </a:prstGeom>
-          <a:noFill/>
-          <a:ln w="9525" cap="flat" cmpd="sng">
-            <a:solidFill>
-              <a:srgbClr val="FF9900"/>
-            </a:solidFill>
-            <a:prstDash val="solid"/>
-            <a:round/>
-            <a:headEnd type="none" w="sm" len="sm"/>
-            <a:tailEnd type="none" w="sm" len="sm"/>
-          </a:ln>
-        </p:spPr>
-        <p:txBody>
-          <a:bodyPr spcFirstLastPara="1" wrap="square" lIns="91425" tIns="91425" rIns="91425" bIns="91425" anchor="t" anchorCtr="0">
-            <a:noAutofit/>
-          </a:bodyPr>
-          <a:lstStyle/>
-          <a:p>
-            <a:pPr marL="0" lvl="0" indent="0" algn="l" rtl="0">
-              <a:spcBef>
-                <a:spcPts val="0"/>
-              </a:spcBef>
-              <a:spcAft>
-                <a:spcPts val="0"/>
-              </a:spcAft>
-              <a:buNone/>
-            </a:pPr>
-            <a:r>
-              <a:rPr lang="pt-BR" dirty="0"/>
-              <a:t>Capacidades Operacionais</a:t>
-            </a:r>
-            <a:endParaRPr dirty="0"/>
-          </a:p>
-        </p:txBody>
-      </p:sp>
-      <p:grpSp>
-        <p:nvGrpSpPr>
-          <p:cNvPr id="115" name="Google Shape;115;p15"/>
-          <p:cNvGrpSpPr/>
-          <p:nvPr/>
-        </p:nvGrpSpPr>
-        <p:grpSpPr>
-          <a:xfrm>
-            <a:off x="6116076" y="1714176"/>
-            <a:ext cx="897119" cy="830488"/>
-            <a:chOff x="6787874" y="3204287"/>
-            <a:chExt cx="897119" cy="830488"/>
-          </a:xfrm>
-        </p:grpSpPr>
-        <p:grpSp>
-          <p:nvGrpSpPr>
-            <p:cNvPr id="116" name="Google Shape;116;p15"/>
-            <p:cNvGrpSpPr/>
-            <p:nvPr/>
-          </p:nvGrpSpPr>
-          <p:grpSpPr>
-            <a:xfrm>
-              <a:off x="7044733" y="3204287"/>
-              <a:ext cx="308885" cy="587736"/>
-              <a:chOff x="1499725" y="1450825"/>
-              <a:chExt cx="497400" cy="843600"/>
-            </a:xfrm>
-          </p:grpSpPr>
-          <p:sp>
-            <p:nvSpPr>
-              <p:cNvPr id="117" name="Google Shape;117;p15"/>
-              <p:cNvSpPr/>
-              <p:nvPr/>
-            </p:nvSpPr>
-            <p:spPr>
-              <a:xfrm>
-                <a:off x="1597825" y="1450825"/>
-                <a:ext cx="313200" cy="281400"/>
-              </a:xfrm>
-              <a:prstGeom prst="flowChartConnector">
-                <a:avLst/>
-              </a:prstGeom>
-              <a:solidFill>
-                <a:srgbClr val="EEEEEE"/>
-              </a:solidFill>
-              <a:ln w="9525" cap="flat" cmpd="sng">
-                <a:solidFill>
-                  <a:srgbClr val="595959"/>
-                </a:solidFill>
-                <a:prstDash val="solid"/>
-                <a:round/>
-                <a:headEnd type="none" w="sm" len="sm"/>
-                <a:tailEnd type="none" w="sm" len="sm"/>
-              </a:ln>
-            </p:spPr>
-            <p:txBody>
-              <a:bodyPr spcFirstLastPara="1" wrap="square" lIns="91425" tIns="91425" rIns="91425" bIns="91425" anchor="ctr" anchorCtr="0">
-                <a:noAutofit/>
-              </a:bodyPr>
-              <a:lstStyle/>
-              <a:p>
-                <a:pPr marL="0" lvl="0" indent="0" algn="l" rtl="0">
-                  <a:spcBef>
-                    <a:spcPts val="0"/>
-                  </a:spcBef>
-                  <a:spcAft>
-                    <a:spcPts val="0"/>
-                  </a:spcAft>
-                  <a:buNone/>
-                </a:pPr>
-                <a:endParaRPr dirty="0"/>
-              </a:p>
-            </p:txBody>
-          </p:sp>
-          <p:cxnSp>
-            <p:nvCxnSpPr>
-              <p:cNvPr id="118" name="Google Shape;118;p15"/>
-              <p:cNvCxnSpPr>
-                <a:stCxn id="117" idx="4"/>
-              </p:cNvCxnSpPr>
-              <p:nvPr/>
-            </p:nvCxnSpPr>
-            <p:spPr>
-              <a:xfrm flipH="1">
-                <a:off x="1748725" y="1732225"/>
-                <a:ext cx="5700" cy="293100"/>
-              </a:xfrm>
-              <a:prstGeom prst="straightConnector1">
-                <a:avLst/>
-              </a:prstGeom>
-              <a:noFill/>
-              <a:ln w="9525" cap="flat" cmpd="sng">
-                <a:solidFill>
-                  <a:srgbClr val="595959"/>
-                </a:solidFill>
-                <a:prstDash val="solid"/>
-                <a:round/>
-                <a:headEnd type="none" w="med" len="med"/>
-                <a:tailEnd type="none" w="med" len="med"/>
-              </a:ln>
-            </p:spPr>
-          </p:cxnSp>
-          <p:cxnSp>
-            <p:nvCxnSpPr>
-              <p:cNvPr id="119" name="Google Shape;119;p15"/>
-              <p:cNvCxnSpPr/>
-              <p:nvPr/>
-            </p:nvCxnSpPr>
-            <p:spPr>
-              <a:xfrm>
-                <a:off x="1527475" y="1858775"/>
-                <a:ext cx="453900" cy="1800"/>
-              </a:xfrm>
-              <a:prstGeom prst="straightConnector1">
-                <a:avLst/>
-              </a:prstGeom>
-              <a:noFill/>
-              <a:ln w="9525" cap="flat" cmpd="sng">
-                <a:solidFill>
-                  <a:srgbClr val="595959"/>
-                </a:solidFill>
-                <a:prstDash val="solid"/>
-                <a:round/>
-                <a:headEnd type="none" w="med" len="med"/>
-                <a:tailEnd type="none" w="med" len="med"/>
-              </a:ln>
-            </p:spPr>
-          </p:cxnSp>
-          <p:cxnSp>
-            <p:nvCxnSpPr>
-              <p:cNvPr id="120" name="Google Shape;120;p15"/>
-              <p:cNvCxnSpPr/>
-              <p:nvPr/>
-            </p:nvCxnSpPr>
-            <p:spPr>
-              <a:xfrm flipH="1">
-                <a:off x="1499725" y="2022925"/>
-                <a:ext cx="248700" cy="271500"/>
-              </a:xfrm>
-              <a:prstGeom prst="straightConnector1">
-                <a:avLst/>
-              </a:prstGeom>
-              <a:noFill/>
-              <a:ln w="9525" cap="flat" cmpd="sng">
-                <a:solidFill>
-                  <a:srgbClr val="595959"/>
-                </a:solidFill>
-                <a:prstDash val="solid"/>
-                <a:round/>
-                <a:headEnd type="none" w="med" len="med"/>
-                <a:tailEnd type="none" w="med" len="med"/>
-              </a:ln>
-            </p:spPr>
-          </p:cxnSp>
-          <p:cxnSp>
-            <p:nvCxnSpPr>
-              <p:cNvPr id="121" name="Google Shape;121;p15"/>
-              <p:cNvCxnSpPr/>
-              <p:nvPr/>
-            </p:nvCxnSpPr>
-            <p:spPr>
-              <a:xfrm rot="10800000">
-                <a:off x="1748425" y="2022925"/>
-                <a:ext cx="248700" cy="271500"/>
-              </a:xfrm>
-              <a:prstGeom prst="straightConnector1">
-                <a:avLst/>
-              </a:prstGeom>
-              <a:noFill/>
-              <a:ln w="9525" cap="flat" cmpd="sng">
-                <a:solidFill>
-                  <a:srgbClr val="595959"/>
-                </a:solidFill>
-                <a:prstDash val="solid"/>
-                <a:round/>
-                <a:headEnd type="none" w="med" len="med"/>
-                <a:tailEnd type="none" w="med" len="med"/>
-              </a:ln>
-            </p:spPr>
-          </p:cxnSp>
-        </p:grpSp>
-        <p:sp>
-          <p:nvSpPr>
-            <p:cNvPr id="122" name="Google Shape;122;p15"/>
-            <p:cNvSpPr txBox="1"/>
-            <p:nvPr/>
-          </p:nvSpPr>
-          <p:spPr>
-            <a:xfrm>
-              <a:off x="6787874" y="3691875"/>
-              <a:ext cx="897119" cy="342900"/>
-            </a:xfrm>
-            <a:prstGeom prst="rect">
-              <a:avLst/>
-            </a:prstGeom>
-            <a:noFill/>
-            <a:ln>
-              <a:noFill/>
-            </a:ln>
-          </p:spPr>
-          <p:txBody>
-            <a:bodyPr spcFirstLastPara="1" wrap="square" lIns="91425" tIns="91425" rIns="91425" bIns="91425" anchor="t" anchorCtr="0">
-              <a:noAutofit/>
-            </a:bodyPr>
-            <a:lstStyle/>
-            <a:p>
-              <a:pPr marL="0" lvl="0" indent="0" algn="ctr" rtl="0">
-                <a:spcBef>
-                  <a:spcPts val="0"/>
-                </a:spcBef>
-                <a:spcAft>
-                  <a:spcPts val="0"/>
-                </a:spcAft>
-                <a:buNone/>
-              </a:pPr>
-              <a:r>
-                <a:rPr lang="pt-BR" sz="1200" b="1" dirty="0" smtClean="0"/>
-                <a:t>Tatuador</a:t>
-              </a:r>
-              <a:endParaRPr sz="1200" b="1" dirty="0"/>
-            </a:p>
-          </p:txBody>
-        </p:sp>
-      </p:grpSp>
-      <p:cxnSp>
-        <p:nvCxnSpPr>
-          <p:cNvPr id="123" name="Google Shape;123;p15"/>
-          <p:cNvCxnSpPr>
-            <a:stCxn id="117" idx="0"/>
-            <a:endCxn id="102" idx="2"/>
-          </p:cNvCxnSpPr>
-          <p:nvPr/>
-        </p:nvCxnSpPr>
-        <p:spPr>
-          <a:xfrm rot="5400000" flipH="1">
-            <a:off x="5144053" y="327126"/>
-            <a:ext cx="810000" cy="1964100"/>
-          </a:xfrm>
-          <a:prstGeom prst="curvedConnector3">
-            <a:avLst>
-              <a:gd name="adj1" fmla="val 46793"/>
-            </a:avLst>
-          </a:prstGeom>
-          <a:noFill/>
-          <a:ln w="9525" cap="flat" cmpd="sng">
-            <a:solidFill>
-              <a:schemeClr val="dk2"/>
-            </a:solidFill>
-            <a:prstDash val="solid"/>
-            <a:round/>
-            <a:headEnd type="none" w="med" len="med"/>
-            <a:tailEnd type="none" w="med" len="med"/>
-          </a:ln>
-        </p:spPr>
-      </p:cxnSp>
-      <p:cxnSp>
-        <p:nvCxnSpPr>
-          <p:cNvPr id="124" name="Google Shape;124;p15"/>
-          <p:cNvCxnSpPr>
-            <a:stCxn id="112" idx="2"/>
-            <a:endCxn id="125" idx="1"/>
-          </p:cNvCxnSpPr>
-          <p:nvPr/>
-        </p:nvCxnSpPr>
-        <p:spPr>
-          <a:xfrm rot="16200000" flipH="1">
-            <a:off x="3839209" y="2563784"/>
-            <a:ext cx="1162012" cy="775219"/>
-          </a:xfrm>
-          <a:prstGeom prst="curvedConnector2">
-            <a:avLst/>
-          </a:prstGeom>
-          <a:noFill/>
-          <a:ln w="9525" cap="flat" cmpd="sng">
-            <a:solidFill>
-              <a:schemeClr val="dk2"/>
-            </a:solidFill>
-            <a:prstDash val="solid"/>
-            <a:round/>
-            <a:headEnd type="none" w="med" len="med"/>
-            <a:tailEnd type="none" w="med" len="med"/>
-          </a:ln>
-        </p:spPr>
-      </p:cxnSp>
-      <p:sp>
-        <p:nvSpPr>
-          <p:cNvPr id="125" name="Google Shape;125;p15"/>
-          <p:cNvSpPr/>
-          <p:nvPr/>
-        </p:nvSpPr>
-        <p:spPr>
-          <a:xfrm>
-            <a:off x="4807825" y="3266600"/>
-            <a:ext cx="1723200" cy="531600"/>
-          </a:xfrm>
-          <a:prstGeom prst="bracketPair">
-            <a:avLst/>
-          </a:prstGeom>
-          <a:noFill/>
-          <a:ln w="9525" cap="flat" cmpd="sng">
-            <a:solidFill>
-              <a:schemeClr val="dk2"/>
-            </a:solidFill>
-            <a:prstDash val="solid"/>
-            <a:round/>
-            <a:headEnd type="none" w="sm" len="sm"/>
-            <a:tailEnd type="none" w="sm" len="sm"/>
-          </a:ln>
-        </p:spPr>
-        <p:txBody>
-          <a:bodyPr spcFirstLastPara="1" wrap="square" lIns="91425" tIns="91425" rIns="91425" bIns="91425" anchor="ctr" anchorCtr="0">
-            <a:noAutofit/>
-          </a:bodyPr>
-          <a:lstStyle/>
-          <a:p>
-            <a:pPr marL="457200" lvl="0" indent="-292100" algn="l" rtl="0">
-              <a:spcBef>
-                <a:spcPts val="0"/>
-              </a:spcBef>
-              <a:spcAft>
-                <a:spcPts val="0"/>
-              </a:spcAft>
-              <a:buSzPts val="1000"/>
-              <a:buChar char="●"/>
-            </a:pPr>
-            <a:r>
-              <a:rPr lang="pt-BR" sz="1000" dirty="0" smtClean="0"/>
-              <a:t>Fechar contrato</a:t>
-            </a:r>
-            <a:endParaRPr sz="1000" dirty="0"/>
-          </a:p>
-        </p:txBody>
-      </p:sp>
-      <p:sp>
-        <p:nvSpPr>
-          <p:cNvPr id="112" name="Google Shape;112;p15"/>
-          <p:cNvSpPr/>
-          <p:nvPr/>
-        </p:nvSpPr>
-        <p:spPr>
-          <a:xfrm>
-            <a:off x="3498209" y="1838788"/>
-            <a:ext cx="1068793" cy="531600"/>
-          </a:xfrm>
-          <a:prstGeom prst="roundRect">
-            <a:avLst>
-              <a:gd name="adj" fmla="val 16667"/>
-            </a:avLst>
-          </a:prstGeom>
-          <a:gradFill>
-            <a:gsLst>
-              <a:gs pos="0">
-                <a:srgbClr val="D4E5F5"/>
-              </a:gs>
-              <a:gs pos="100000">
-                <a:srgbClr val="70A4D5"/>
-              </a:gs>
-            </a:gsLst>
-            <a:path path="circle">
-              <a:fillToRect l="50000" t="50000" r="50000" b="50000"/>
-            </a:path>
-            <a:tileRect/>
-          </a:gradFill>
-          <a:ln w="9525" cap="flat" cmpd="sng">
-            <a:solidFill>
-              <a:srgbClr val="F3F3F3"/>
-            </a:solidFill>
-            <a:prstDash val="solid"/>
-            <a:round/>
-            <a:headEnd type="none" w="sm" len="sm"/>
-            <a:tailEnd type="none" w="sm" len="sm"/>
-          </a:ln>
-        </p:spPr>
-        <p:txBody>
-          <a:bodyPr spcFirstLastPara="1" wrap="square" lIns="91425" tIns="91425" rIns="91425" bIns="91425" anchor="ctr" anchorCtr="0">
-            <a:noAutofit/>
-          </a:bodyPr>
-          <a:lstStyle/>
-          <a:p>
-            <a:pPr marL="0" lvl="0" indent="0" algn="ctr" rtl="0">
-              <a:spcBef>
-                <a:spcPts val="0"/>
-              </a:spcBef>
-              <a:spcAft>
-                <a:spcPts val="0"/>
-              </a:spcAft>
-              <a:buNone/>
-            </a:pPr>
-            <a:r>
-              <a:rPr lang="pt-BR" sz="1000" dirty="0" smtClean="0"/>
-              <a:t>Administração</a:t>
-            </a:r>
-            <a:endParaRPr sz="1000" dirty="0"/>
-          </a:p>
-        </p:txBody>
-      </p:sp>
-    </p:spTree>
-    <p:extLst>
-      <p:ext uri="{BB962C8B-B14F-4D97-AF65-F5344CB8AC3E}">
-        <p14:creationId xmlns:p14="http://schemas.microsoft.com/office/powerpoint/2010/main" val="332632794"/>
-      </p:ext>
-    </p:extLst>
-  </p:cSld>
-  <p:clrMapOvr>
-    <a:masterClrMapping/>
-  </p:clrMapOvr>
-</p:sld>
-</file>
-
-<file path=ppt/slides/slide3.xml><?xml version="1.0" encoding="utf-8"?>
-<p:sld xmlns:a="http://schemas.openxmlformats.org/drawingml/2006/main" xmlns:r="http://schemas.openxmlformats.org/officeDocument/2006/relationships" xmlns:p="http://schemas.openxmlformats.org/presentationml/2006/main">
-  <p:cSld>
-    <p:spTree>
-      <p:nvGrpSpPr>
-        <p:cNvPr id="1" name="Shape 100"/>
-        <p:cNvGrpSpPr/>
-        <p:nvPr/>
-      </p:nvGrpSpPr>
-      <p:grpSpPr>
-        <a:xfrm>
-          <a:off x="0" y="0"/>
-          <a:ext cx="0" cy="0"/>
-          <a:chOff x="0" y="0"/>
-          <a:chExt cx="0" cy="0"/>
-        </a:xfrm>
-      </p:grpSpPr>
-      <p:sp>
-        <p:nvSpPr>
-          <p:cNvPr id="101" name="Google Shape;101;p15"/>
-          <p:cNvSpPr txBox="1"/>
-          <p:nvPr/>
-        </p:nvSpPr>
-        <p:spPr>
-          <a:xfrm>
-            <a:off x="130400" y="1445725"/>
-            <a:ext cx="8542500" cy="1367400"/>
-          </a:xfrm>
-          <a:prstGeom prst="rect">
-            <a:avLst/>
-          </a:prstGeom>
-          <a:noFill/>
-          <a:ln w="9525" cap="flat" cmpd="sng">
-            <a:solidFill>
-              <a:srgbClr val="FF9900"/>
-            </a:solidFill>
-            <a:prstDash val="solid"/>
-            <a:round/>
-            <a:headEnd type="none" w="sm" len="sm"/>
-            <a:tailEnd type="none" w="sm" len="sm"/>
-          </a:ln>
-        </p:spPr>
-        <p:txBody>
-          <a:bodyPr spcFirstLastPara="1" wrap="square" lIns="91425" tIns="91425" rIns="91425" bIns="91425" anchor="t" anchorCtr="0">
-            <a:noAutofit/>
-          </a:bodyPr>
-          <a:lstStyle/>
-          <a:p>
-            <a:pPr marL="0" lvl="0" indent="0" algn="l" rtl="0">
-              <a:spcBef>
-                <a:spcPts val="0"/>
-              </a:spcBef>
-              <a:spcAft>
-                <a:spcPts val="0"/>
-              </a:spcAft>
-              <a:buNone/>
-            </a:pPr>
-            <a:r>
-              <a:rPr lang="pt-BR" dirty="0"/>
-              <a:t>Nós Operacionais</a:t>
-            </a:r>
-            <a:endParaRPr dirty="0"/>
-          </a:p>
-        </p:txBody>
-      </p:sp>
-      <p:sp>
-        <p:nvSpPr>
-          <p:cNvPr id="102" name="Google Shape;102;p15"/>
-          <p:cNvSpPr/>
-          <p:nvPr/>
-        </p:nvSpPr>
-        <p:spPr>
-          <a:xfrm>
-            <a:off x="3659550" y="186275"/>
-            <a:ext cx="1815000" cy="771900"/>
-          </a:xfrm>
-          <a:prstGeom prst="wave">
-            <a:avLst>
-              <a:gd name="adj1" fmla="val 6999"/>
-              <a:gd name="adj2" fmla="val 0"/>
-            </a:avLst>
-          </a:prstGeom>
-          <a:solidFill>
-            <a:srgbClr val="F4CCCC"/>
-          </a:solidFill>
-          <a:ln w="9525" cap="flat" cmpd="sng">
-            <a:solidFill>
-              <a:srgbClr val="FFFFFF"/>
-            </a:solidFill>
-            <a:prstDash val="solid"/>
-            <a:round/>
-            <a:headEnd type="none" w="sm" len="sm"/>
-            <a:tailEnd type="none" w="sm" len="sm"/>
-          </a:ln>
-        </p:spPr>
-        <p:txBody>
-          <a:bodyPr spcFirstLastPara="1" wrap="square" lIns="91425" tIns="91425" rIns="91425" bIns="91425" anchor="ctr" anchorCtr="0">
-            <a:noAutofit/>
-          </a:bodyPr>
-          <a:lstStyle/>
-          <a:p>
-            <a:pPr marL="457200" lvl="0" indent="-292100" algn="l" rtl="0">
-              <a:spcBef>
-                <a:spcPts val="0"/>
-              </a:spcBef>
-              <a:spcAft>
-                <a:spcPts val="0"/>
-              </a:spcAft>
-              <a:buClr>
-                <a:schemeClr val="dk1"/>
-              </a:buClr>
-              <a:buSzPts val="1000"/>
-              <a:buChar char="❖"/>
-            </a:pPr>
-            <a:r>
-              <a:rPr lang="pt-BR" sz="1000" dirty="0" smtClean="0">
-                <a:solidFill>
-                  <a:schemeClr val="dk1"/>
-                </a:solidFill>
-              </a:rPr>
-              <a:t>Realizar serviço </a:t>
-            </a:r>
-            <a:endParaRPr sz="1200" dirty="0"/>
-          </a:p>
-        </p:txBody>
-      </p:sp>
-      <p:cxnSp>
-        <p:nvCxnSpPr>
-          <p:cNvPr id="111" name="Google Shape;111;p15"/>
-          <p:cNvCxnSpPr>
-            <a:stCxn id="112" idx="0"/>
-            <a:endCxn id="102" idx="2"/>
-          </p:cNvCxnSpPr>
-          <p:nvPr/>
-        </p:nvCxnSpPr>
-        <p:spPr>
-          <a:xfrm rot="5400000" flipH="1" flipV="1">
-            <a:off x="3834606" y="1106344"/>
-            <a:ext cx="934638" cy="530250"/>
-          </a:xfrm>
-          <a:prstGeom prst="curvedConnector5">
-            <a:avLst>
-              <a:gd name="adj1" fmla="val 47110"/>
-              <a:gd name="adj2" fmla="val 24966"/>
-              <a:gd name="adj3" fmla="val 71503"/>
-            </a:avLst>
-          </a:prstGeom>
-          <a:noFill/>
-          <a:ln w="9525" cap="flat" cmpd="sng">
-            <a:solidFill>
-              <a:schemeClr val="dk2"/>
-            </a:solidFill>
-            <a:prstDash val="solid"/>
-            <a:round/>
-            <a:headEnd type="none" w="med" len="med"/>
-            <a:tailEnd type="none" w="med" len="med"/>
-          </a:ln>
-        </p:spPr>
-      </p:cxnSp>
-      <p:sp>
-        <p:nvSpPr>
-          <p:cNvPr id="113" name="Google Shape;113;p15"/>
-          <p:cNvSpPr txBox="1"/>
-          <p:nvPr/>
-        </p:nvSpPr>
-        <p:spPr>
-          <a:xfrm>
-            <a:off x="130400" y="2813122"/>
-            <a:ext cx="8542500" cy="1367400"/>
-          </a:xfrm>
-          <a:prstGeom prst="rect">
-            <a:avLst/>
-          </a:prstGeom>
-          <a:noFill/>
-          <a:ln w="9525" cap="flat" cmpd="sng">
-            <a:solidFill>
-              <a:srgbClr val="FF9900"/>
-            </a:solidFill>
-            <a:prstDash val="solid"/>
-            <a:round/>
-            <a:headEnd type="none" w="sm" len="sm"/>
-            <a:tailEnd type="none" w="sm" len="sm"/>
-          </a:ln>
-        </p:spPr>
-        <p:txBody>
-          <a:bodyPr spcFirstLastPara="1" wrap="square" lIns="91425" tIns="91425" rIns="91425" bIns="91425" anchor="t" anchorCtr="0">
-            <a:noAutofit/>
-          </a:bodyPr>
-          <a:lstStyle/>
-          <a:p>
-            <a:pPr marL="0" lvl="0" indent="0" algn="l" rtl="0">
-              <a:spcBef>
-                <a:spcPts val="0"/>
-              </a:spcBef>
-              <a:spcAft>
-                <a:spcPts val="0"/>
-              </a:spcAft>
-              <a:buNone/>
-            </a:pPr>
-            <a:r>
-              <a:rPr lang="pt-BR" dirty="0"/>
-              <a:t>Capacidades Operacionais</a:t>
-            </a:r>
-            <a:endParaRPr dirty="0"/>
-          </a:p>
-        </p:txBody>
-      </p:sp>
-      <p:grpSp>
-        <p:nvGrpSpPr>
-          <p:cNvPr id="115" name="Google Shape;115;p15"/>
-          <p:cNvGrpSpPr/>
-          <p:nvPr/>
-        </p:nvGrpSpPr>
-        <p:grpSpPr>
-          <a:xfrm>
-            <a:off x="6116076" y="1714176"/>
-            <a:ext cx="897119" cy="830488"/>
-            <a:chOff x="6787874" y="3204287"/>
-            <a:chExt cx="897119" cy="830488"/>
-          </a:xfrm>
-        </p:grpSpPr>
-        <p:grpSp>
-          <p:nvGrpSpPr>
-            <p:cNvPr id="116" name="Google Shape;116;p15"/>
-            <p:cNvGrpSpPr/>
-            <p:nvPr/>
-          </p:nvGrpSpPr>
-          <p:grpSpPr>
-            <a:xfrm>
-              <a:off x="7044733" y="3204287"/>
-              <a:ext cx="308885" cy="587736"/>
-              <a:chOff x="1499725" y="1450825"/>
-              <a:chExt cx="497400" cy="843600"/>
-            </a:xfrm>
-          </p:grpSpPr>
-          <p:sp>
-            <p:nvSpPr>
-              <p:cNvPr id="117" name="Google Shape;117;p15"/>
-              <p:cNvSpPr/>
-              <p:nvPr/>
-            </p:nvSpPr>
-            <p:spPr>
-              <a:xfrm>
-                <a:off x="1597825" y="1450825"/>
-                <a:ext cx="313200" cy="281400"/>
-              </a:xfrm>
-              <a:prstGeom prst="flowChartConnector">
-                <a:avLst/>
-              </a:prstGeom>
-              <a:solidFill>
-                <a:srgbClr val="EEEEEE"/>
-              </a:solidFill>
-              <a:ln w="9525" cap="flat" cmpd="sng">
-                <a:solidFill>
-                  <a:srgbClr val="595959"/>
-                </a:solidFill>
-                <a:prstDash val="solid"/>
-                <a:round/>
-                <a:headEnd type="none" w="sm" len="sm"/>
-                <a:tailEnd type="none" w="sm" len="sm"/>
-              </a:ln>
-            </p:spPr>
-            <p:txBody>
-              <a:bodyPr spcFirstLastPara="1" wrap="square" lIns="91425" tIns="91425" rIns="91425" bIns="91425" anchor="ctr" anchorCtr="0">
-                <a:noAutofit/>
-              </a:bodyPr>
-              <a:lstStyle/>
-              <a:p>
-                <a:pPr marL="0" lvl="0" indent="0" algn="l" rtl="0">
-                  <a:spcBef>
-                    <a:spcPts val="0"/>
-                  </a:spcBef>
-                  <a:spcAft>
-                    <a:spcPts val="0"/>
-                  </a:spcAft>
-                  <a:buNone/>
-                </a:pPr>
-                <a:endParaRPr dirty="0"/>
-              </a:p>
-            </p:txBody>
-          </p:sp>
-          <p:cxnSp>
-            <p:nvCxnSpPr>
-              <p:cNvPr id="118" name="Google Shape;118;p15"/>
-              <p:cNvCxnSpPr>
-                <a:stCxn id="117" idx="4"/>
-              </p:cNvCxnSpPr>
-              <p:nvPr/>
-            </p:nvCxnSpPr>
-            <p:spPr>
-              <a:xfrm flipH="1">
-                <a:off x="1748725" y="1732225"/>
-                <a:ext cx="5700" cy="293100"/>
-              </a:xfrm>
-              <a:prstGeom prst="straightConnector1">
-                <a:avLst/>
-              </a:prstGeom>
-              <a:noFill/>
-              <a:ln w="9525" cap="flat" cmpd="sng">
-                <a:solidFill>
-                  <a:srgbClr val="595959"/>
-                </a:solidFill>
-                <a:prstDash val="solid"/>
-                <a:round/>
-                <a:headEnd type="none" w="med" len="med"/>
-                <a:tailEnd type="none" w="med" len="med"/>
-              </a:ln>
-            </p:spPr>
-          </p:cxnSp>
-          <p:cxnSp>
-            <p:nvCxnSpPr>
-              <p:cNvPr id="119" name="Google Shape;119;p15"/>
-              <p:cNvCxnSpPr/>
-              <p:nvPr/>
-            </p:nvCxnSpPr>
-            <p:spPr>
-              <a:xfrm>
-                <a:off x="1527475" y="1858775"/>
-                <a:ext cx="453900" cy="1800"/>
-              </a:xfrm>
-              <a:prstGeom prst="straightConnector1">
-                <a:avLst/>
-              </a:prstGeom>
-              <a:noFill/>
-              <a:ln w="9525" cap="flat" cmpd="sng">
-                <a:solidFill>
-                  <a:srgbClr val="595959"/>
-                </a:solidFill>
-                <a:prstDash val="solid"/>
-                <a:round/>
-                <a:headEnd type="none" w="med" len="med"/>
-                <a:tailEnd type="none" w="med" len="med"/>
-              </a:ln>
-            </p:spPr>
-          </p:cxnSp>
-          <p:cxnSp>
-            <p:nvCxnSpPr>
-              <p:cNvPr id="120" name="Google Shape;120;p15"/>
-              <p:cNvCxnSpPr/>
-              <p:nvPr/>
-            </p:nvCxnSpPr>
-            <p:spPr>
-              <a:xfrm flipH="1">
-                <a:off x="1499725" y="2022925"/>
-                <a:ext cx="248700" cy="271500"/>
-              </a:xfrm>
-              <a:prstGeom prst="straightConnector1">
-                <a:avLst/>
-              </a:prstGeom>
-              <a:noFill/>
-              <a:ln w="9525" cap="flat" cmpd="sng">
-                <a:solidFill>
-                  <a:srgbClr val="595959"/>
-                </a:solidFill>
-                <a:prstDash val="solid"/>
-                <a:round/>
-                <a:headEnd type="none" w="med" len="med"/>
-                <a:tailEnd type="none" w="med" len="med"/>
-              </a:ln>
-            </p:spPr>
-          </p:cxnSp>
-          <p:cxnSp>
-            <p:nvCxnSpPr>
-              <p:cNvPr id="121" name="Google Shape;121;p15"/>
-              <p:cNvCxnSpPr/>
-              <p:nvPr/>
-            </p:nvCxnSpPr>
-            <p:spPr>
-              <a:xfrm rot="10800000">
-                <a:off x="1748425" y="2022925"/>
-                <a:ext cx="248700" cy="271500"/>
-              </a:xfrm>
-              <a:prstGeom prst="straightConnector1">
-                <a:avLst/>
-              </a:prstGeom>
-              <a:noFill/>
-              <a:ln w="9525" cap="flat" cmpd="sng">
-                <a:solidFill>
-                  <a:srgbClr val="595959"/>
-                </a:solidFill>
-                <a:prstDash val="solid"/>
-                <a:round/>
-                <a:headEnd type="none" w="med" len="med"/>
-                <a:tailEnd type="none" w="med" len="med"/>
-              </a:ln>
-            </p:spPr>
-          </p:cxnSp>
-        </p:grpSp>
-        <p:sp>
-          <p:nvSpPr>
-            <p:cNvPr id="122" name="Google Shape;122;p15"/>
-            <p:cNvSpPr txBox="1"/>
-            <p:nvPr/>
-          </p:nvSpPr>
-          <p:spPr>
-            <a:xfrm>
-              <a:off x="6787874" y="3691875"/>
-              <a:ext cx="897119" cy="342900"/>
-            </a:xfrm>
-            <a:prstGeom prst="rect">
-              <a:avLst/>
-            </a:prstGeom>
-            <a:noFill/>
-            <a:ln>
-              <a:noFill/>
-            </a:ln>
-          </p:spPr>
-          <p:txBody>
-            <a:bodyPr spcFirstLastPara="1" wrap="square" lIns="91425" tIns="91425" rIns="91425" bIns="91425" anchor="t" anchorCtr="0">
-              <a:noAutofit/>
-            </a:bodyPr>
-            <a:lstStyle/>
-            <a:p>
-              <a:pPr marL="0" lvl="0" indent="0" algn="ctr" rtl="0">
-                <a:spcBef>
-                  <a:spcPts val="0"/>
-                </a:spcBef>
-                <a:spcAft>
-                  <a:spcPts val="0"/>
-                </a:spcAft>
-                <a:buNone/>
-              </a:pPr>
-              <a:r>
-                <a:rPr lang="pt-BR" sz="1200" b="1" dirty="0" smtClean="0"/>
-                <a:t>Tatuador</a:t>
-              </a:r>
-              <a:endParaRPr sz="1200" b="1" dirty="0"/>
-            </a:p>
-          </p:txBody>
-        </p:sp>
-      </p:grpSp>
-      <p:cxnSp>
-        <p:nvCxnSpPr>
-          <p:cNvPr id="123" name="Google Shape;123;p15"/>
-          <p:cNvCxnSpPr>
-            <a:stCxn id="117" idx="0"/>
-            <a:endCxn id="102" idx="2"/>
-          </p:cNvCxnSpPr>
-          <p:nvPr/>
-        </p:nvCxnSpPr>
-        <p:spPr>
-          <a:xfrm rot="5400000" flipH="1">
-            <a:off x="5144053" y="327126"/>
-            <a:ext cx="810000" cy="1964100"/>
-          </a:xfrm>
-          <a:prstGeom prst="curvedConnector3">
-            <a:avLst>
-              <a:gd name="adj1" fmla="val 46793"/>
-            </a:avLst>
-          </a:prstGeom>
-          <a:noFill/>
-          <a:ln w="9525" cap="flat" cmpd="sng">
-            <a:solidFill>
-              <a:schemeClr val="dk2"/>
-            </a:solidFill>
-            <a:prstDash val="solid"/>
-            <a:round/>
-            <a:headEnd type="none" w="med" len="med"/>
-            <a:tailEnd type="none" w="med" len="med"/>
-          </a:ln>
-        </p:spPr>
-      </p:cxnSp>
-      <p:cxnSp>
-        <p:nvCxnSpPr>
-          <p:cNvPr id="124" name="Google Shape;124;p15"/>
-          <p:cNvCxnSpPr>
-            <a:stCxn id="112" idx="2"/>
-            <a:endCxn id="125" idx="1"/>
-          </p:cNvCxnSpPr>
-          <p:nvPr/>
-        </p:nvCxnSpPr>
-        <p:spPr>
-          <a:xfrm rot="16200000" flipH="1">
-            <a:off x="3841306" y="2565881"/>
-            <a:ext cx="1162012" cy="771025"/>
-          </a:xfrm>
-          <a:prstGeom prst="curvedConnector2">
-            <a:avLst/>
-          </a:prstGeom>
-          <a:noFill/>
-          <a:ln w="9525" cap="flat" cmpd="sng">
-            <a:solidFill>
-              <a:schemeClr val="dk2"/>
-            </a:solidFill>
-            <a:prstDash val="solid"/>
-            <a:round/>
-            <a:headEnd type="none" w="med" len="med"/>
-            <a:tailEnd type="none" w="med" len="med"/>
-          </a:ln>
-        </p:spPr>
-      </p:cxnSp>
-      <p:sp>
-        <p:nvSpPr>
-          <p:cNvPr id="125" name="Google Shape;125;p15"/>
-          <p:cNvSpPr/>
-          <p:nvPr/>
-        </p:nvSpPr>
-        <p:spPr>
-          <a:xfrm>
-            <a:off x="4807825" y="3266600"/>
-            <a:ext cx="1723200" cy="531600"/>
-          </a:xfrm>
-          <a:prstGeom prst="bracketPair">
-            <a:avLst/>
-          </a:prstGeom>
-          <a:noFill/>
-          <a:ln w="9525" cap="flat" cmpd="sng">
-            <a:solidFill>
-              <a:schemeClr val="dk2"/>
-            </a:solidFill>
-            <a:prstDash val="solid"/>
-            <a:round/>
-            <a:headEnd type="none" w="sm" len="sm"/>
-            <a:tailEnd type="none" w="sm" len="sm"/>
-          </a:ln>
-        </p:spPr>
-        <p:txBody>
-          <a:bodyPr spcFirstLastPara="1" wrap="square" lIns="91425" tIns="91425" rIns="91425" bIns="91425" anchor="ctr" anchorCtr="0">
-            <a:noAutofit/>
-          </a:bodyPr>
-          <a:lstStyle/>
-          <a:p>
-            <a:pPr marL="457200" lvl="0" indent="-292100" algn="l" rtl="0">
-              <a:spcBef>
-                <a:spcPts val="0"/>
-              </a:spcBef>
-              <a:spcAft>
-                <a:spcPts val="0"/>
-              </a:spcAft>
-              <a:buSzPts val="1000"/>
-              <a:buChar char="●"/>
-            </a:pPr>
-            <a:r>
-              <a:rPr lang="pt-BR" sz="1000" dirty="0" smtClean="0"/>
-              <a:t>Realizar serviço</a:t>
-            </a:r>
-            <a:endParaRPr sz="1000" dirty="0"/>
-          </a:p>
-        </p:txBody>
-      </p:sp>
-      <p:sp>
-        <p:nvSpPr>
-          <p:cNvPr id="112" name="Google Shape;112;p15"/>
-          <p:cNvSpPr/>
-          <p:nvPr/>
-        </p:nvSpPr>
-        <p:spPr>
-          <a:xfrm>
-            <a:off x="3506598" y="1838788"/>
-            <a:ext cx="1060404" cy="531600"/>
-          </a:xfrm>
-          <a:prstGeom prst="roundRect">
-            <a:avLst>
-              <a:gd name="adj" fmla="val 16667"/>
-            </a:avLst>
-          </a:prstGeom>
-          <a:gradFill>
-            <a:gsLst>
-              <a:gs pos="0">
-                <a:srgbClr val="D4E5F5"/>
-              </a:gs>
-              <a:gs pos="100000">
-                <a:srgbClr val="70A4D5"/>
-              </a:gs>
-            </a:gsLst>
-            <a:path path="circle">
-              <a:fillToRect l="50000" t="50000" r="50000" b="50000"/>
-            </a:path>
-            <a:tileRect/>
-          </a:gradFill>
-          <a:ln w="9525" cap="flat" cmpd="sng">
-            <a:solidFill>
-              <a:srgbClr val="F3F3F3"/>
-            </a:solidFill>
-            <a:prstDash val="solid"/>
-            <a:round/>
-            <a:headEnd type="none" w="sm" len="sm"/>
-            <a:tailEnd type="none" w="sm" len="sm"/>
-          </a:ln>
-        </p:spPr>
-        <p:txBody>
-          <a:bodyPr spcFirstLastPara="1" wrap="square" lIns="91425" tIns="91425" rIns="91425" bIns="91425" anchor="ctr" anchorCtr="0">
-            <a:noAutofit/>
-          </a:bodyPr>
-          <a:lstStyle/>
-          <a:p>
-            <a:pPr marL="0" lvl="0" indent="0" algn="ctr" rtl="0">
-              <a:spcBef>
-                <a:spcPts val="0"/>
-              </a:spcBef>
-              <a:spcAft>
-                <a:spcPts val="0"/>
-              </a:spcAft>
-              <a:buNone/>
-            </a:pPr>
-            <a:r>
-              <a:rPr lang="pt-BR" sz="1000" dirty="0" smtClean="0"/>
-              <a:t>Administração</a:t>
-            </a:r>
-            <a:endParaRPr sz="1000" dirty="0"/>
-          </a:p>
-        </p:txBody>
-      </p:sp>
-    </p:spTree>
-    <p:extLst>
-      <p:ext uri="{BB962C8B-B14F-4D97-AF65-F5344CB8AC3E}">
-        <p14:creationId xmlns:p14="http://schemas.microsoft.com/office/powerpoint/2010/main" val="1280879970"/>
-      </p:ext>
-    </p:extLst>
-  </p:cSld>
-  <p:clrMapOvr>
-    <a:masterClrMapping/>
-  </p:clrMapOvr>
-</p:sld>
-</file>
-
-<file path=ppt/slides/slide4.xml><?xml version="1.0" encoding="utf-8"?>
-<p:sld xmlns:a="http://schemas.openxmlformats.org/drawingml/2006/main" xmlns:r="http://schemas.openxmlformats.org/officeDocument/2006/relationships" xmlns:p="http://schemas.openxmlformats.org/presentationml/2006/main">
-  <p:cSld>
-    <p:spTree>
-      <p:nvGrpSpPr>
-        <p:cNvPr id="1" name="Shape 100"/>
-        <p:cNvGrpSpPr/>
-        <p:nvPr/>
-      </p:nvGrpSpPr>
-      <p:grpSpPr>
-        <a:xfrm>
-          <a:off x="0" y="0"/>
-          <a:ext cx="0" cy="0"/>
-          <a:chOff x="0" y="0"/>
-          <a:chExt cx="0" cy="0"/>
-        </a:xfrm>
-      </p:grpSpPr>
-      <p:sp>
-        <p:nvSpPr>
-          <p:cNvPr id="101" name="Google Shape;101;p15"/>
-          <p:cNvSpPr txBox="1"/>
-          <p:nvPr/>
-        </p:nvSpPr>
-        <p:spPr>
-          <a:xfrm>
-            <a:off x="130400" y="1445725"/>
-            <a:ext cx="8542500" cy="1367400"/>
-          </a:xfrm>
-          <a:prstGeom prst="rect">
-            <a:avLst/>
-          </a:prstGeom>
-          <a:noFill/>
-          <a:ln w="9525" cap="flat" cmpd="sng">
-            <a:solidFill>
-              <a:srgbClr val="FF9900"/>
-            </a:solidFill>
-            <a:prstDash val="solid"/>
-            <a:round/>
-            <a:headEnd type="none" w="sm" len="sm"/>
-            <a:tailEnd type="none" w="sm" len="sm"/>
-          </a:ln>
-        </p:spPr>
-        <p:txBody>
-          <a:bodyPr spcFirstLastPara="1" wrap="square" lIns="91425" tIns="91425" rIns="91425" bIns="91425" anchor="t" anchorCtr="0">
-            <a:noAutofit/>
-          </a:bodyPr>
-          <a:lstStyle/>
-          <a:p>
-            <a:pPr marL="0" lvl="0" indent="0" algn="l" rtl="0">
-              <a:spcBef>
-                <a:spcPts val="0"/>
-              </a:spcBef>
-              <a:spcAft>
-                <a:spcPts val="0"/>
-              </a:spcAft>
-              <a:buNone/>
-            </a:pPr>
-            <a:r>
-              <a:rPr lang="pt-BR" dirty="0"/>
-              <a:t>Nós Operacionais</a:t>
-            </a:r>
-            <a:endParaRPr dirty="0"/>
-          </a:p>
-        </p:txBody>
-      </p:sp>
-      <p:sp>
-        <p:nvSpPr>
-          <p:cNvPr id="102" name="Google Shape;102;p15"/>
-          <p:cNvSpPr/>
-          <p:nvPr/>
-        </p:nvSpPr>
-        <p:spPr>
-          <a:xfrm>
-            <a:off x="3659550" y="186275"/>
-            <a:ext cx="1815000" cy="771900"/>
-          </a:xfrm>
-          <a:prstGeom prst="wave">
-            <a:avLst>
-              <a:gd name="adj1" fmla="val 6999"/>
-              <a:gd name="adj2" fmla="val 0"/>
-            </a:avLst>
-          </a:prstGeom>
-          <a:solidFill>
-            <a:srgbClr val="F4CCCC"/>
-          </a:solidFill>
-          <a:ln w="9525" cap="flat" cmpd="sng">
-            <a:solidFill>
-              <a:srgbClr val="FFFFFF"/>
-            </a:solidFill>
-            <a:prstDash val="solid"/>
-            <a:round/>
-            <a:headEnd type="none" w="sm" len="sm"/>
-            <a:tailEnd type="none" w="sm" len="sm"/>
-          </a:ln>
-        </p:spPr>
-        <p:txBody>
-          <a:bodyPr spcFirstLastPara="1" wrap="square" lIns="91425" tIns="91425" rIns="91425" bIns="91425" anchor="ctr" anchorCtr="0">
-            <a:noAutofit/>
-          </a:bodyPr>
-          <a:lstStyle/>
-          <a:p>
-            <a:pPr marL="457200" lvl="0" indent="-292100" algn="l" rtl="0">
-              <a:spcBef>
-                <a:spcPts val="0"/>
-              </a:spcBef>
-              <a:spcAft>
-                <a:spcPts val="0"/>
-              </a:spcAft>
-              <a:buClr>
-                <a:schemeClr val="dk1"/>
-              </a:buClr>
-              <a:buSzPts val="1000"/>
-              <a:buChar char="❖"/>
-            </a:pPr>
-            <a:r>
-              <a:rPr lang="pt-BR" sz="1000" dirty="0" smtClean="0">
-                <a:solidFill>
-                  <a:schemeClr val="dk1"/>
-                </a:solidFill>
-              </a:rPr>
-              <a:t>Agendar serviço </a:t>
-            </a:r>
-            <a:endParaRPr sz="1200" dirty="0"/>
           </a:p>
         </p:txBody>
       </p:sp>
@@ -8754,7 +7277,7 @@
                 <a:buNone/>
               </a:pPr>
               <a:r>
-                <a:rPr lang="pt-BR" sz="1200" b="1" dirty="0" smtClean="0"/>
+                <a:rPr lang="pt-BR" sz="1200" b="1" dirty="0"/>
                 <a:t>Cliente</a:t>
               </a:r>
               <a:endParaRPr sz="1200" b="1" dirty="0"/>
@@ -8766,6 +7289,7 @@
         <p:nvCxnSpPr>
           <p:cNvPr id="111" name="Google Shape;111;p15"/>
           <p:cNvCxnSpPr>
+            <a:cxnSpLocks/>
             <a:stCxn id="112" idx="0"/>
             <a:endCxn id="102" idx="2"/>
           </p:cNvCxnSpPr>
@@ -8773,1854 +7297,14 @@
         </p:nvCxnSpPr>
         <p:spPr>
           <a:xfrm rot="5400000" flipH="1" flipV="1">
-            <a:off x="3834606" y="1106344"/>
-            <a:ext cx="934638" cy="530250"/>
+            <a:off x="3883418" y="1155156"/>
+            <a:ext cx="934638" cy="432626"/>
           </a:xfrm>
           <a:prstGeom prst="curvedConnector5">
             <a:avLst>
               <a:gd name="adj1" fmla="val 47110"/>
-              <a:gd name="adj2" fmla="val 85085"/>
-              <a:gd name="adj3" fmla="val 88556"/>
-            </a:avLst>
-          </a:prstGeom>
-          <a:noFill/>
-          <a:ln w="9525" cap="flat" cmpd="sng">
-            <a:solidFill>
-              <a:schemeClr val="dk2"/>
-            </a:solidFill>
-            <a:prstDash val="solid"/>
-            <a:round/>
-            <a:headEnd type="none" w="med" len="med"/>
-            <a:tailEnd type="none" w="med" len="med"/>
-          </a:ln>
-        </p:spPr>
-      </p:cxnSp>
-      <p:sp>
-        <p:nvSpPr>
-          <p:cNvPr id="113" name="Google Shape;113;p15"/>
-          <p:cNvSpPr txBox="1"/>
-          <p:nvPr/>
-        </p:nvSpPr>
-        <p:spPr>
-          <a:xfrm>
-            <a:off x="130400" y="2813122"/>
-            <a:ext cx="8542500" cy="1367400"/>
-          </a:xfrm>
-          <a:prstGeom prst="rect">
-            <a:avLst/>
-          </a:prstGeom>
-          <a:noFill/>
-          <a:ln w="9525" cap="flat" cmpd="sng">
-            <a:solidFill>
-              <a:srgbClr val="FF9900"/>
-            </a:solidFill>
-            <a:prstDash val="solid"/>
-            <a:round/>
-            <a:headEnd type="none" w="sm" len="sm"/>
-            <a:tailEnd type="none" w="sm" len="sm"/>
-          </a:ln>
-        </p:spPr>
-        <p:txBody>
-          <a:bodyPr spcFirstLastPara="1" wrap="square" lIns="91425" tIns="91425" rIns="91425" bIns="91425" anchor="t" anchorCtr="0">
-            <a:noAutofit/>
-          </a:bodyPr>
-          <a:lstStyle/>
-          <a:p>
-            <a:pPr marL="0" lvl="0" indent="0" algn="l" rtl="0">
-              <a:spcBef>
-                <a:spcPts val="0"/>
-              </a:spcBef>
-              <a:spcAft>
-                <a:spcPts val="0"/>
-              </a:spcAft>
-              <a:buNone/>
-            </a:pPr>
-            <a:r>
-              <a:rPr lang="pt-BR" dirty="0"/>
-              <a:t>Capacidades Operacionais</a:t>
-            </a:r>
-            <a:endParaRPr dirty="0"/>
-          </a:p>
-        </p:txBody>
-      </p:sp>
-      <p:cxnSp>
-        <p:nvCxnSpPr>
-          <p:cNvPr id="114" name="Google Shape;114;p15"/>
-          <p:cNvCxnSpPr>
-            <a:stCxn id="105" idx="0"/>
-            <a:endCxn id="102" idx="2"/>
-          </p:cNvCxnSpPr>
-          <p:nvPr/>
-        </p:nvCxnSpPr>
-        <p:spPr>
-          <a:xfrm rot="-5400000">
-            <a:off x="2790151" y="111815"/>
-            <a:ext cx="984600" cy="2569200"/>
-          </a:xfrm>
-          <a:prstGeom prst="curvedConnector3">
-            <a:avLst>
-              <a:gd name="adj1" fmla="val 47358"/>
-            </a:avLst>
-          </a:prstGeom>
-          <a:noFill/>
-          <a:ln w="9525" cap="flat" cmpd="sng">
-            <a:solidFill>
-              <a:schemeClr val="dk2"/>
-            </a:solidFill>
-            <a:prstDash val="solid"/>
-            <a:round/>
-            <a:headEnd type="none" w="med" len="med"/>
-            <a:tailEnd type="none" w="med" len="med"/>
-          </a:ln>
-        </p:spPr>
-      </p:cxnSp>
-      <p:cxnSp>
-        <p:nvCxnSpPr>
-          <p:cNvPr id="124" name="Google Shape;124;p15"/>
-          <p:cNvCxnSpPr>
-            <a:stCxn id="112" idx="2"/>
-            <a:endCxn id="125" idx="1"/>
-          </p:cNvCxnSpPr>
-          <p:nvPr/>
-        </p:nvCxnSpPr>
-        <p:spPr>
-          <a:xfrm rot="16200000" flipH="1">
-            <a:off x="3841306" y="2565881"/>
-            <a:ext cx="1162012" cy="771025"/>
-          </a:xfrm>
-          <a:prstGeom prst="curvedConnector2">
-            <a:avLst/>
-          </a:prstGeom>
-          <a:noFill/>
-          <a:ln w="9525" cap="flat" cmpd="sng">
-            <a:solidFill>
-              <a:schemeClr val="dk2"/>
-            </a:solidFill>
-            <a:prstDash val="solid"/>
-            <a:round/>
-            <a:headEnd type="none" w="med" len="med"/>
-            <a:tailEnd type="none" w="med" len="med"/>
-          </a:ln>
-        </p:spPr>
-      </p:cxnSp>
-      <p:sp>
-        <p:nvSpPr>
-          <p:cNvPr id="125" name="Google Shape;125;p15"/>
-          <p:cNvSpPr/>
-          <p:nvPr/>
-        </p:nvSpPr>
-        <p:spPr>
-          <a:xfrm>
-            <a:off x="4807825" y="3266600"/>
-            <a:ext cx="1723200" cy="531600"/>
-          </a:xfrm>
-          <a:prstGeom prst="bracketPair">
-            <a:avLst/>
-          </a:prstGeom>
-          <a:noFill/>
-          <a:ln w="9525" cap="flat" cmpd="sng">
-            <a:solidFill>
-              <a:schemeClr val="dk2"/>
-            </a:solidFill>
-            <a:prstDash val="solid"/>
-            <a:round/>
-            <a:headEnd type="none" w="sm" len="sm"/>
-            <a:tailEnd type="none" w="sm" len="sm"/>
-          </a:ln>
-        </p:spPr>
-        <p:txBody>
-          <a:bodyPr spcFirstLastPara="1" wrap="square" lIns="91425" tIns="91425" rIns="91425" bIns="91425" anchor="ctr" anchorCtr="0">
-            <a:noAutofit/>
-          </a:bodyPr>
-          <a:lstStyle/>
-          <a:p>
-            <a:pPr marL="457200" lvl="0" indent="-292100" algn="l" rtl="0">
-              <a:spcBef>
-                <a:spcPts val="0"/>
-              </a:spcBef>
-              <a:spcAft>
-                <a:spcPts val="0"/>
-              </a:spcAft>
-              <a:buSzPts val="1000"/>
-              <a:buChar char="●"/>
-            </a:pPr>
-            <a:r>
-              <a:rPr lang="pt-BR" sz="1000" dirty="0" smtClean="0"/>
-              <a:t>Agendar serviço</a:t>
-            </a:r>
-            <a:endParaRPr sz="1000" dirty="0"/>
-          </a:p>
-        </p:txBody>
-      </p:sp>
-      <p:sp>
-        <p:nvSpPr>
-          <p:cNvPr id="112" name="Google Shape;112;p15"/>
-          <p:cNvSpPr/>
-          <p:nvPr/>
-        </p:nvSpPr>
-        <p:spPr>
-          <a:xfrm>
-            <a:off x="3506598" y="1838788"/>
-            <a:ext cx="1060404" cy="531600"/>
-          </a:xfrm>
-          <a:prstGeom prst="roundRect">
-            <a:avLst>
-              <a:gd name="adj" fmla="val 16667"/>
-            </a:avLst>
-          </a:prstGeom>
-          <a:gradFill>
-            <a:gsLst>
-              <a:gs pos="0">
-                <a:srgbClr val="D4E5F5"/>
-              </a:gs>
-              <a:gs pos="100000">
-                <a:srgbClr val="70A4D5"/>
-              </a:gs>
-            </a:gsLst>
-            <a:path path="circle">
-              <a:fillToRect l="50000" t="50000" r="50000" b="50000"/>
-            </a:path>
-            <a:tileRect/>
-          </a:gradFill>
-          <a:ln w="9525" cap="flat" cmpd="sng">
-            <a:solidFill>
-              <a:srgbClr val="F3F3F3"/>
-            </a:solidFill>
-            <a:prstDash val="solid"/>
-            <a:round/>
-            <a:headEnd type="none" w="sm" len="sm"/>
-            <a:tailEnd type="none" w="sm" len="sm"/>
-          </a:ln>
-        </p:spPr>
-        <p:txBody>
-          <a:bodyPr spcFirstLastPara="1" wrap="square" lIns="91425" tIns="91425" rIns="91425" bIns="91425" anchor="ctr" anchorCtr="0">
-            <a:noAutofit/>
-          </a:bodyPr>
-          <a:lstStyle/>
-          <a:p>
-            <a:pPr marL="0" lvl="0" indent="0" algn="ctr" rtl="0">
-              <a:spcBef>
-                <a:spcPts val="0"/>
-              </a:spcBef>
-              <a:spcAft>
-                <a:spcPts val="0"/>
-              </a:spcAft>
-              <a:buNone/>
-            </a:pPr>
-            <a:r>
-              <a:rPr lang="pt-BR" sz="1000" dirty="0" smtClean="0"/>
-              <a:t>Administração</a:t>
-            </a:r>
-            <a:endParaRPr sz="1000" dirty="0"/>
-          </a:p>
-        </p:txBody>
-      </p:sp>
-    </p:spTree>
-  </p:cSld>
-  <p:clrMapOvr>
-    <a:masterClrMapping/>
-  </p:clrMapOvr>
-</p:sld>
-</file>
-
-<file path=ppt/slides/slide5.xml><?xml version="1.0" encoding="utf-8"?>
-<p:sld xmlns:a="http://schemas.openxmlformats.org/drawingml/2006/main" xmlns:r="http://schemas.openxmlformats.org/officeDocument/2006/relationships" xmlns:p="http://schemas.openxmlformats.org/presentationml/2006/main">
-  <p:cSld>
-    <p:spTree>
-      <p:nvGrpSpPr>
-        <p:cNvPr id="1" name="Shape 100"/>
-        <p:cNvGrpSpPr/>
-        <p:nvPr/>
-      </p:nvGrpSpPr>
-      <p:grpSpPr>
-        <a:xfrm>
-          <a:off x="0" y="0"/>
-          <a:ext cx="0" cy="0"/>
-          <a:chOff x="0" y="0"/>
-          <a:chExt cx="0" cy="0"/>
-        </a:xfrm>
-      </p:grpSpPr>
-      <p:sp>
-        <p:nvSpPr>
-          <p:cNvPr id="101" name="Google Shape;101;p15"/>
-          <p:cNvSpPr txBox="1"/>
-          <p:nvPr/>
-        </p:nvSpPr>
-        <p:spPr>
-          <a:xfrm>
-            <a:off x="130400" y="1445725"/>
-            <a:ext cx="8542500" cy="1367400"/>
-          </a:xfrm>
-          <a:prstGeom prst="rect">
-            <a:avLst/>
-          </a:prstGeom>
-          <a:noFill/>
-          <a:ln w="9525" cap="flat" cmpd="sng">
-            <a:solidFill>
-              <a:srgbClr val="FF9900"/>
-            </a:solidFill>
-            <a:prstDash val="solid"/>
-            <a:round/>
-            <a:headEnd type="none" w="sm" len="sm"/>
-            <a:tailEnd type="none" w="sm" len="sm"/>
-          </a:ln>
-        </p:spPr>
-        <p:txBody>
-          <a:bodyPr spcFirstLastPara="1" wrap="square" lIns="91425" tIns="91425" rIns="91425" bIns="91425" anchor="t" anchorCtr="0">
-            <a:noAutofit/>
-          </a:bodyPr>
-          <a:lstStyle/>
-          <a:p>
-            <a:pPr marL="0" lvl="0" indent="0" algn="l" rtl="0">
-              <a:spcBef>
-                <a:spcPts val="0"/>
-              </a:spcBef>
-              <a:spcAft>
-                <a:spcPts val="0"/>
-              </a:spcAft>
-              <a:buNone/>
-            </a:pPr>
-            <a:r>
-              <a:rPr lang="pt-BR" dirty="0"/>
-              <a:t>Nós Operacionais</a:t>
-            </a:r>
-            <a:endParaRPr dirty="0"/>
-          </a:p>
-        </p:txBody>
-      </p:sp>
-      <p:sp>
-        <p:nvSpPr>
-          <p:cNvPr id="102" name="Google Shape;102;p15"/>
-          <p:cNvSpPr/>
-          <p:nvPr/>
-        </p:nvSpPr>
-        <p:spPr>
-          <a:xfrm>
-            <a:off x="3659550" y="186275"/>
-            <a:ext cx="1815000" cy="771900"/>
-          </a:xfrm>
-          <a:prstGeom prst="wave">
-            <a:avLst>
-              <a:gd name="adj1" fmla="val 6999"/>
-              <a:gd name="adj2" fmla="val 0"/>
-            </a:avLst>
-          </a:prstGeom>
-          <a:solidFill>
-            <a:srgbClr val="F4CCCC"/>
-          </a:solidFill>
-          <a:ln w="9525" cap="flat" cmpd="sng">
-            <a:solidFill>
-              <a:srgbClr val="FFFFFF"/>
-            </a:solidFill>
-            <a:prstDash val="solid"/>
-            <a:round/>
-            <a:headEnd type="none" w="sm" len="sm"/>
-            <a:tailEnd type="none" w="sm" len="sm"/>
-          </a:ln>
-        </p:spPr>
-        <p:txBody>
-          <a:bodyPr spcFirstLastPara="1" wrap="square" lIns="91425" tIns="91425" rIns="91425" bIns="91425" anchor="ctr" anchorCtr="0">
-            <a:noAutofit/>
-          </a:bodyPr>
-          <a:lstStyle/>
-          <a:p>
-            <a:pPr marL="457200" lvl="0" indent="-292100" algn="l" rtl="0">
-              <a:spcBef>
-                <a:spcPts val="0"/>
-              </a:spcBef>
-              <a:spcAft>
-                <a:spcPts val="0"/>
-              </a:spcAft>
-              <a:buClr>
-                <a:schemeClr val="dk1"/>
-              </a:buClr>
-              <a:buSzPts val="1000"/>
-              <a:buChar char="❖"/>
-            </a:pPr>
-            <a:r>
-              <a:rPr lang="pt-BR" sz="1000" dirty="0" smtClean="0">
-                <a:solidFill>
-                  <a:schemeClr val="dk1"/>
-                </a:solidFill>
-              </a:rPr>
-              <a:t>Obter orçamento </a:t>
-            </a:r>
-            <a:endParaRPr sz="1200" dirty="0"/>
-          </a:p>
-        </p:txBody>
-      </p:sp>
-      <p:grpSp>
-        <p:nvGrpSpPr>
-          <p:cNvPr id="103" name="Google Shape;103;p15"/>
-          <p:cNvGrpSpPr/>
-          <p:nvPr/>
-        </p:nvGrpSpPr>
-        <p:grpSpPr>
-          <a:xfrm>
-            <a:off x="1485327" y="1888715"/>
-            <a:ext cx="1021200" cy="830484"/>
-            <a:chOff x="2852000" y="3424900"/>
-            <a:chExt cx="1021200" cy="830484"/>
-          </a:xfrm>
-        </p:grpSpPr>
-        <p:grpSp>
-          <p:nvGrpSpPr>
-            <p:cNvPr id="104" name="Google Shape;104;p15"/>
-            <p:cNvGrpSpPr/>
-            <p:nvPr/>
-          </p:nvGrpSpPr>
-          <p:grpSpPr>
-            <a:xfrm>
-              <a:off x="3206355" y="3424900"/>
-              <a:ext cx="308885" cy="587736"/>
-              <a:chOff x="1499725" y="1450825"/>
-              <a:chExt cx="497400" cy="843600"/>
-            </a:xfrm>
-          </p:grpSpPr>
-          <p:sp>
-            <p:nvSpPr>
-              <p:cNvPr id="105" name="Google Shape;105;p15"/>
-              <p:cNvSpPr/>
-              <p:nvPr/>
-            </p:nvSpPr>
-            <p:spPr>
-              <a:xfrm>
-                <a:off x="1597825" y="1450825"/>
-                <a:ext cx="313200" cy="281400"/>
-              </a:xfrm>
-              <a:prstGeom prst="flowChartConnector">
-                <a:avLst/>
-              </a:prstGeom>
-              <a:solidFill>
-                <a:srgbClr val="EEEEEE"/>
-              </a:solidFill>
-              <a:ln w="9525" cap="flat" cmpd="sng">
-                <a:solidFill>
-                  <a:srgbClr val="595959"/>
-                </a:solidFill>
-                <a:prstDash val="solid"/>
-                <a:round/>
-                <a:headEnd type="none" w="sm" len="sm"/>
-                <a:tailEnd type="none" w="sm" len="sm"/>
-              </a:ln>
-            </p:spPr>
-            <p:txBody>
-              <a:bodyPr spcFirstLastPara="1" wrap="square" lIns="91425" tIns="91425" rIns="91425" bIns="91425" anchor="ctr" anchorCtr="0">
-                <a:noAutofit/>
-              </a:bodyPr>
-              <a:lstStyle/>
-              <a:p>
-                <a:pPr marL="0" lvl="0" indent="0" algn="l" rtl="0">
-                  <a:spcBef>
-                    <a:spcPts val="0"/>
-                  </a:spcBef>
-                  <a:spcAft>
-                    <a:spcPts val="0"/>
-                  </a:spcAft>
-                  <a:buNone/>
-                </a:pPr>
-                <a:endParaRPr dirty="0"/>
-              </a:p>
-            </p:txBody>
-          </p:sp>
-          <p:cxnSp>
-            <p:nvCxnSpPr>
-              <p:cNvPr id="106" name="Google Shape;106;p15"/>
-              <p:cNvCxnSpPr>
-                <a:stCxn id="105" idx="4"/>
-              </p:cNvCxnSpPr>
-              <p:nvPr/>
-            </p:nvCxnSpPr>
-            <p:spPr>
-              <a:xfrm flipH="1">
-                <a:off x="1748725" y="1732225"/>
-                <a:ext cx="5700" cy="293100"/>
-              </a:xfrm>
-              <a:prstGeom prst="straightConnector1">
-                <a:avLst/>
-              </a:prstGeom>
-              <a:noFill/>
-              <a:ln w="9525" cap="flat" cmpd="sng">
-                <a:solidFill>
-                  <a:srgbClr val="595959"/>
-                </a:solidFill>
-                <a:prstDash val="solid"/>
-                <a:round/>
-                <a:headEnd type="none" w="med" len="med"/>
-                <a:tailEnd type="none" w="med" len="med"/>
-              </a:ln>
-            </p:spPr>
-          </p:cxnSp>
-          <p:cxnSp>
-            <p:nvCxnSpPr>
-              <p:cNvPr id="107" name="Google Shape;107;p15"/>
-              <p:cNvCxnSpPr/>
-              <p:nvPr/>
-            </p:nvCxnSpPr>
-            <p:spPr>
-              <a:xfrm>
-                <a:off x="1527475" y="1858775"/>
-                <a:ext cx="453900" cy="1800"/>
-              </a:xfrm>
-              <a:prstGeom prst="straightConnector1">
-                <a:avLst/>
-              </a:prstGeom>
-              <a:noFill/>
-              <a:ln w="9525" cap="flat" cmpd="sng">
-                <a:solidFill>
-                  <a:srgbClr val="595959"/>
-                </a:solidFill>
-                <a:prstDash val="solid"/>
-                <a:round/>
-                <a:headEnd type="none" w="med" len="med"/>
-                <a:tailEnd type="none" w="med" len="med"/>
-              </a:ln>
-            </p:spPr>
-          </p:cxnSp>
-          <p:cxnSp>
-            <p:nvCxnSpPr>
-              <p:cNvPr id="108" name="Google Shape;108;p15"/>
-              <p:cNvCxnSpPr/>
-              <p:nvPr/>
-            </p:nvCxnSpPr>
-            <p:spPr>
-              <a:xfrm flipH="1">
-                <a:off x="1499725" y="2022925"/>
-                <a:ext cx="248700" cy="271500"/>
-              </a:xfrm>
-              <a:prstGeom prst="straightConnector1">
-                <a:avLst/>
-              </a:prstGeom>
-              <a:noFill/>
-              <a:ln w="9525" cap="flat" cmpd="sng">
-                <a:solidFill>
-                  <a:srgbClr val="595959"/>
-                </a:solidFill>
-                <a:prstDash val="solid"/>
-                <a:round/>
-                <a:headEnd type="none" w="med" len="med"/>
-                <a:tailEnd type="none" w="med" len="med"/>
-              </a:ln>
-            </p:spPr>
-          </p:cxnSp>
-          <p:cxnSp>
-            <p:nvCxnSpPr>
-              <p:cNvPr id="109" name="Google Shape;109;p15"/>
-              <p:cNvCxnSpPr/>
-              <p:nvPr/>
-            </p:nvCxnSpPr>
-            <p:spPr>
-              <a:xfrm rot="10800000">
-                <a:off x="1748425" y="2022925"/>
-                <a:ext cx="248700" cy="271500"/>
-              </a:xfrm>
-              <a:prstGeom prst="straightConnector1">
-                <a:avLst/>
-              </a:prstGeom>
-              <a:noFill/>
-              <a:ln w="9525" cap="flat" cmpd="sng">
-                <a:solidFill>
-                  <a:srgbClr val="595959"/>
-                </a:solidFill>
-                <a:prstDash val="solid"/>
-                <a:round/>
-                <a:headEnd type="none" w="med" len="med"/>
-                <a:tailEnd type="none" w="med" len="med"/>
-              </a:ln>
-            </p:spPr>
-          </p:cxnSp>
-        </p:grpSp>
-        <p:sp>
-          <p:nvSpPr>
-            <p:cNvPr id="110" name="Google Shape;110;p15"/>
-            <p:cNvSpPr txBox="1"/>
-            <p:nvPr/>
-          </p:nvSpPr>
-          <p:spPr>
-            <a:xfrm>
-              <a:off x="2852000" y="3912484"/>
-              <a:ext cx="1021200" cy="342900"/>
-            </a:xfrm>
-            <a:prstGeom prst="rect">
-              <a:avLst/>
-            </a:prstGeom>
-            <a:noFill/>
-            <a:ln>
-              <a:noFill/>
-            </a:ln>
-          </p:spPr>
-          <p:txBody>
-            <a:bodyPr spcFirstLastPara="1" wrap="square" lIns="91425" tIns="91425" rIns="91425" bIns="91425" anchor="t" anchorCtr="0">
-              <a:noAutofit/>
-            </a:bodyPr>
-            <a:lstStyle/>
-            <a:p>
-              <a:pPr marL="0" lvl="0" indent="0" algn="ctr" rtl="0">
-                <a:spcBef>
-                  <a:spcPts val="0"/>
-                </a:spcBef>
-                <a:spcAft>
-                  <a:spcPts val="0"/>
-                </a:spcAft>
-                <a:buNone/>
-              </a:pPr>
-              <a:r>
-                <a:rPr lang="pt-BR" sz="1200" b="1" dirty="0" smtClean="0"/>
-                <a:t>Cliente</a:t>
-              </a:r>
-              <a:endParaRPr sz="1200" b="1" dirty="0"/>
-            </a:p>
-          </p:txBody>
-        </p:sp>
-      </p:grpSp>
-      <p:cxnSp>
-        <p:nvCxnSpPr>
-          <p:cNvPr id="111" name="Google Shape;111;p15"/>
-          <p:cNvCxnSpPr>
-            <a:stCxn id="112" idx="0"/>
-            <a:endCxn id="102" idx="2"/>
-          </p:cNvCxnSpPr>
-          <p:nvPr/>
-        </p:nvCxnSpPr>
-        <p:spPr>
-          <a:xfrm rot="5400000" flipH="1" flipV="1">
-            <a:off x="3836703" y="1108442"/>
-            <a:ext cx="934638" cy="526055"/>
-          </a:xfrm>
-          <a:prstGeom prst="curvedConnector5">
-            <a:avLst>
-              <a:gd name="adj1" fmla="val 47110"/>
-              <a:gd name="adj2" fmla="val 83371"/>
-              <a:gd name="adj3" fmla="val 51756"/>
-            </a:avLst>
-          </a:prstGeom>
-          <a:noFill/>
-          <a:ln w="9525" cap="flat" cmpd="sng">
-            <a:solidFill>
-              <a:schemeClr val="dk2"/>
-            </a:solidFill>
-            <a:prstDash val="solid"/>
-            <a:round/>
-            <a:headEnd type="none" w="med" len="med"/>
-            <a:tailEnd type="none" w="med" len="med"/>
-          </a:ln>
-        </p:spPr>
-      </p:cxnSp>
-      <p:sp>
-        <p:nvSpPr>
-          <p:cNvPr id="113" name="Google Shape;113;p15"/>
-          <p:cNvSpPr txBox="1"/>
-          <p:nvPr/>
-        </p:nvSpPr>
-        <p:spPr>
-          <a:xfrm>
-            <a:off x="130400" y="2813122"/>
-            <a:ext cx="8542500" cy="1367400"/>
-          </a:xfrm>
-          <a:prstGeom prst="rect">
-            <a:avLst/>
-          </a:prstGeom>
-          <a:noFill/>
-          <a:ln w="9525" cap="flat" cmpd="sng">
-            <a:solidFill>
-              <a:srgbClr val="FF9900"/>
-            </a:solidFill>
-            <a:prstDash val="solid"/>
-            <a:round/>
-            <a:headEnd type="none" w="sm" len="sm"/>
-            <a:tailEnd type="none" w="sm" len="sm"/>
-          </a:ln>
-        </p:spPr>
-        <p:txBody>
-          <a:bodyPr spcFirstLastPara="1" wrap="square" lIns="91425" tIns="91425" rIns="91425" bIns="91425" anchor="t" anchorCtr="0">
-            <a:noAutofit/>
-          </a:bodyPr>
-          <a:lstStyle/>
-          <a:p>
-            <a:pPr marL="0" lvl="0" indent="0" algn="l" rtl="0">
-              <a:spcBef>
-                <a:spcPts val="0"/>
-              </a:spcBef>
-              <a:spcAft>
-                <a:spcPts val="0"/>
-              </a:spcAft>
-              <a:buNone/>
-            </a:pPr>
-            <a:r>
-              <a:rPr lang="pt-BR" dirty="0"/>
-              <a:t>Capacidades Operacionais</a:t>
-            </a:r>
-            <a:endParaRPr dirty="0"/>
-          </a:p>
-        </p:txBody>
-      </p:sp>
-      <p:cxnSp>
-        <p:nvCxnSpPr>
-          <p:cNvPr id="114" name="Google Shape;114;p15"/>
-          <p:cNvCxnSpPr>
-            <a:stCxn id="105" idx="0"/>
-            <a:endCxn id="102" idx="2"/>
-          </p:cNvCxnSpPr>
-          <p:nvPr/>
-        </p:nvCxnSpPr>
-        <p:spPr>
-          <a:xfrm rot="-5400000">
-            <a:off x="2790151" y="111815"/>
-            <a:ext cx="984600" cy="2569200"/>
-          </a:xfrm>
-          <a:prstGeom prst="curvedConnector3">
-            <a:avLst>
-              <a:gd name="adj1" fmla="val 47358"/>
-            </a:avLst>
-          </a:prstGeom>
-          <a:noFill/>
-          <a:ln w="9525" cap="flat" cmpd="sng">
-            <a:solidFill>
-              <a:schemeClr val="dk2"/>
-            </a:solidFill>
-            <a:prstDash val="solid"/>
-            <a:round/>
-            <a:headEnd type="none" w="med" len="med"/>
-            <a:tailEnd type="none" w="med" len="med"/>
-          </a:ln>
-        </p:spPr>
-      </p:cxnSp>
-      <p:cxnSp>
-        <p:nvCxnSpPr>
-          <p:cNvPr id="124" name="Google Shape;124;p15"/>
-          <p:cNvCxnSpPr>
-            <a:stCxn id="112" idx="2"/>
-            <a:endCxn id="125" idx="1"/>
-          </p:cNvCxnSpPr>
-          <p:nvPr/>
-        </p:nvCxnSpPr>
-        <p:spPr>
-          <a:xfrm rot="16200000" flipH="1">
-            <a:off x="3843404" y="2567979"/>
-            <a:ext cx="1162012" cy="766830"/>
-          </a:xfrm>
-          <a:prstGeom prst="curvedConnector2">
-            <a:avLst/>
-          </a:prstGeom>
-          <a:noFill/>
-          <a:ln w="9525" cap="flat" cmpd="sng">
-            <a:solidFill>
-              <a:schemeClr val="dk2"/>
-            </a:solidFill>
-            <a:prstDash val="solid"/>
-            <a:round/>
-            <a:headEnd type="none" w="med" len="med"/>
-            <a:tailEnd type="none" w="med" len="med"/>
-          </a:ln>
-        </p:spPr>
-      </p:cxnSp>
-      <p:sp>
-        <p:nvSpPr>
-          <p:cNvPr id="125" name="Google Shape;125;p15"/>
-          <p:cNvSpPr/>
-          <p:nvPr/>
-        </p:nvSpPr>
-        <p:spPr>
-          <a:xfrm>
-            <a:off x="4807825" y="3266600"/>
-            <a:ext cx="1723200" cy="531600"/>
-          </a:xfrm>
-          <a:prstGeom prst="bracketPair">
-            <a:avLst/>
-          </a:prstGeom>
-          <a:noFill/>
-          <a:ln w="9525" cap="flat" cmpd="sng">
-            <a:solidFill>
-              <a:schemeClr val="dk2"/>
-            </a:solidFill>
-            <a:prstDash val="solid"/>
-            <a:round/>
-            <a:headEnd type="none" w="sm" len="sm"/>
-            <a:tailEnd type="none" w="sm" len="sm"/>
-          </a:ln>
-        </p:spPr>
-        <p:txBody>
-          <a:bodyPr spcFirstLastPara="1" wrap="square" lIns="91425" tIns="91425" rIns="91425" bIns="91425" anchor="ctr" anchorCtr="0">
-            <a:noAutofit/>
-          </a:bodyPr>
-          <a:lstStyle/>
-          <a:p>
-            <a:pPr marL="457200" lvl="0" indent="-292100" algn="l" rtl="0">
-              <a:spcBef>
-                <a:spcPts val="0"/>
-              </a:spcBef>
-              <a:spcAft>
-                <a:spcPts val="0"/>
-              </a:spcAft>
-              <a:buSzPts val="1000"/>
-              <a:buChar char="●"/>
-            </a:pPr>
-            <a:r>
-              <a:rPr lang="pt-BR" sz="1000" dirty="0" smtClean="0"/>
-              <a:t>Realizar orçamento</a:t>
-            </a:r>
-            <a:endParaRPr sz="1000" dirty="0"/>
-          </a:p>
-        </p:txBody>
-      </p:sp>
-      <p:sp>
-        <p:nvSpPr>
-          <p:cNvPr id="112" name="Google Shape;112;p15"/>
-          <p:cNvSpPr/>
-          <p:nvPr/>
-        </p:nvSpPr>
-        <p:spPr>
-          <a:xfrm>
-            <a:off x="3514987" y="1838788"/>
-            <a:ext cx="1052015" cy="531600"/>
-          </a:xfrm>
-          <a:prstGeom prst="roundRect">
-            <a:avLst>
-              <a:gd name="adj" fmla="val 16667"/>
-            </a:avLst>
-          </a:prstGeom>
-          <a:gradFill>
-            <a:gsLst>
-              <a:gs pos="0">
-                <a:srgbClr val="D4E5F5"/>
-              </a:gs>
-              <a:gs pos="100000">
-                <a:srgbClr val="70A4D5"/>
-              </a:gs>
-            </a:gsLst>
-            <a:path path="circle">
-              <a:fillToRect l="50000" t="50000" r="50000" b="50000"/>
-            </a:path>
-            <a:tileRect/>
-          </a:gradFill>
-          <a:ln w="9525" cap="flat" cmpd="sng">
-            <a:solidFill>
-              <a:srgbClr val="F3F3F3"/>
-            </a:solidFill>
-            <a:prstDash val="solid"/>
-            <a:round/>
-            <a:headEnd type="none" w="sm" len="sm"/>
-            <a:tailEnd type="none" w="sm" len="sm"/>
-          </a:ln>
-        </p:spPr>
-        <p:txBody>
-          <a:bodyPr spcFirstLastPara="1" wrap="square" lIns="91425" tIns="91425" rIns="91425" bIns="91425" anchor="ctr" anchorCtr="0">
-            <a:noAutofit/>
-          </a:bodyPr>
-          <a:lstStyle/>
-          <a:p>
-            <a:pPr marL="0" lvl="0" indent="0" algn="ctr" rtl="0">
-              <a:spcBef>
-                <a:spcPts val="0"/>
-              </a:spcBef>
-              <a:spcAft>
-                <a:spcPts val="0"/>
-              </a:spcAft>
-              <a:buNone/>
-            </a:pPr>
-            <a:r>
-              <a:rPr lang="pt-BR" sz="1000" dirty="0" smtClean="0"/>
-              <a:t>Administração</a:t>
-            </a:r>
-            <a:endParaRPr sz="1000" dirty="0"/>
-          </a:p>
-        </p:txBody>
-      </p:sp>
-    </p:spTree>
-    <p:extLst>
-      <p:ext uri="{BB962C8B-B14F-4D97-AF65-F5344CB8AC3E}">
-        <p14:creationId xmlns:p14="http://schemas.microsoft.com/office/powerpoint/2010/main" val="338124771"/>
-      </p:ext>
-    </p:extLst>
-  </p:cSld>
-  <p:clrMapOvr>
-    <a:masterClrMapping/>
-  </p:clrMapOvr>
-</p:sld>
-</file>
-
-<file path=ppt/slides/slide6.xml><?xml version="1.0" encoding="utf-8"?>
-<p:sld xmlns:a="http://schemas.openxmlformats.org/drawingml/2006/main" xmlns:r="http://schemas.openxmlformats.org/officeDocument/2006/relationships" xmlns:p="http://schemas.openxmlformats.org/presentationml/2006/main">
-  <p:cSld>
-    <p:spTree>
-      <p:nvGrpSpPr>
-        <p:cNvPr id="1" name="Shape 100"/>
-        <p:cNvGrpSpPr/>
-        <p:nvPr/>
-      </p:nvGrpSpPr>
-      <p:grpSpPr>
-        <a:xfrm>
-          <a:off x="0" y="0"/>
-          <a:ext cx="0" cy="0"/>
-          <a:chOff x="0" y="0"/>
-          <a:chExt cx="0" cy="0"/>
-        </a:xfrm>
-      </p:grpSpPr>
-      <p:sp>
-        <p:nvSpPr>
-          <p:cNvPr id="101" name="Google Shape;101;p15"/>
-          <p:cNvSpPr txBox="1"/>
-          <p:nvPr/>
-        </p:nvSpPr>
-        <p:spPr>
-          <a:xfrm>
-            <a:off x="130400" y="1445725"/>
-            <a:ext cx="8542500" cy="1367400"/>
-          </a:xfrm>
-          <a:prstGeom prst="rect">
-            <a:avLst/>
-          </a:prstGeom>
-          <a:noFill/>
-          <a:ln w="9525" cap="flat" cmpd="sng">
-            <a:solidFill>
-              <a:srgbClr val="FF9900"/>
-            </a:solidFill>
-            <a:prstDash val="solid"/>
-            <a:round/>
-            <a:headEnd type="none" w="sm" len="sm"/>
-            <a:tailEnd type="none" w="sm" len="sm"/>
-          </a:ln>
-        </p:spPr>
-        <p:txBody>
-          <a:bodyPr spcFirstLastPara="1" wrap="square" lIns="91425" tIns="91425" rIns="91425" bIns="91425" anchor="t" anchorCtr="0">
-            <a:noAutofit/>
-          </a:bodyPr>
-          <a:lstStyle/>
-          <a:p>
-            <a:pPr marL="0" lvl="0" indent="0" algn="l" rtl="0">
-              <a:spcBef>
-                <a:spcPts val="0"/>
-              </a:spcBef>
-              <a:spcAft>
-                <a:spcPts val="0"/>
-              </a:spcAft>
-              <a:buNone/>
-            </a:pPr>
-            <a:r>
-              <a:rPr lang="pt-BR" dirty="0"/>
-              <a:t>Nós Operacionais</a:t>
-            </a:r>
-            <a:endParaRPr dirty="0"/>
-          </a:p>
-        </p:txBody>
-      </p:sp>
-      <p:sp>
-        <p:nvSpPr>
-          <p:cNvPr id="102" name="Google Shape;102;p15"/>
-          <p:cNvSpPr/>
-          <p:nvPr/>
-        </p:nvSpPr>
-        <p:spPr>
-          <a:xfrm>
-            <a:off x="3659550" y="186275"/>
-            <a:ext cx="1815000" cy="771900"/>
-          </a:xfrm>
-          <a:prstGeom prst="wave">
-            <a:avLst>
-              <a:gd name="adj1" fmla="val 6999"/>
-              <a:gd name="adj2" fmla="val 0"/>
-            </a:avLst>
-          </a:prstGeom>
-          <a:solidFill>
-            <a:srgbClr val="F4CCCC"/>
-          </a:solidFill>
-          <a:ln w="9525" cap="flat" cmpd="sng">
-            <a:solidFill>
-              <a:srgbClr val="FFFFFF"/>
-            </a:solidFill>
-            <a:prstDash val="solid"/>
-            <a:round/>
-            <a:headEnd type="none" w="sm" len="sm"/>
-            <a:tailEnd type="none" w="sm" len="sm"/>
-          </a:ln>
-        </p:spPr>
-        <p:txBody>
-          <a:bodyPr spcFirstLastPara="1" wrap="square" lIns="91425" tIns="91425" rIns="91425" bIns="91425" anchor="ctr" anchorCtr="0">
-            <a:noAutofit/>
-          </a:bodyPr>
-          <a:lstStyle/>
-          <a:p>
-            <a:pPr marL="457200" lvl="0" indent="-292100" algn="l" rtl="0">
-              <a:spcBef>
-                <a:spcPts val="0"/>
-              </a:spcBef>
-              <a:spcAft>
-                <a:spcPts val="0"/>
-              </a:spcAft>
-              <a:buClr>
-                <a:schemeClr val="dk1"/>
-              </a:buClr>
-              <a:buSzPts val="1000"/>
-              <a:buChar char="❖"/>
-            </a:pPr>
-            <a:r>
-              <a:rPr lang="pt-BR" sz="1000" dirty="0" smtClean="0">
-                <a:solidFill>
-                  <a:schemeClr val="dk1"/>
-                </a:solidFill>
-              </a:rPr>
-              <a:t>Realizar orçamento</a:t>
-            </a:r>
-            <a:endParaRPr sz="1200" dirty="0"/>
-          </a:p>
-        </p:txBody>
-      </p:sp>
-      <p:grpSp>
-        <p:nvGrpSpPr>
-          <p:cNvPr id="103" name="Google Shape;103;p15"/>
-          <p:cNvGrpSpPr/>
-          <p:nvPr/>
-        </p:nvGrpSpPr>
-        <p:grpSpPr>
-          <a:xfrm>
-            <a:off x="5310687" y="1750249"/>
-            <a:ext cx="1021200" cy="830484"/>
-            <a:chOff x="2852000" y="3424900"/>
-            <a:chExt cx="1021200" cy="830484"/>
-          </a:xfrm>
-        </p:grpSpPr>
-        <p:grpSp>
-          <p:nvGrpSpPr>
-            <p:cNvPr id="104" name="Google Shape;104;p15"/>
-            <p:cNvGrpSpPr/>
-            <p:nvPr/>
-          </p:nvGrpSpPr>
-          <p:grpSpPr>
-            <a:xfrm>
-              <a:off x="3206355" y="3424900"/>
-              <a:ext cx="308885" cy="587736"/>
-              <a:chOff x="1499725" y="1450825"/>
-              <a:chExt cx="497400" cy="843600"/>
-            </a:xfrm>
-          </p:grpSpPr>
-          <p:sp>
-            <p:nvSpPr>
-              <p:cNvPr id="105" name="Google Shape;105;p15"/>
-              <p:cNvSpPr/>
-              <p:nvPr/>
-            </p:nvSpPr>
-            <p:spPr>
-              <a:xfrm>
-                <a:off x="1597825" y="1450825"/>
-                <a:ext cx="313200" cy="281400"/>
-              </a:xfrm>
-              <a:prstGeom prst="flowChartConnector">
-                <a:avLst/>
-              </a:prstGeom>
-              <a:solidFill>
-                <a:srgbClr val="EEEEEE"/>
-              </a:solidFill>
-              <a:ln w="9525" cap="flat" cmpd="sng">
-                <a:solidFill>
-                  <a:srgbClr val="595959"/>
-                </a:solidFill>
-                <a:prstDash val="solid"/>
-                <a:round/>
-                <a:headEnd type="none" w="sm" len="sm"/>
-                <a:tailEnd type="none" w="sm" len="sm"/>
-              </a:ln>
-            </p:spPr>
-            <p:txBody>
-              <a:bodyPr spcFirstLastPara="1" wrap="square" lIns="91425" tIns="91425" rIns="91425" bIns="91425" anchor="ctr" anchorCtr="0">
-                <a:noAutofit/>
-              </a:bodyPr>
-              <a:lstStyle/>
-              <a:p>
-                <a:pPr marL="0" lvl="0" indent="0" algn="l" rtl="0">
-                  <a:spcBef>
-                    <a:spcPts val="0"/>
-                  </a:spcBef>
-                  <a:spcAft>
-                    <a:spcPts val="0"/>
-                  </a:spcAft>
-                  <a:buNone/>
-                </a:pPr>
-                <a:endParaRPr dirty="0"/>
-              </a:p>
-            </p:txBody>
-          </p:sp>
-          <p:cxnSp>
-            <p:nvCxnSpPr>
-              <p:cNvPr id="106" name="Google Shape;106;p15"/>
-              <p:cNvCxnSpPr>
-                <a:stCxn id="105" idx="4"/>
-              </p:cNvCxnSpPr>
-              <p:nvPr/>
-            </p:nvCxnSpPr>
-            <p:spPr>
-              <a:xfrm flipH="1">
-                <a:off x="1748725" y="1732225"/>
-                <a:ext cx="5700" cy="293100"/>
-              </a:xfrm>
-              <a:prstGeom prst="straightConnector1">
-                <a:avLst/>
-              </a:prstGeom>
-              <a:noFill/>
-              <a:ln w="9525" cap="flat" cmpd="sng">
-                <a:solidFill>
-                  <a:srgbClr val="595959"/>
-                </a:solidFill>
-                <a:prstDash val="solid"/>
-                <a:round/>
-                <a:headEnd type="none" w="med" len="med"/>
-                <a:tailEnd type="none" w="med" len="med"/>
-              </a:ln>
-            </p:spPr>
-          </p:cxnSp>
-          <p:cxnSp>
-            <p:nvCxnSpPr>
-              <p:cNvPr id="107" name="Google Shape;107;p15"/>
-              <p:cNvCxnSpPr/>
-              <p:nvPr/>
-            </p:nvCxnSpPr>
-            <p:spPr>
-              <a:xfrm>
-                <a:off x="1527475" y="1858775"/>
-                <a:ext cx="453900" cy="1800"/>
-              </a:xfrm>
-              <a:prstGeom prst="straightConnector1">
-                <a:avLst/>
-              </a:prstGeom>
-              <a:noFill/>
-              <a:ln w="9525" cap="flat" cmpd="sng">
-                <a:solidFill>
-                  <a:srgbClr val="595959"/>
-                </a:solidFill>
-                <a:prstDash val="solid"/>
-                <a:round/>
-                <a:headEnd type="none" w="med" len="med"/>
-                <a:tailEnd type="none" w="med" len="med"/>
-              </a:ln>
-            </p:spPr>
-          </p:cxnSp>
-          <p:cxnSp>
-            <p:nvCxnSpPr>
-              <p:cNvPr id="108" name="Google Shape;108;p15"/>
-              <p:cNvCxnSpPr/>
-              <p:nvPr/>
-            </p:nvCxnSpPr>
-            <p:spPr>
-              <a:xfrm flipH="1">
-                <a:off x="1499725" y="2022925"/>
-                <a:ext cx="248700" cy="271500"/>
-              </a:xfrm>
-              <a:prstGeom prst="straightConnector1">
-                <a:avLst/>
-              </a:prstGeom>
-              <a:noFill/>
-              <a:ln w="9525" cap="flat" cmpd="sng">
-                <a:solidFill>
-                  <a:srgbClr val="595959"/>
-                </a:solidFill>
-                <a:prstDash val="solid"/>
-                <a:round/>
-                <a:headEnd type="none" w="med" len="med"/>
-                <a:tailEnd type="none" w="med" len="med"/>
-              </a:ln>
-            </p:spPr>
-          </p:cxnSp>
-          <p:cxnSp>
-            <p:nvCxnSpPr>
-              <p:cNvPr id="109" name="Google Shape;109;p15"/>
-              <p:cNvCxnSpPr/>
-              <p:nvPr/>
-            </p:nvCxnSpPr>
-            <p:spPr>
-              <a:xfrm rot="10800000">
-                <a:off x="1748425" y="2022925"/>
-                <a:ext cx="248700" cy="271500"/>
-              </a:xfrm>
-              <a:prstGeom prst="straightConnector1">
-                <a:avLst/>
-              </a:prstGeom>
-              <a:noFill/>
-              <a:ln w="9525" cap="flat" cmpd="sng">
-                <a:solidFill>
-                  <a:srgbClr val="595959"/>
-                </a:solidFill>
-                <a:prstDash val="solid"/>
-                <a:round/>
-                <a:headEnd type="none" w="med" len="med"/>
-                <a:tailEnd type="none" w="med" len="med"/>
-              </a:ln>
-            </p:spPr>
-          </p:cxnSp>
-        </p:grpSp>
-        <p:sp>
-          <p:nvSpPr>
-            <p:cNvPr id="110" name="Google Shape;110;p15"/>
-            <p:cNvSpPr txBox="1"/>
-            <p:nvPr/>
-          </p:nvSpPr>
-          <p:spPr>
-            <a:xfrm>
-              <a:off x="2852000" y="3912484"/>
-              <a:ext cx="1021200" cy="342900"/>
-            </a:xfrm>
-            <a:prstGeom prst="rect">
-              <a:avLst/>
-            </a:prstGeom>
-            <a:noFill/>
-            <a:ln>
-              <a:noFill/>
-            </a:ln>
-          </p:spPr>
-          <p:txBody>
-            <a:bodyPr spcFirstLastPara="1" wrap="square" lIns="91425" tIns="91425" rIns="91425" bIns="91425" anchor="t" anchorCtr="0">
-              <a:noAutofit/>
-            </a:bodyPr>
-            <a:lstStyle/>
-            <a:p>
-              <a:pPr marL="0" lvl="0" indent="0" algn="ctr" rtl="0">
-                <a:spcBef>
-                  <a:spcPts val="0"/>
-                </a:spcBef>
-                <a:spcAft>
-                  <a:spcPts val="0"/>
-                </a:spcAft>
-                <a:buNone/>
-              </a:pPr>
-              <a:r>
-                <a:rPr lang="pt-BR" sz="1200" b="1" dirty="0" smtClean="0"/>
-                <a:t>Tatuador</a:t>
-              </a:r>
-              <a:endParaRPr sz="1200" b="1" dirty="0"/>
-            </a:p>
-          </p:txBody>
-        </p:sp>
-      </p:grpSp>
-      <p:cxnSp>
-        <p:nvCxnSpPr>
-          <p:cNvPr id="111" name="Google Shape;111;p15"/>
-          <p:cNvCxnSpPr>
-            <a:stCxn id="112" idx="0"/>
-            <a:endCxn id="102" idx="2"/>
-          </p:cNvCxnSpPr>
-          <p:nvPr/>
-        </p:nvCxnSpPr>
-        <p:spPr>
-          <a:xfrm rot="5400000" flipH="1" flipV="1">
-            <a:off x="3863120" y="1134858"/>
-            <a:ext cx="934638" cy="473222"/>
-          </a:xfrm>
-          <a:prstGeom prst="curvedConnector5">
-            <a:avLst>
-              <a:gd name="adj1" fmla="val 47110"/>
-              <a:gd name="adj2" fmla="val 17696"/>
-              <a:gd name="adj3" fmla="val 67912"/>
-            </a:avLst>
-          </a:prstGeom>
-          <a:noFill/>
-          <a:ln w="9525" cap="flat" cmpd="sng">
-            <a:solidFill>
-              <a:schemeClr val="dk2"/>
-            </a:solidFill>
-            <a:prstDash val="solid"/>
-            <a:round/>
-            <a:headEnd type="none" w="med" len="med"/>
-            <a:tailEnd type="none" w="med" len="med"/>
-          </a:ln>
-        </p:spPr>
-      </p:cxnSp>
-      <p:sp>
-        <p:nvSpPr>
-          <p:cNvPr id="113" name="Google Shape;113;p15"/>
-          <p:cNvSpPr txBox="1"/>
-          <p:nvPr/>
-        </p:nvSpPr>
-        <p:spPr>
-          <a:xfrm>
-            <a:off x="130400" y="2813122"/>
-            <a:ext cx="8542500" cy="1367400"/>
-          </a:xfrm>
-          <a:prstGeom prst="rect">
-            <a:avLst/>
-          </a:prstGeom>
-          <a:noFill/>
-          <a:ln w="9525" cap="flat" cmpd="sng">
-            <a:solidFill>
-              <a:srgbClr val="FF9900"/>
-            </a:solidFill>
-            <a:prstDash val="solid"/>
-            <a:round/>
-            <a:headEnd type="none" w="sm" len="sm"/>
-            <a:tailEnd type="none" w="sm" len="sm"/>
-          </a:ln>
-        </p:spPr>
-        <p:txBody>
-          <a:bodyPr spcFirstLastPara="1" wrap="square" lIns="91425" tIns="91425" rIns="91425" bIns="91425" anchor="t" anchorCtr="0">
-            <a:noAutofit/>
-          </a:bodyPr>
-          <a:lstStyle/>
-          <a:p>
-            <a:pPr marL="0" lvl="0" indent="0" algn="l" rtl="0">
-              <a:spcBef>
-                <a:spcPts val="0"/>
-              </a:spcBef>
-              <a:spcAft>
-                <a:spcPts val="0"/>
-              </a:spcAft>
-              <a:buNone/>
-            </a:pPr>
-            <a:r>
-              <a:rPr lang="pt-BR" dirty="0"/>
-              <a:t>Capacidades Operacionais</a:t>
-            </a:r>
-            <a:endParaRPr dirty="0"/>
-          </a:p>
-        </p:txBody>
-      </p:sp>
-      <p:cxnSp>
-        <p:nvCxnSpPr>
-          <p:cNvPr id="114" name="Google Shape;114;p15"/>
-          <p:cNvCxnSpPr>
-            <a:stCxn id="105" idx="0"/>
-            <a:endCxn id="102" idx="2"/>
-          </p:cNvCxnSpPr>
-          <p:nvPr/>
-        </p:nvCxnSpPr>
-        <p:spPr>
-          <a:xfrm rot="16200000" flipV="1">
-            <a:off x="4772082" y="699119"/>
-            <a:ext cx="846099" cy="1256161"/>
-          </a:xfrm>
-          <a:prstGeom prst="curvedConnector3">
-            <a:avLst>
-              <a:gd name="adj1" fmla="val 63139"/>
-            </a:avLst>
-          </a:prstGeom>
-          <a:noFill/>
-          <a:ln w="9525" cap="flat" cmpd="sng">
-            <a:solidFill>
-              <a:schemeClr val="dk2"/>
-            </a:solidFill>
-            <a:prstDash val="solid"/>
-            <a:round/>
-            <a:headEnd type="none" w="med" len="med"/>
-            <a:tailEnd type="none" w="med" len="med"/>
-          </a:ln>
-        </p:spPr>
-      </p:cxnSp>
-      <p:cxnSp>
-        <p:nvCxnSpPr>
-          <p:cNvPr id="124" name="Google Shape;124;p15"/>
-          <p:cNvCxnSpPr>
-            <a:stCxn id="112" idx="2"/>
-            <a:endCxn id="125" idx="1"/>
-          </p:cNvCxnSpPr>
-          <p:nvPr/>
-        </p:nvCxnSpPr>
-        <p:spPr>
-          <a:xfrm rot="16200000" flipH="1">
-            <a:off x="3869820" y="2594395"/>
-            <a:ext cx="1162012" cy="713997"/>
-          </a:xfrm>
-          <a:prstGeom prst="curvedConnector2">
-            <a:avLst/>
-          </a:prstGeom>
-          <a:noFill/>
-          <a:ln w="9525" cap="flat" cmpd="sng">
-            <a:solidFill>
-              <a:schemeClr val="dk2"/>
-            </a:solidFill>
-            <a:prstDash val="solid"/>
-            <a:round/>
-            <a:headEnd type="none" w="med" len="med"/>
-            <a:tailEnd type="none" w="med" len="med"/>
-          </a:ln>
-        </p:spPr>
-      </p:cxnSp>
-      <p:sp>
-        <p:nvSpPr>
-          <p:cNvPr id="125" name="Google Shape;125;p15"/>
-          <p:cNvSpPr/>
-          <p:nvPr/>
-        </p:nvSpPr>
-        <p:spPr>
-          <a:xfrm>
-            <a:off x="4807825" y="3266600"/>
-            <a:ext cx="1723200" cy="531600"/>
-          </a:xfrm>
-          <a:prstGeom prst="bracketPair">
-            <a:avLst/>
-          </a:prstGeom>
-          <a:noFill/>
-          <a:ln w="9525" cap="flat" cmpd="sng">
-            <a:solidFill>
-              <a:schemeClr val="dk2"/>
-            </a:solidFill>
-            <a:prstDash val="solid"/>
-            <a:round/>
-            <a:headEnd type="none" w="sm" len="sm"/>
-            <a:tailEnd type="none" w="sm" len="sm"/>
-          </a:ln>
-        </p:spPr>
-        <p:txBody>
-          <a:bodyPr spcFirstLastPara="1" wrap="square" lIns="91425" tIns="91425" rIns="91425" bIns="91425" anchor="ctr" anchorCtr="0">
-            <a:noAutofit/>
-          </a:bodyPr>
-          <a:lstStyle/>
-          <a:p>
-            <a:pPr marL="457200" lvl="0" indent="-292100" algn="l" rtl="0">
-              <a:spcBef>
-                <a:spcPts val="0"/>
-              </a:spcBef>
-              <a:spcAft>
-                <a:spcPts val="0"/>
-              </a:spcAft>
-              <a:buSzPts val="1000"/>
-              <a:buChar char="●"/>
-            </a:pPr>
-            <a:r>
-              <a:rPr lang="pt-BR" sz="1000" dirty="0" smtClean="0"/>
-              <a:t>Realizar orçamento</a:t>
-            </a:r>
-          </a:p>
-        </p:txBody>
-      </p:sp>
-      <p:sp>
-        <p:nvSpPr>
-          <p:cNvPr id="112" name="Google Shape;112;p15"/>
-          <p:cNvSpPr/>
-          <p:nvPr/>
-        </p:nvSpPr>
-        <p:spPr>
-          <a:xfrm>
-            <a:off x="3531765" y="1838788"/>
-            <a:ext cx="1124125" cy="531600"/>
-          </a:xfrm>
-          <a:prstGeom prst="roundRect">
-            <a:avLst>
-              <a:gd name="adj" fmla="val 16667"/>
-            </a:avLst>
-          </a:prstGeom>
-          <a:gradFill>
-            <a:gsLst>
-              <a:gs pos="0">
-                <a:srgbClr val="D4E5F5"/>
-              </a:gs>
-              <a:gs pos="100000">
-                <a:srgbClr val="70A4D5"/>
-              </a:gs>
-            </a:gsLst>
-            <a:path path="circle">
-              <a:fillToRect l="50000" t="50000" r="50000" b="50000"/>
-            </a:path>
-            <a:tileRect/>
-          </a:gradFill>
-          <a:ln w="9525" cap="flat" cmpd="sng">
-            <a:solidFill>
-              <a:srgbClr val="F3F3F3"/>
-            </a:solidFill>
-            <a:prstDash val="solid"/>
-            <a:round/>
-            <a:headEnd type="none" w="sm" len="sm"/>
-            <a:tailEnd type="none" w="sm" len="sm"/>
-          </a:ln>
-        </p:spPr>
-        <p:txBody>
-          <a:bodyPr spcFirstLastPara="1" wrap="square" lIns="91425" tIns="91425" rIns="91425" bIns="91425" anchor="ctr" anchorCtr="0">
-            <a:noAutofit/>
-          </a:bodyPr>
-          <a:lstStyle/>
-          <a:p>
-            <a:pPr marL="0" lvl="0" indent="0" algn="ctr" rtl="0">
-              <a:spcBef>
-                <a:spcPts val="0"/>
-              </a:spcBef>
-              <a:spcAft>
-                <a:spcPts val="0"/>
-              </a:spcAft>
-              <a:buNone/>
-            </a:pPr>
-            <a:r>
-              <a:rPr lang="pt-BR" sz="1000" dirty="0" smtClean="0"/>
-              <a:t>Administração</a:t>
-            </a:r>
-            <a:endParaRPr sz="1000" dirty="0"/>
-          </a:p>
-        </p:txBody>
-      </p:sp>
-    </p:spTree>
-    <p:extLst>
-      <p:ext uri="{BB962C8B-B14F-4D97-AF65-F5344CB8AC3E}">
-        <p14:creationId xmlns:p14="http://schemas.microsoft.com/office/powerpoint/2010/main" val="3293852983"/>
-      </p:ext>
-    </p:extLst>
-  </p:cSld>
-  <p:clrMapOvr>
-    <a:masterClrMapping/>
-  </p:clrMapOvr>
-</p:sld>
-</file>
-
-<file path=ppt/slides/slide7.xml><?xml version="1.0" encoding="utf-8"?>
-<p:sld xmlns:a="http://schemas.openxmlformats.org/drawingml/2006/main" xmlns:r="http://schemas.openxmlformats.org/officeDocument/2006/relationships" xmlns:p="http://schemas.openxmlformats.org/presentationml/2006/main">
-  <p:cSld>
-    <p:spTree>
-      <p:nvGrpSpPr>
-        <p:cNvPr id="1" name="Shape 100"/>
-        <p:cNvGrpSpPr/>
-        <p:nvPr/>
-      </p:nvGrpSpPr>
-      <p:grpSpPr>
-        <a:xfrm>
-          <a:off x="0" y="0"/>
-          <a:ext cx="0" cy="0"/>
-          <a:chOff x="0" y="0"/>
-          <a:chExt cx="0" cy="0"/>
-        </a:xfrm>
-      </p:grpSpPr>
-      <p:sp>
-        <p:nvSpPr>
-          <p:cNvPr id="101" name="Google Shape;101;p15"/>
-          <p:cNvSpPr txBox="1"/>
-          <p:nvPr/>
-        </p:nvSpPr>
-        <p:spPr>
-          <a:xfrm>
-            <a:off x="130400" y="1445725"/>
-            <a:ext cx="8542500" cy="1367400"/>
-          </a:xfrm>
-          <a:prstGeom prst="rect">
-            <a:avLst/>
-          </a:prstGeom>
-          <a:noFill/>
-          <a:ln w="9525" cap="flat" cmpd="sng">
-            <a:solidFill>
-              <a:srgbClr val="FF9900"/>
-            </a:solidFill>
-            <a:prstDash val="solid"/>
-            <a:round/>
-            <a:headEnd type="none" w="sm" len="sm"/>
-            <a:tailEnd type="none" w="sm" len="sm"/>
-          </a:ln>
-        </p:spPr>
-        <p:txBody>
-          <a:bodyPr spcFirstLastPara="1" wrap="square" lIns="91425" tIns="91425" rIns="91425" bIns="91425" anchor="t" anchorCtr="0">
-            <a:noAutofit/>
-          </a:bodyPr>
-          <a:lstStyle/>
-          <a:p>
-            <a:pPr marL="0" lvl="0" indent="0" algn="l" rtl="0">
-              <a:spcBef>
-                <a:spcPts val="0"/>
-              </a:spcBef>
-              <a:spcAft>
-                <a:spcPts val="0"/>
-              </a:spcAft>
-              <a:buNone/>
-            </a:pPr>
-            <a:r>
-              <a:rPr lang="pt-BR" dirty="0"/>
-              <a:t>Nós Operacionais</a:t>
-            </a:r>
-            <a:endParaRPr dirty="0"/>
-          </a:p>
-        </p:txBody>
-      </p:sp>
-      <p:sp>
-        <p:nvSpPr>
-          <p:cNvPr id="102" name="Google Shape;102;p15"/>
-          <p:cNvSpPr/>
-          <p:nvPr/>
-        </p:nvSpPr>
-        <p:spPr>
-          <a:xfrm>
-            <a:off x="3659550" y="186275"/>
-            <a:ext cx="1815000" cy="771900"/>
-          </a:xfrm>
-          <a:prstGeom prst="wave">
-            <a:avLst>
-              <a:gd name="adj1" fmla="val 6999"/>
-              <a:gd name="adj2" fmla="val 0"/>
-            </a:avLst>
-          </a:prstGeom>
-          <a:solidFill>
-            <a:srgbClr val="F4CCCC"/>
-          </a:solidFill>
-          <a:ln w="9525" cap="flat" cmpd="sng">
-            <a:solidFill>
-              <a:srgbClr val="FFFFFF"/>
-            </a:solidFill>
-            <a:prstDash val="solid"/>
-            <a:round/>
-            <a:headEnd type="none" w="sm" len="sm"/>
-            <a:tailEnd type="none" w="sm" len="sm"/>
-          </a:ln>
-        </p:spPr>
-        <p:txBody>
-          <a:bodyPr spcFirstLastPara="1" wrap="square" lIns="91425" tIns="91425" rIns="91425" bIns="91425" anchor="ctr" anchorCtr="0">
-            <a:noAutofit/>
-          </a:bodyPr>
-          <a:lstStyle/>
-          <a:p>
-            <a:pPr marL="457200" lvl="0" indent="-292100" algn="l" rtl="0">
-              <a:spcBef>
-                <a:spcPts val="0"/>
-              </a:spcBef>
-              <a:spcAft>
-                <a:spcPts val="0"/>
-              </a:spcAft>
-              <a:buClr>
-                <a:schemeClr val="dk1"/>
-              </a:buClr>
-              <a:buSzPts val="1000"/>
-              <a:buChar char="❖"/>
-            </a:pPr>
-            <a:r>
-              <a:rPr lang="pt-BR" sz="1000" dirty="0" smtClean="0">
-                <a:solidFill>
-                  <a:schemeClr val="dk1"/>
-                </a:solidFill>
-              </a:rPr>
-              <a:t>Receber serviço </a:t>
-            </a:r>
-            <a:endParaRPr sz="1200" dirty="0"/>
-          </a:p>
-        </p:txBody>
-      </p:sp>
-      <p:grpSp>
-        <p:nvGrpSpPr>
-          <p:cNvPr id="103" name="Google Shape;103;p15"/>
-          <p:cNvGrpSpPr/>
-          <p:nvPr/>
-        </p:nvGrpSpPr>
-        <p:grpSpPr>
-          <a:xfrm>
-            <a:off x="1485327" y="1888715"/>
-            <a:ext cx="1021200" cy="830484"/>
-            <a:chOff x="2852000" y="3424900"/>
-            <a:chExt cx="1021200" cy="830484"/>
-          </a:xfrm>
-        </p:grpSpPr>
-        <p:grpSp>
-          <p:nvGrpSpPr>
-            <p:cNvPr id="104" name="Google Shape;104;p15"/>
-            <p:cNvGrpSpPr/>
-            <p:nvPr/>
-          </p:nvGrpSpPr>
-          <p:grpSpPr>
-            <a:xfrm>
-              <a:off x="3206355" y="3424900"/>
-              <a:ext cx="308885" cy="587736"/>
-              <a:chOff x="1499725" y="1450825"/>
-              <a:chExt cx="497400" cy="843600"/>
-            </a:xfrm>
-          </p:grpSpPr>
-          <p:sp>
-            <p:nvSpPr>
-              <p:cNvPr id="105" name="Google Shape;105;p15"/>
-              <p:cNvSpPr/>
-              <p:nvPr/>
-            </p:nvSpPr>
-            <p:spPr>
-              <a:xfrm>
-                <a:off x="1597825" y="1450825"/>
-                <a:ext cx="313200" cy="281400"/>
-              </a:xfrm>
-              <a:prstGeom prst="flowChartConnector">
-                <a:avLst/>
-              </a:prstGeom>
-              <a:solidFill>
-                <a:srgbClr val="EEEEEE"/>
-              </a:solidFill>
-              <a:ln w="9525" cap="flat" cmpd="sng">
-                <a:solidFill>
-                  <a:srgbClr val="595959"/>
-                </a:solidFill>
-                <a:prstDash val="solid"/>
-                <a:round/>
-                <a:headEnd type="none" w="sm" len="sm"/>
-                <a:tailEnd type="none" w="sm" len="sm"/>
-              </a:ln>
-            </p:spPr>
-            <p:txBody>
-              <a:bodyPr spcFirstLastPara="1" wrap="square" lIns="91425" tIns="91425" rIns="91425" bIns="91425" anchor="ctr" anchorCtr="0">
-                <a:noAutofit/>
-              </a:bodyPr>
-              <a:lstStyle/>
-              <a:p>
-                <a:pPr marL="0" lvl="0" indent="0" algn="l" rtl="0">
-                  <a:spcBef>
-                    <a:spcPts val="0"/>
-                  </a:spcBef>
-                  <a:spcAft>
-                    <a:spcPts val="0"/>
-                  </a:spcAft>
-                  <a:buNone/>
-                </a:pPr>
-                <a:endParaRPr dirty="0"/>
-              </a:p>
-            </p:txBody>
-          </p:sp>
-          <p:cxnSp>
-            <p:nvCxnSpPr>
-              <p:cNvPr id="106" name="Google Shape;106;p15"/>
-              <p:cNvCxnSpPr>
-                <a:stCxn id="105" idx="4"/>
-              </p:cNvCxnSpPr>
-              <p:nvPr/>
-            </p:nvCxnSpPr>
-            <p:spPr>
-              <a:xfrm flipH="1">
-                <a:off x="1748725" y="1732225"/>
-                <a:ext cx="5700" cy="293100"/>
-              </a:xfrm>
-              <a:prstGeom prst="straightConnector1">
-                <a:avLst/>
-              </a:prstGeom>
-              <a:noFill/>
-              <a:ln w="9525" cap="flat" cmpd="sng">
-                <a:solidFill>
-                  <a:srgbClr val="595959"/>
-                </a:solidFill>
-                <a:prstDash val="solid"/>
-                <a:round/>
-                <a:headEnd type="none" w="med" len="med"/>
-                <a:tailEnd type="none" w="med" len="med"/>
-              </a:ln>
-            </p:spPr>
-          </p:cxnSp>
-          <p:cxnSp>
-            <p:nvCxnSpPr>
-              <p:cNvPr id="107" name="Google Shape;107;p15"/>
-              <p:cNvCxnSpPr/>
-              <p:nvPr/>
-            </p:nvCxnSpPr>
-            <p:spPr>
-              <a:xfrm>
-                <a:off x="1527475" y="1858775"/>
-                <a:ext cx="453900" cy="1800"/>
-              </a:xfrm>
-              <a:prstGeom prst="straightConnector1">
-                <a:avLst/>
-              </a:prstGeom>
-              <a:noFill/>
-              <a:ln w="9525" cap="flat" cmpd="sng">
-                <a:solidFill>
-                  <a:srgbClr val="595959"/>
-                </a:solidFill>
-                <a:prstDash val="solid"/>
-                <a:round/>
-                <a:headEnd type="none" w="med" len="med"/>
-                <a:tailEnd type="none" w="med" len="med"/>
-              </a:ln>
-            </p:spPr>
-          </p:cxnSp>
-          <p:cxnSp>
-            <p:nvCxnSpPr>
-              <p:cNvPr id="108" name="Google Shape;108;p15"/>
-              <p:cNvCxnSpPr/>
-              <p:nvPr/>
-            </p:nvCxnSpPr>
-            <p:spPr>
-              <a:xfrm flipH="1">
-                <a:off x="1499725" y="2022925"/>
-                <a:ext cx="248700" cy="271500"/>
-              </a:xfrm>
-              <a:prstGeom prst="straightConnector1">
-                <a:avLst/>
-              </a:prstGeom>
-              <a:noFill/>
-              <a:ln w="9525" cap="flat" cmpd="sng">
-                <a:solidFill>
-                  <a:srgbClr val="595959"/>
-                </a:solidFill>
-                <a:prstDash val="solid"/>
-                <a:round/>
-                <a:headEnd type="none" w="med" len="med"/>
-                <a:tailEnd type="none" w="med" len="med"/>
-              </a:ln>
-            </p:spPr>
-          </p:cxnSp>
-          <p:cxnSp>
-            <p:nvCxnSpPr>
-              <p:cNvPr id="109" name="Google Shape;109;p15"/>
-              <p:cNvCxnSpPr/>
-              <p:nvPr/>
-            </p:nvCxnSpPr>
-            <p:spPr>
-              <a:xfrm rot="10800000">
-                <a:off x="1748425" y="2022925"/>
-                <a:ext cx="248700" cy="271500"/>
-              </a:xfrm>
-              <a:prstGeom prst="straightConnector1">
-                <a:avLst/>
-              </a:prstGeom>
-              <a:noFill/>
-              <a:ln w="9525" cap="flat" cmpd="sng">
-                <a:solidFill>
-                  <a:srgbClr val="595959"/>
-                </a:solidFill>
-                <a:prstDash val="solid"/>
-                <a:round/>
-                <a:headEnd type="none" w="med" len="med"/>
-                <a:tailEnd type="none" w="med" len="med"/>
-              </a:ln>
-            </p:spPr>
-          </p:cxnSp>
-        </p:grpSp>
-        <p:sp>
-          <p:nvSpPr>
-            <p:cNvPr id="110" name="Google Shape;110;p15"/>
-            <p:cNvSpPr txBox="1"/>
-            <p:nvPr/>
-          </p:nvSpPr>
-          <p:spPr>
-            <a:xfrm>
-              <a:off x="2852000" y="3912484"/>
-              <a:ext cx="1021200" cy="342900"/>
-            </a:xfrm>
-            <a:prstGeom prst="rect">
-              <a:avLst/>
-            </a:prstGeom>
-            <a:noFill/>
-            <a:ln>
-              <a:noFill/>
-            </a:ln>
-          </p:spPr>
-          <p:txBody>
-            <a:bodyPr spcFirstLastPara="1" wrap="square" lIns="91425" tIns="91425" rIns="91425" bIns="91425" anchor="t" anchorCtr="0">
-              <a:noAutofit/>
-            </a:bodyPr>
-            <a:lstStyle/>
-            <a:p>
-              <a:pPr marL="0" lvl="0" indent="0" algn="ctr" rtl="0">
-                <a:spcBef>
-                  <a:spcPts val="0"/>
-                </a:spcBef>
-                <a:spcAft>
-                  <a:spcPts val="0"/>
-                </a:spcAft>
-                <a:buNone/>
-              </a:pPr>
-              <a:r>
-                <a:rPr lang="pt-BR" sz="1200" b="1" dirty="0" smtClean="0"/>
-                <a:t>Cliente</a:t>
-              </a:r>
-              <a:endParaRPr sz="1200" b="1" dirty="0"/>
-            </a:p>
-          </p:txBody>
-        </p:sp>
-      </p:grpSp>
-      <p:cxnSp>
-        <p:nvCxnSpPr>
-          <p:cNvPr id="111" name="Google Shape;111;p15"/>
-          <p:cNvCxnSpPr>
-            <a:stCxn id="112" idx="0"/>
-            <a:endCxn id="102" idx="2"/>
-          </p:cNvCxnSpPr>
-          <p:nvPr/>
-        </p:nvCxnSpPr>
-        <p:spPr>
-          <a:xfrm rot="-5400000">
-            <a:off x="3849102" y="1120888"/>
-            <a:ext cx="934500" cy="501300"/>
-          </a:xfrm>
-          <a:prstGeom prst="curvedConnector3">
-            <a:avLst>
-              <a:gd name="adj1" fmla="val 47226"/>
+              <a:gd name="adj2" fmla="val 51212"/>
+              <a:gd name="adj3" fmla="val 73266"/>
             </a:avLst>
           </a:prstGeom>
           <a:noFill/>
@@ -10930,7 +7614,2120 @@
                 <a:buNone/>
               </a:pPr>
               <a:r>
-                <a:rPr lang="pt-BR" sz="1200" b="1" dirty="0" smtClean="0"/>
+                <a:rPr lang="pt-BR" sz="1200" b="1" dirty="0"/>
+                <a:t>Tatuador</a:t>
+              </a:r>
+              <a:endParaRPr sz="1200" b="1" dirty="0"/>
+            </a:p>
+          </p:txBody>
+        </p:sp>
+      </p:grpSp>
+      <p:cxnSp>
+        <p:nvCxnSpPr>
+          <p:cNvPr id="123" name="Google Shape;123;p15"/>
+          <p:cNvCxnSpPr>
+            <a:stCxn id="117" idx="0"/>
+            <a:endCxn id="102" idx="2"/>
+          </p:cNvCxnSpPr>
+          <p:nvPr/>
+        </p:nvCxnSpPr>
+        <p:spPr>
+          <a:xfrm rot="5400000" flipH="1">
+            <a:off x="5144053" y="327126"/>
+            <a:ext cx="810000" cy="1964100"/>
+          </a:xfrm>
+          <a:prstGeom prst="curvedConnector3">
+            <a:avLst>
+              <a:gd name="adj1" fmla="val 46793"/>
+            </a:avLst>
+          </a:prstGeom>
+          <a:noFill/>
+          <a:ln w="9525" cap="flat" cmpd="sng">
+            <a:solidFill>
+              <a:schemeClr val="dk2"/>
+            </a:solidFill>
+            <a:prstDash val="solid"/>
+            <a:round/>
+            <a:headEnd type="none" w="med" len="med"/>
+            <a:tailEnd type="none" w="med" len="med"/>
+          </a:ln>
+        </p:spPr>
+      </p:cxnSp>
+      <p:cxnSp>
+        <p:nvCxnSpPr>
+          <p:cNvPr id="124" name="Google Shape;124;p15"/>
+          <p:cNvCxnSpPr>
+            <a:cxnSpLocks/>
+            <a:stCxn id="112" idx="2"/>
+            <a:endCxn id="125" idx="1"/>
+          </p:cNvCxnSpPr>
+          <p:nvPr/>
+        </p:nvCxnSpPr>
+        <p:spPr>
+          <a:xfrm rot="16200000" flipH="1">
+            <a:off x="3890118" y="2614693"/>
+            <a:ext cx="1162012" cy="673401"/>
+          </a:xfrm>
+          <a:prstGeom prst="curvedConnector2">
+            <a:avLst/>
+          </a:prstGeom>
+          <a:noFill/>
+          <a:ln w="9525" cap="flat" cmpd="sng">
+            <a:solidFill>
+              <a:schemeClr val="dk2"/>
+            </a:solidFill>
+            <a:prstDash val="solid"/>
+            <a:round/>
+            <a:headEnd type="none" w="med" len="med"/>
+            <a:tailEnd type="none" w="med" len="med"/>
+          </a:ln>
+        </p:spPr>
+      </p:cxnSp>
+      <p:sp>
+        <p:nvSpPr>
+          <p:cNvPr id="125" name="Google Shape;125;p15"/>
+          <p:cNvSpPr/>
+          <p:nvPr/>
+        </p:nvSpPr>
+        <p:spPr>
+          <a:xfrm>
+            <a:off x="4807825" y="3266600"/>
+            <a:ext cx="1873996" cy="531600"/>
+          </a:xfrm>
+          <a:prstGeom prst="bracketPair">
+            <a:avLst/>
+          </a:prstGeom>
+          <a:noFill/>
+          <a:ln w="9525" cap="flat" cmpd="sng">
+            <a:solidFill>
+              <a:schemeClr val="dk2"/>
+            </a:solidFill>
+            <a:prstDash val="solid"/>
+            <a:round/>
+            <a:headEnd type="none" w="sm" len="sm"/>
+            <a:tailEnd type="none" w="sm" len="sm"/>
+          </a:ln>
+        </p:spPr>
+        <p:txBody>
+          <a:bodyPr spcFirstLastPara="1" wrap="square" lIns="91425" tIns="91425" rIns="91425" bIns="91425" anchor="ctr" anchorCtr="0">
+            <a:noAutofit/>
+          </a:bodyPr>
+          <a:lstStyle/>
+          <a:p>
+            <a:pPr marL="457200" lvl="0" indent="-292100" algn="l" rtl="0">
+              <a:spcBef>
+                <a:spcPts val="0"/>
+              </a:spcBef>
+              <a:spcAft>
+                <a:spcPts val="0"/>
+              </a:spcAft>
+              <a:buSzPts val="1000"/>
+              <a:buChar char="●"/>
+            </a:pPr>
+            <a:r>
+              <a:rPr lang="pt-BR" sz="1000" dirty="0"/>
+              <a:t>Realizar orçamento</a:t>
+            </a:r>
+          </a:p>
+          <a:p>
+            <a:pPr marL="457200" lvl="0" indent="-292100" algn="l" rtl="0">
+              <a:spcBef>
+                <a:spcPts val="0"/>
+              </a:spcBef>
+              <a:spcAft>
+                <a:spcPts val="0"/>
+              </a:spcAft>
+              <a:buSzPts val="1000"/>
+              <a:buChar char="●"/>
+            </a:pPr>
+            <a:r>
+              <a:rPr lang="pt-BR" sz="1000" dirty="0"/>
+              <a:t>Obter orçamento</a:t>
+            </a:r>
+            <a:endParaRPr sz="1000" dirty="0"/>
+          </a:p>
+        </p:txBody>
+      </p:sp>
+      <p:sp>
+        <p:nvSpPr>
+          <p:cNvPr id="112" name="Google Shape;112;p15"/>
+          <p:cNvSpPr/>
+          <p:nvPr/>
+        </p:nvSpPr>
+        <p:spPr>
+          <a:xfrm>
+            <a:off x="3564401" y="1838788"/>
+            <a:ext cx="1140045" cy="531600"/>
+          </a:xfrm>
+          <a:prstGeom prst="roundRect">
+            <a:avLst>
+              <a:gd name="adj" fmla="val 16667"/>
+            </a:avLst>
+          </a:prstGeom>
+          <a:gradFill>
+            <a:gsLst>
+              <a:gs pos="0">
+                <a:srgbClr val="D4E5F5"/>
+              </a:gs>
+              <a:gs pos="100000">
+                <a:srgbClr val="70A4D5"/>
+              </a:gs>
+            </a:gsLst>
+            <a:path path="circle">
+              <a:fillToRect l="50000" t="50000" r="50000" b="50000"/>
+            </a:path>
+            <a:tileRect/>
+          </a:gradFill>
+          <a:ln w="9525" cap="flat" cmpd="sng">
+            <a:solidFill>
+              <a:srgbClr val="F3F3F3"/>
+            </a:solidFill>
+            <a:prstDash val="solid"/>
+            <a:round/>
+            <a:headEnd type="none" w="sm" len="sm"/>
+            <a:tailEnd type="none" w="sm" len="sm"/>
+          </a:ln>
+        </p:spPr>
+        <p:txBody>
+          <a:bodyPr spcFirstLastPara="1" wrap="square" lIns="91425" tIns="91425" rIns="91425" bIns="91425" anchor="ctr" anchorCtr="0">
+            <a:noAutofit/>
+          </a:bodyPr>
+          <a:lstStyle/>
+          <a:p>
+            <a:pPr marL="0" lvl="0" indent="0" algn="ctr" rtl="0">
+              <a:spcBef>
+                <a:spcPts val="0"/>
+              </a:spcBef>
+              <a:spcAft>
+                <a:spcPts val="0"/>
+              </a:spcAft>
+              <a:buNone/>
+            </a:pPr>
+            <a:r>
+              <a:rPr lang="pt-BR" sz="1000" dirty="0"/>
+              <a:t>Administração</a:t>
+            </a:r>
+            <a:endParaRPr sz="1000" dirty="0"/>
+          </a:p>
+        </p:txBody>
+      </p:sp>
+    </p:spTree>
+    <p:extLst>
+      <p:ext uri="{BB962C8B-B14F-4D97-AF65-F5344CB8AC3E}">
+        <p14:creationId xmlns:p14="http://schemas.microsoft.com/office/powerpoint/2010/main" val="2264270827"/>
+      </p:ext>
+    </p:extLst>
+  </p:cSld>
+  <p:clrMapOvr>
+    <a:masterClrMapping/>
+  </p:clrMapOvr>
+</p:sld>
+</file>
+
+<file path=ppt/slides/slide3.xml><?xml version="1.0" encoding="utf-8"?>
+<p:sld xmlns:a="http://schemas.openxmlformats.org/drawingml/2006/main" xmlns:r="http://schemas.openxmlformats.org/officeDocument/2006/relationships" xmlns:p="http://schemas.openxmlformats.org/presentationml/2006/main">
+  <p:cSld>
+    <p:spTree>
+      <p:nvGrpSpPr>
+        <p:cNvPr id="1" name="Shape 100"/>
+        <p:cNvGrpSpPr/>
+        <p:nvPr/>
+      </p:nvGrpSpPr>
+      <p:grpSpPr>
+        <a:xfrm>
+          <a:off x="0" y="0"/>
+          <a:ext cx="0" cy="0"/>
+          <a:chOff x="0" y="0"/>
+          <a:chExt cx="0" cy="0"/>
+        </a:xfrm>
+      </p:grpSpPr>
+      <p:sp>
+        <p:nvSpPr>
+          <p:cNvPr id="101" name="Google Shape;101;p15"/>
+          <p:cNvSpPr txBox="1"/>
+          <p:nvPr/>
+        </p:nvSpPr>
+        <p:spPr>
+          <a:xfrm>
+            <a:off x="130400" y="1445725"/>
+            <a:ext cx="8542500" cy="1367400"/>
+          </a:xfrm>
+          <a:prstGeom prst="rect">
+            <a:avLst/>
+          </a:prstGeom>
+          <a:noFill/>
+          <a:ln w="9525" cap="flat" cmpd="sng">
+            <a:solidFill>
+              <a:srgbClr val="FF9900"/>
+            </a:solidFill>
+            <a:prstDash val="solid"/>
+            <a:round/>
+            <a:headEnd type="none" w="sm" len="sm"/>
+            <a:tailEnd type="none" w="sm" len="sm"/>
+          </a:ln>
+        </p:spPr>
+        <p:txBody>
+          <a:bodyPr spcFirstLastPara="1" wrap="square" lIns="91425" tIns="91425" rIns="91425" bIns="91425" anchor="t" anchorCtr="0">
+            <a:noAutofit/>
+          </a:bodyPr>
+          <a:lstStyle/>
+          <a:p>
+            <a:pPr marL="0" lvl="0" indent="0" algn="l" rtl="0">
+              <a:spcBef>
+                <a:spcPts val="0"/>
+              </a:spcBef>
+              <a:spcAft>
+                <a:spcPts val="0"/>
+              </a:spcAft>
+              <a:buNone/>
+            </a:pPr>
+            <a:r>
+              <a:rPr lang="pt-BR" dirty="0"/>
+              <a:t>Nós Operacionais</a:t>
+            </a:r>
+            <a:endParaRPr dirty="0"/>
+          </a:p>
+        </p:txBody>
+      </p:sp>
+      <p:sp>
+        <p:nvSpPr>
+          <p:cNvPr id="102" name="Google Shape;102;p15"/>
+          <p:cNvSpPr/>
+          <p:nvPr/>
+        </p:nvSpPr>
+        <p:spPr>
+          <a:xfrm>
+            <a:off x="3659550" y="186275"/>
+            <a:ext cx="1815000" cy="771900"/>
+          </a:xfrm>
+          <a:prstGeom prst="wave">
+            <a:avLst>
+              <a:gd name="adj1" fmla="val 6999"/>
+              <a:gd name="adj2" fmla="val 0"/>
+            </a:avLst>
+          </a:prstGeom>
+          <a:solidFill>
+            <a:srgbClr val="F4CCCC"/>
+          </a:solidFill>
+          <a:ln w="9525" cap="flat" cmpd="sng">
+            <a:solidFill>
+              <a:srgbClr val="FFFFFF"/>
+            </a:solidFill>
+            <a:prstDash val="solid"/>
+            <a:round/>
+            <a:headEnd type="none" w="sm" len="sm"/>
+            <a:tailEnd type="none" w="sm" len="sm"/>
+          </a:ln>
+        </p:spPr>
+        <p:txBody>
+          <a:bodyPr spcFirstLastPara="1" wrap="square" lIns="91425" tIns="91425" rIns="91425" bIns="91425" anchor="ctr" anchorCtr="0">
+            <a:noAutofit/>
+          </a:bodyPr>
+          <a:lstStyle/>
+          <a:p>
+            <a:pPr marL="457200" lvl="0" indent="-292100" algn="l" rtl="0">
+              <a:spcBef>
+                <a:spcPts val="0"/>
+              </a:spcBef>
+              <a:spcAft>
+                <a:spcPts val="0"/>
+              </a:spcAft>
+              <a:buClr>
+                <a:schemeClr val="dk1"/>
+              </a:buClr>
+              <a:buSzPts val="1000"/>
+              <a:buChar char="❖"/>
+            </a:pPr>
+            <a:r>
+              <a:rPr lang="pt-BR" sz="1000" dirty="0">
+                <a:solidFill>
+                  <a:schemeClr val="dk1"/>
+                </a:solidFill>
+              </a:rPr>
+              <a:t>Agendar serviço </a:t>
+            </a:r>
+            <a:endParaRPr sz="1200" dirty="0"/>
+          </a:p>
+        </p:txBody>
+      </p:sp>
+      <p:grpSp>
+        <p:nvGrpSpPr>
+          <p:cNvPr id="103" name="Google Shape;103;p15"/>
+          <p:cNvGrpSpPr/>
+          <p:nvPr/>
+        </p:nvGrpSpPr>
+        <p:grpSpPr>
+          <a:xfrm>
+            <a:off x="1485327" y="1888715"/>
+            <a:ext cx="1021200" cy="830484"/>
+            <a:chOff x="2852000" y="3424900"/>
+            <a:chExt cx="1021200" cy="830484"/>
+          </a:xfrm>
+        </p:grpSpPr>
+        <p:grpSp>
+          <p:nvGrpSpPr>
+            <p:cNvPr id="104" name="Google Shape;104;p15"/>
+            <p:cNvGrpSpPr/>
+            <p:nvPr/>
+          </p:nvGrpSpPr>
+          <p:grpSpPr>
+            <a:xfrm>
+              <a:off x="3206355" y="3424900"/>
+              <a:ext cx="308885" cy="587736"/>
+              <a:chOff x="1499725" y="1450825"/>
+              <a:chExt cx="497400" cy="843600"/>
+            </a:xfrm>
+          </p:grpSpPr>
+          <p:sp>
+            <p:nvSpPr>
+              <p:cNvPr id="105" name="Google Shape;105;p15"/>
+              <p:cNvSpPr/>
+              <p:nvPr/>
+            </p:nvSpPr>
+            <p:spPr>
+              <a:xfrm>
+                <a:off x="1597825" y="1450825"/>
+                <a:ext cx="313200" cy="281400"/>
+              </a:xfrm>
+              <a:prstGeom prst="flowChartConnector">
+                <a:avLst/>
+              </a:prstGeom>
+              <a:solidFill>
+                <a:srgbClr val="EEEEEE"/>
+              </a:solidFill>
+              <a:ln w="9525" cap="flat" cmpd="sng">
+                <a:solidFill>
+                  <a:srgbClr val="595959"/>
+                </a:solidFill>
+                <a:prstDash val="solid"/>
+                <a:round/>
+                <a:headEnd type="none" w="sm" len="sm"/>
+                <a:tailEnd type="none" w="sm" len="sm"/>
+              </a:ln>
+            </p:spPr>
+            <p:txBody>
+              <a:bodyPr spcFirstLastPara="1" wrap="square" lIns="91425" tIns="91425" rIns="91425" bIns="91425" anchor="ctr" anchorCtr="0">
+                <a:noAutofit/>
+              </a:bodyPr>
+              <a:lstStyle/>
+              <a:p>
+                <a:pPr marL="0" lvl="0" indent="0" algn="l" rtl="0">
+                  <a:spcBef>
+                    <a:spcPts val="0"/>
+                  </a:spcBef>
+                  <a:spcAft>
+                    <a:spcPts val="0"/>
+                  </a:spcAft>
+                  <a:buNone/>
+                </a:pPr>
+                <a:endParaRPr dirty="0"/>
+              </a:p>
+            </p:txBody>
+          </p:sp>
+          <p:cxnSp>
+            <p:nvCxnSpPr>
+              <p:cNvPr id="106" name="Google Shape;106;p15"/>
+              <p:cNvCxnSpPr>
+                <a:stCxn id="105" idx="4"/>
+              </p:cNvCxnSpPr>
+              <p:nvPr/>
+            </p:nvCxnSpPr>
+            <p:spPr>
+              <a:xfrm flipH="1">
+                <a:off x="1748725" y="1732225"/>
+                <a:ext cx="5700" cy="293100"/>
+              </a:xfrm>
+              <a:prstGeom prst="straightConnector1">
+                <a:avLst/>
+              </a:prstGeom>
+              <a:noFill/>
+              <a:ln w="9525" cap="flat" cmpd="sng">
+                <a:solidFill>
+                  <a:srgbClr val="595959"/>
+                </a:solidFill>
+                <a:prstDash val="solid"/>
+                <a:round/>
+                <a:headEnd type="none" w="med" len="med"/>
+                <a:tailEnd type="none" w="med" len="med"/>
+              </a:ln>
+            </p:spPr>
+          </p:cxnSp>
+          <p:cxnSp>
+            <p:nvCxnSpPr>
+              <p:cNvPr id="107" name="Google Shape;107;p15"/>
+              <p:cNvCxnSpPr/>
+              <p:nvPr/>
+            </p:nvCxnSpPr>
+            <p:spPr>
+              <a:xfrm>
+                <a:off x="1527475" y="1858775"/>
+                <a:ext cx="453900" cy="1800"/>
+              </a:xfrm>
+              <a:prstGeom prst="straightConnector1">
+                <a:avLst/>
+              </a:prstGeom>
+              <a:noFill/>
+              <a:ln w="9525" cap="flat" cmpd="sng">
+                <a:solidFill>
+                  <a:srgbClr val="595959"/>
+                </a:solidFill>
+                <a:prstDash val="solid"/>
+                <a:round/>
+                <a:headEnd type="none" w="med" len="med"/>
+                <a:tailEnd type="none" w="med" len="med"/>
+              </a:ln>
+            </p:spPr>
+          </p:cxnSp>
+          <p:cxnSp>
+            <p:nvCxnSpPr>
+              <p:cNvPr id="108" name="Google Shape;108;p15"/>
+              <p:cNvCxnSpPr/>
+              <p:nvPr/>
+            </p:nvCxnSpPr>
+            <p:spPr>
+              <a:xfrm flipH="1">
+                <a:off x="1499725" y="2022925"/>
+                <a:ext cx="248700" cy="271500"/>
+              </a:xfrm>
+              <a:prstGeom prst="straightConnector1">
+                <a:avLst/>
+              </a:prstGeom>
+              <a:noFill/>
+              <a:ln w="9525" cap="flat" cmpd="sng">
+                <a:solidFill>
+                  <a:srgbClr val="595959"/>
+                </a:solidFill>
+                <a:prstDash val="solid"/>
+                <a:round/>
+                <a:headEnd type="none" w="med" len="med"/>
+                <a:tailEnd type="none" w="med" len="med"/>
+              </a:ln>
+            </p:spPr>
+          </p:cxnSp>
+          <p:cxnSp>
+            <p:nvCxnSpPr>
+              <p:cNvPr id="109" name="Google Shape;109;p15"/>
+              <p:cNvCxnSpPr/>
+              <p:nvPr/>
+            </p:nvCxnSpPr>
+            <p:spPr>
+              <a:xfrm rot="10800000">
+                <a:off x="1748425" y="2022925"/>
+                <a:ext cx="248700" cy="271500"/>
+              </a:xfrm>
+              <a:prstGeom prst="straightConnector1">
+                <a:avLst/>
+              </a:prstGeom>
+              <a:noFill/>
+              <a:ln w="9525" cap="flat" cmpd="sng">
+                <a:solidFill>
+                  <a:srgbClr val="595959"/>
+                </a:solidFill>
+                <a:prstDash val="solid"/>
+                <a:round/>
+                <a:headEnd type="none" w="med" len="med"/>
+                <a:tailEnd type="none" w="med" len="med"/>
+              </a:ln>
+            </p:spPr>
+          </p:cxnSp>
+        </p:grpSp>
+        <p:sp>
+          <p:nvSpPr>
+            <p:cNvPr id="110" name="Google Shape;110;p15"/>
+            <p:cNvSpPr txBox="1"/>
+            <p:nvPr/>
+          </p:nvSpPr>
+          <p:spPr>
+            <a:xfrm>
+              <a:off x="2852000" y="3912484"/>
+              <a:ext cx="1021200" cy="342900"/>
+            </a:xfrm>
+            <a:prstGeom prst="rect">
+              <a:avLst/>
+            </a:prstGeom>
+            <a:noFill/>
+            <a:ln>
+              <a:noFill/>
+            </a:ln>
+          </p:spPr>
+          <p:txBody>
+            <a:bodyPr spcFirstLastPara="1" wrap="square" lIns="91425" tIns="91425" rIns="91425" bIns="91425" anchor="t" anchorCtr="0">
+              <a:noAutofit/>
+            </a:bodyPr>
+            <a:lstStyle/>
+            <a:p>
+              <a:pPr marL="0" lvl="0" indent="0" algn="ctr" rtl="0">
+                <a:spcBef>
+                  <a:spcPts val="0"/>
+                </a:spcBef>
+                <a:spcAft>
+                  <a:spcPts val="0"/>
+                </a:spcAft>
+                <a:buNone/>
+              </a:pPr>
+              <a:r>
+                <a:rPr lang="pt-BR" sz="1200" b="1" dirty="0"/>
+                <a:t>Cliente</a:t>
+              </a:r>
+              <a:endParaRPr sz="1200" b="1" dirty="0"/>
+            </a:p>
+          </p:txBody>
+        </p:sp>
+      </p:grpSp>
+      <p:cxnSp>
+        <p:nvCxnSpPr>
+          <p:cNvPr id="111" name="Google Shape;111;p15"/>
+          <p:cNvCxnSpPr>
+            <a:stCxn id="112" idx="0"/>
+            <a:endCxn id="102" idx="2"/>
+          </p:cNvCxnSpPr>
+          <p:nvPr/>
+        </p:nvCxnSpPr>
+        <p:spPr>
+          <a:xfrm rot="5400000" flipH="1" flipV="1">
+            <a:off x="3834606" y="1106344"/>
+            <a:ext cx="934638" cy="530250"/>
+          </a:xfrm>
+          <a:prstGeom prst="curvedConnector5">
+            <a:avLst>
+              <a:gd name="adj1" fmla="val 47110"/>
+              <a:gd name="adj2" fmla="val 85085"/>
+              <a:gd name="adj3" fmla="val 88556"/>
+            </a:avLst>
+          </a:prstGeom>
+          <a:noFill/>
+          <a:ln w="9525" cap="flat" cmpd="sng">
+            <a:solidFill>
+              <a:schemeClr val="dk2"/>
+            </a:solidFill>
+            <a:prstDash val="solid"/>
+            <a:round/>
+            <a:headEnd type="none" w="med" len="med"/>
+            <a:tailEnd type="none" w="med" len="med"/>
+          </a:ln>
+        </p:spPr>
+      </p:cxnSp>
+      <p:sp>
+        <p:nvSpPr>
+          <p:cNvPr id="113" name="Google Shape;113;p15"/>
+          <p:cNvSpPr txBox="1"/>
+          <p:nvPr/>
+        </p:nvSpPr>
+        <p:spPr>
+          <a:xfrm>
+            <a:off x="130400" y="2813122"/>
+            <a:ext cx="8542500" cy="1367400"/>
+          </a:xfrm>
+          <a:prstGeom prst="rect">
+            <a:avLst/>
+          </a:prstGeom>
+          <a:noFill/>
+          <a:ln w="9525" cap="flat" cmpd="sng">
+            <a:solidFill>
+              <a:srgbClr val="FF9900"/>
+            </a:solidFill>
+            <a:prstDash val="solid"/>
+            <a:round/>
+            <a:headEnd type="none" w="sm" len="sm"/>
+            <a:tailEnd type="none" w="sm" len="sm"/>
+          </a:ln>
+        </p:spPr>
+        <p:txBody>
+          <a:bodyPr spcFirstLastPara="1" wrap="square" lIns="91425" tIns="91425" rIns="91425" bIns="91425" anchor="t" anchorCtr="0">
+            <a:noAutofit/>
+          </a:bodyPr>
+          <a:lstStyle/>
+          <a:p>
+            <a:pPr marL="0" lvl="0" indent="0" algn="l" rtl="0">
+              <a:spcBef>
+                <a:spcPts val="0"/>
+              </a:spcBef>
+              <a:spcAft>
+                <a:spcPts val="0"/>
+              </a:spcAft>
+              <a:buNone/>
+            </a:pPr>
+            <a:r>
+              <a:rPr lang="pt-BR" dirty="0"/>
+              <a:t>Capacidades Operacionais</a:t>
+            </a:r>
+            <a:endParaRPr dirty="0"/>
+          </a:p>
+        </p:txBody>
+      </p:sp>
+      <p:cxnSp>
+        <p:nvCxnSpPr>
+          <p:cNvPr id="114" name="Google Shape;114;p15"/>
+          <p:cNvCxnSpPr>
+            <a:stCxn id="105" idx="0"/>
+            <a:endCxn id="102" idx="2"/>
+          </p:cNvCxnSpPr>
+          <p:nvPr/>
+        </p:nvCxnSpPr>
+        <p:spPr>
+          <a:xfrm rot="-5400000">
+            <a:off x="2790151" y="111815"/>
+            <a:ext cx="984600" cy="2569200"/>
+          </a:xfrm>
+          <a:prstGeom prst="curvedConnector3">
+            <a:avLst>
+              <a:gd name="adj1" fmla="val 47358"/>
+            </a:avLst>
+          </a:prstGeom>
+          <a:noFill/>
+          <a:ln w="9525" cap="flat" cmpd="sng">
+            <a:solidFill>
+              <a:schemeClr val="dk2"/>
+            </a:solidFill>
+            <a:prstDash val="solid"/>
+            <a:round/>
+            <a:headEnd type="none" w="med" len="med"/>
+            <a:tailEnd type="none" w="med" len="med"/>
+          </a:ln>
+        </p:spPr>
+      </p:cxnSp>
+      <p:cxnSp>
+        <p:nvCxnSpPr>
+          <p:cNvPr id="124" name="Google Shape;124;p15"/>
+          <p:cNvCxnSpPr>
+            <a:stCxn id="112" idx="2"/>
+            <a:endCxn id="125" idx="1"/>
+          </p:cNvCxnSpPr>
+          <p:nvPr/>
+        </p:nvCxnSpPr>
+        <p:spPr>
+          <a:xfrm rot="16200000" flipH="1">
+            <a:off x="3841306" y="2565881"/>
+            <a:ext cx="1162012" cy="771025"/>
+          </a:xfrm>
+          <a:prstGeom prst="curvedConnector2">
+            <a:avLst/>
+          </a:prstGeom>
+          <a:noFill/>
+          <a:ln w="9525" cap="flat" cmpd="sng">
+            <a:solidFill>
+              <a:schemeClr val="dk2"/>
+            </a:solidFill>
+            <a:prstDash val="solid"/>
+            <a:round/>
+            <a:headEnd type="none" w="med" len="med"/>
+            <a:tailEnd type="none" w="med" len="med"/>
+          </a:ln>
+        </p:spPr>
+      </p:cxnSp>
+      <p:sp>
+        <p:nvSpPr>
+          <p:cNvPr id="125" name="Google Shape;125;p15"/>
+          <p:cNvSpPr/>
+          <p:nvPr/>
+        </p:nvSpPr>
+        <p:spPr>
+          <a:xfrm>
+            <a:off x="4807825" y="3266600"/>
+            <a:ext cx="1723200" cy="531600"/>
+          </a:xfrm>
+          <a:prstGeom prst="bracketPair">
+            <a:avLst/>
+          </a:prstGeom>
+          <a:noFill/>
+          <a:ln w="9525" cap="flat" cmpd="sng">
+            <a:solidFill>
+              <a:schemeClr val="dk2"/>
+            </a:solidFill>
+            <a:prstDash val="solid"/>
+            <a:round/>
+            <a:headEnd type="none" w="sm" len="sm"/>
+            <a:tailEnd type="none" w="sm" len="sm"/>
+          </a:ln>
+        </p:spPr>
+        <p:txBody>
+          <a:bodyPr spcFirstLastPara="1" wrap="square" lIns="91425" tIns="91425" rIns="91425" bIns="91425" anchor="ctr" anchorCtr="0">
+            <a:noAutofit/>
+          </a:bodyPr>
+          <a:lstStyle/>
+          <a:p>
+            <a:pPr marL="457200" lvl="0" indent="-292100" algn="l" rtl="0">
+              <a:spcBef>
+                <a:spcPts val="0"/>
+              </a:spcBef>
+              <a:spcAft>
+                <a:spcPts val="0"/>
+              </a:spcAft>
+              <a:buSzPts val="1000"/>
+              <a:buChar char="●"/>
+            </a:pPr>
+            <a:r>
+              <a:rPr lang="pt-BR" sz="1000" dirty="0"/>
+              <a:t>Agendar serviço</a:t>
+            </a:r>
+            <a:endParaRPr sz="1000" dirty="0"/>
+          </a:p>
+        </p:txBody>
+      </p:sp>
+      <p:sp>
+        <p:nvSpPr>
+          <p:cNvPr id="112" name="Google Shape;112;p15"/>
+          <p:cNvSpPr/>
+          <p:nvPr/>
+        </p:nvSpPr>
+        <p:spPr>
+          <a:xfrm>
+            <a:off x="3506598" y="1838788"/>
+            <a:ext cx="1060404" cy="531600"/>
+          </a:xfrm>
+          <a:prstGeom prst="roundRect">
+            <a:avLst>
+              <a:gd name="adj" fmla="val 16667"/>
+            </a:avLst>
+          </a:prstGeom>
+          <a:gradFill>
+            <a:gsLst>
+              <a:gs pos="0">
+                <a:srgbClr val="D4E5F5"/>
+              </a:gs>
+              <a:gs pos="100000">
+                <a:srgbClr val="70A4D5"/>
+              </a:gs>
+            </a:gsLst>
+            <a:path path="circle">
+              <a:fillToRect l="50000" t="50000" r="50000" b="50000"/>
+            </a:path>
+            <a:tileRect/>
+          </a:gradFill>
+          <a:ln w="9525" cap="flat" cmpd="sng">
+            <a:solidFill>
+              <a:srgbClr val="F3F3F3"/>
+            </a:solidFill>
+            <a:prstDash val="solid"/>
+            <a:round/>
+            <a:headEnd type="none" w="sm" len="sm"/>
+            <a:tailEnd type="none" w="sm" len="sm"/>
+          </a:ln>
+        </p:spPr>
+        <p:txBody>
+          <a:bodyPr spcFirstLastPara="1" wrap="square" lIns="91425" tIns="91425" rIns="91425" bIns="91425" anchor="ctr" anchorCtr="0">
+            <a:noAutofit/>
+          </a:bodyPr>
+          <a:lstStyle/>
+          <a:p>
+            <a:pPr marL="0" lvl="0" indent="0" algn="ctr" rtl="0">
+              <a:spcBef>
+                <a:spcPts val="0"/>
+              </a:spcBef>
+              <a:spcAft>
+                <a:spcPts val="0"/>
+              </a:spcAft>
+              <a:buNone/>
+            </a:pPr>
+            <a:r>
+              <a:rPr lang="pt-BR" sz="1000" dirty="0"/>
+              <a:t>Administração</a:t>
+            </a:r>
+            <a:endParaRPr sz="1000" dirty="0"/>
+          </a:p>
+        </p:txBody>
+      </p:sp>
+    </p:spTree>
+  </p:cSld>
+  <p:clrMapOvr>
+    <a:masterClrMapping/>
+  </p:clrMapOvr>
+</p:sld>
+</file>
+
+<file path=ppt/slides/slide4.xml><?xml version="1.0" encoding="utf-8"?>
+<p:sld xmlns:a="http://schemas.openxmlformats.org/drawingml/2006/main" xmlns:r="http://schemas.openxmlformats.org/officeDocument/2006/relationships" xmlns:p="http://schemas.openxmlformats.org/presentationml/2006/main">
+  <p:cSld>
+    <p:spTree>
+      <p:nvGrpSpPr>
+        <p:cNvPr id="1" name="Shape 100"/>
+        <p:cNvGrpSpPr/>
+        <p:nvPr/>
+      </p:nvGrpSpPr>
+      <p:grpSpPr>
+        <a:xfrm>
+          <a:off x="0" y="0"/>
+          <a:ext cx="0" cy="0"/>
+          <a:chOff x="0" y="0"/>
+          <a:chExt cx="0" cy="0"/>
+        </a:xfrm>
+      </p:grpSpPr>
+      <p:sp>
+        <p:nvSpPr>
+          <p:cNvPr id="101" name="Google Shape;101;p15"/>
+          <p:cNvSpPr txBox="1"/>
+          <p:nvPr/>
+        </p:nvSpPr>
+        <p:spPr>
+          <a:xfrm>
+            <a:off x="130400" y="1445725"/>
+            <a:ext cx="8542500" cy="1367400"/>
+          </a:xfrm>
+          <a:prstGeom prst="rect">
+            <a:avLst/>
+          </a:prstGeom>
+          <a:noFill/>
+          <a:ln w="9525" cap="flat" cmpd="sng">
+            <a:solidFill>
+              <a:srgbClr val="FF9900"/>
+            </a:solidFill>
+            <a:prstDash val="solid"/>
+            <a:round/>
+            <a:headEnd type="none" w="sm" len="sm"/>
+            <a:tailEnd type="none" w="sm" len="sm"/>
+          </a:ln>
+        </p:spPr>
+        <p:txBody>
+          <a:bodyPr spcFirstLastPara="1" wrap="square" lIns="91425" tIns="91425" rIns="91425" bIns="91425" anchor="t" anchorCtr="0">
+            <a:noAutofit/>
+          </a:bodyPr>
+          <a:lstStyle/>
+          <a:p>
+            <a:pPr marL="0" lvl="0" indent="0" algn="l" rtl="0">
+              <a:spcBef>
+                <a:spcPts val="0"/>
+              </a:spcBef>
+              <a:spcAft>
+                <a:spcPts val="0"/>
+              </a:spcAft>
+              <a:buNone/>
+            </a:pPr>
+            <a:r>
+              <a:rPr lang="pt-BR" dirty="0"/>
+              <a:t>Nós Operacionais</a:t>
+            </a:r>
+            <a:endParaRPr dirty="0"/>
+          </a:p>
+        </p:txBody>
+      </p:sp>
+      <p:sp>
+        <p:nvSpPr>
+          <p:cNvPr id="102" name="Google Shape;102;p15"/>
+          <p:cNvSpPr/>
+          <p:nvPr/>
+        </p:nvSpPr>
+        <p:spPr>
+          <a:xfrm>
+            <a:off x="3659550" y="186275"/>
+            <a:ext cx="1815000" cy="771900"/>
+          </a:xfrm>
+          <a:prstGeom prst="wave">
+            <a:avLst>
+              <a:gd name="adj1" fmla="val 6999"/>
+              <a:gd name="adj2" fmla="val 0"/>
+            </a:avLst>
+          </a:prstGeom>
+          <a:solidFill>
+            <a:srgbClr val="F4CCCC"/>
+          </a:solidFill>
+          <a:ln w="9525" cap="flat" cmpd="sng">
+            <a:solidFill>
+              <a:srgbClr val="FFFFFF"/>
+            </a:solidFill>
+            <a:prstDash val="solid"/>
+            <a:round/>
+            <a:headEnd type="none" w="sm" len="sm"/>
+            <a:tailEnd type="none" w="sm" len="sm"/>
+          </a:ln>
+        </p:spPr>
+        <p:txBody>
+          <a:bodyPr spcFirstLastPara="1" wrap="square" lIns="91425" tIns="91425" rIns="91425" bIns="91425" anchor="ctr" anchorCtr="0">
+            <a:noAutofit/>
+          </a:bodyPr>
+          <a:lstStyle/>
+          <a:p>
+            <a:pPr marL="457200" lvl="0" indent="-292100" algn="l" rtl="0">
+              <a:spcBef>
+                <a:spcPts val="0"/>
+              </a:spcBef>
+              <a:spcAft>
+                <a:spcPts val="0"/>
+              </a:spcAft>
+              <a:buClr>
+                <a:schemeClr val="dk1"/>
+              </a:buClr>
+              <a:buSzPts val="1000"/>
+              <a:buChar char="❖"/>
+            </a:pPr>
+            <a:r>
+              <a:rPr lang="pt-BR" sz="1000" dirty="0">
+                <a:solidFill>
+                  <a:schemeClr val="dk1"/>
+                </a:solidFill>
+              </a:rPr>
+              <a:t>Fechar contrato</a:t>
+            </a:r>
+            <a:endParaRPr sz="1200" dirty="0"/>
+          </a:p>
+        </p:txBody>
+      </p:sp>
+      <p:cxnSp>
+        <p:nvCxnSpPr>
+          <p:cNvPr id="111" name="Google Shape;111;p15"/>
+          <p:cNvCxnSpPr>
+            <a:stCxn id="112" idx="0"/>
+            <a:endCxn id="102" idx="2"/>
+          </p:cNvCxnSpPr>
+          <p:nvPr/>
+        </p:nvCxnSpPr>
+        <p:spPr>
+          <a:xfrm rot="5400000" flipH="1" flipV="1">
+            <a:off x="3832509" y="1104247"/>
+            <a:ext cx="934638" cy="534444"/>
+          </a:xfrm>
+          <a:prstGeom prst="curvedConnector5">
+            <a:avLst>
+              <a:gd name="adj1" fmla="val 47110"/>
+              <a:gd name="adj2" fmla="val 3579"/>
+              <a:gd name="adj3" fmla="val 67912"/>
+            </a:avLst>
+          </a:prstGeom>
+          <a:noFill/>
+          <a:ln w="9525" cap="flat" cmpd="sng">
+            <a:solidFill>
+              <a:schemeClr val="dk2"/>
+            </a:solidFill>
+            <a:prstDash val="solid"/>
+            <a:round/>
+            <a:headEnd type="none" w="med" len="med"/>
+            <a:tailEnd type="none" w="med" len="med"/>
+          </a:ln>
+        </p:spPr>
+      </p:cxnSp>
+      <p:sp>
+        <p:nvSpPr>
+          <p:cNvPr id="113" name="Google Shape;113;p15"/>
+          <p:cNvSpPr txBox="1"/>
+          <p:nvPr/>
+        </p:nvSpPr>
+        <p:spPr>
+          <a:xfrm>
+            <a:off x="130400" y="2813122"/>
+            <a:ext cx="8542500" cy="1367400"/>
+          </a:xfrm>
+          <a:prstGeom prst="rect">
+            <a:avLst/>
+          </a:prstGeom>
+          <a:noFill/>
+          <a:ln w="9525" cap="flat" cmpd="sng">
+            <a:solidFill>
+              <a:srgbClr val="FF9900"/>
+            </a:solidFill>
+            <a:prstDash val="solid"/>
+            <a:round/>
+            <a:headEnd type="none" w="sm" len="sm"/>
+            <a:tailEnd type="none" w="sm" len="sm"/>
+          </a:ln>
+        </p:spPr>
+        <p:txBody>
+          <a:bodyPr spcFirstLastPara="1" wrap="square" lIns="91425" tIns="91425" rIns="91425" bIns="91425" anchor="t" anchorCtr="0">
+            <a:noAutofit/>
+          </a:bodyPr>
+          <a:lstStyle/>
+          <a:p>
+            <a:pPr marL="0" lvl="0" indent="0" algn="l" rtl="0">
+              <a:spcBef>
+                <a:spcPts val="0"/>
+              </a:spcBef>
+              <a:spcAft>
+                <a:spcPts val="0"/>
+              </a:spcAft>
+              <a:buNone/>
+            </a:pPr>
+            <a:r>
+              <a:rPr lang="pt-BR" dirty="0"/>
+              <a:t>Capacidades Operacionais</a:t>
+            </a:r>
+            <a:endParaRPr dirty="0"/>
+          </a:p>
+        </p:txBody>
+      </p:sp>
+      <p:grpSp>
+        <p:nvGrpSpPr>
+          <p:cNvPr id="115" name="Google Shape;115;p15"/>
+          <p:cNvGrpSpPr/>
+          <p:nvPr/>
+        </p:nvGrpSpPr>
+        <p:grpSpPr>
+          <a:xfrm>
+            <a:off x="6116076" y="1714176"/>
+            <a:ext cx="897119" cy="830488"/>
+            <a:chOff x="6787874" y="3204287"/>
+            <a:chExt cx="897119" cy="830488"/>
+          </a:xfrm>
+        </p:grpSpPr>
+        <p:grpSp>
+          <p:nvGrpSpPr>
+            <p:cNvPr id="116" name="Google Shape;116;p15"/>
+            <p:cNvGrpSpPr/>
+            <p:nvPr/>
+          </p:nvGrpSpPr>
+          <p:grpSpPr>
+            <a:xfrm>
+              <a:off x="7044733" y="3204287"/>
+              <a:ext cx="308885" cy="587736"/>
+              <a:chOff x="1499725" y="1450825"/>
+              <a:chExt cx="497400" cy="843600"/>
+            </a:xfrm>
+          </p:grpSpPr>
+          <p:sp>
+            <p:nvSpPr>
+              <p:cNvPr id="117" name="Google Shape;117;p15"/>
+              <p:cNvSpPr/>
+              <p:nvPr/>
+            </p:nvSpPr>
+            <p:spPr>
+              <a:xfrm>
+                <a:off x="1597825" y="1450825"/>
+                <a:ext cx="313200" cy="281400"/>
+              </a:xfrm>
+              <a:prstGeom prst="flowChartConnector">
+                <a:avLst/>
+              </a:prstGeom>
+              <a:solidFill>
+                <a:srgbClr val="EEEEEE"/>
+              </a:solidFill>
+              <a:ln w="9525" cap="flat" cmpd="sng">
+                <a:solidFill>
+                  <a:srgbClr val="595959"/>
+                </a:solidFill>
+                <a:prstDash val="solid"/>
+                <a:round/>
+                <a:headEnd type="none" w="sm" len="sm"/>
+                <a:tailEnd type="none" w="sm" len="sm"/>
+              </a:ln>
+            </p:spPr>
+            <p:txBody>
+              <a:bodyPr spcFirstLastPara="1" wrap="square" lIns="91425" tIns="91425" rIns="91425" bIns="91425" anchor="ctr" anchorCtr="0">
+                <a:noAutofit/>
+              </a:bodyPr>
+              <a:lstStyle/>
+              <a:p>
+                <a:pPr marL="0" lvl="0" indent="0" algn="l" rtl="0">
+                  <a:spcBef>
+                    <a:spcPts val="0"/>
+                  </a:spcBef>
+                  <a:spcAft>
+                    <a:spcPts val="0"/>
+                  </a:spcAft>
+                  <a:buNone/>
+                </a:pPr>
+                <a:endParaRPr dirty="0"/>
+              </a:p>
+            </p:txBody>
+          </p:sp>
+          <p:cxnSp>
+            <p:nvCxnSpPr>
+              <p:cNvPr id="118" name="Google Shape;118;p15"/>
+              <p:cNvCxnSpPr>
+                <a:stCxn id="117" idx="4"/>
+              </p:cNvCxnSpPr>
+              <p:nvPr/>
+            </p:nvCxnSpPr>
+            <p:spPr>
+              <a:xfrm flipH="1">
+                <a:off x="1748725" y="1732225"/>
+                <a:ext cx="5700" cy="293100"/>
+              </a:xfrm>
+              <a:prstGeom prst="straightConnector1">
+                <a:avLst/>
+              </a:prstGeom>
+              <a:noFill/>
+              <a:ln w="9525" cap="flat" cmpd="sng">
+                <a:solidFill>
+                  <a:srgbClr val="595959"/>
+                </a:solidFill>
+                <a:prstDash val="solid"/>
+                <a:round/>
+                <a:headEnd type="none" w="med" len="med"/>
+                <a:tailEnd type="none" w="med" len="med"/>
+              </a:ln>
+            </p:spPr>
+          </p:cxnSp>
+          <p:cxnSp>
+            <p:nvCxnSpPr>
+              <p:cNvPr id="119" name="Google Shape;119;p15"/>
+              <p:cNvCxnSpPr/>
+              <p:nvPr/>
+            </p:nvCxnSpPr>
+            <p:spPr>
+              <a:xfrm>
+                <a:off x="1527475" y="1858775"/>
+                <a:ext cx="453900" cy="1800"/>
+              </a:xfrm>
+              <a:prstGeom prst="straightConnector1">
+                <a:avLst/>
+              </a:prstGeom>
+              <a:noFill/>
+              <a:ln w="9525" cap="flat" cmpd="sng">
+                <a:solidFill>
+                  <a:srgbClr val="595959"/>
+                </a:solidFill>
+                <a:prstDash val="solid"/>
+                <a:round/>
+                <a:headEnd type="none" w="med" len="med"/>
+                <a:tailEnd type="none" w="med" len="med"/>
+              </a:ln>
+            </p:spPr>
+          </p:cxnSp>
+          <p:cxnSp>
+            <p:nvCxnSpPr>
+              <p:cNvPr id="120" name="Google Shape;120;p15"/>
+              <p:cNvCxnSpPr/>
+              <p:nvPr/>
+            </p:nvCxnSpPr>
+            <p:spPr>
+              <a:xfrm flipH="1">
+                <a:off x="1499725" y="2022925"/>
+                <a:ext cx="248700" cy="271500"/>
+              </a:xfrm>
+              <a:prstGeom prst="straightConnector1">
+                <a:avLst/>
+              </a:prstGeom>
+              <a:noFill/>
+              <a:ln w="9525" cap="flat" cmpd="sng">
+                <a:solidFill>
+                  <a:srgbClr val="595959"/>
+                </a:solidFill>
+                <a:prstDash val="solid"/>
+                <a:round/>
+                <a:headEnd type="none" w="med" len="med"/>
+                <a:tailEnd type="none" w="med" len="med"/>
+              </a:ln>
+            </p:spPr>
+          </p:cxnSp>
+          <p:cxnSp>
+            <p:nvCxnSpPr>
+              <p:cNvPr id="121" name="Google Shape;121;p15"/>
+              <p:cNvCxnSpPr/>
+              <p:nvPr/>
+            </p:nvCxnSpPr>
+            <p:spPr>
+              <a:xfrm rot="10800000">
+                <a:off x="1748425" y="2022925"/>
+                <a:ext cx="248700" cy="271500"/>
+              </a:xfrm>
+              <a:prstGeom prst="straightConnector1">
+                <a:avLst/>
+              </a:prstGeom>
+              <a:noFill/>
+              <a:ln w="9525" cap="flat" cmpd="sng">
+                <a:solidFill>
+                  <a:srgbClr val="595959"/>
+                </a:solidFill>
+                <a:prstDash val="solid"/>
+                <a:round/>
+                <a:headEnd type="none" w="med" len="med"/>
+                <a:tailEnd type="none" w="med" len="med"/>
+              </a:ln>
+            </p:spPr>
+          </p:cxnSp>
+        </p:grpSp>
+        <p:sp>
+          <p:nvSpPr>
+            <p:cNvPr id="122" name="Google Shape;122;p15"/>
+            <p:cNvSpPr txBox="1"/>
+            <p:nvPr/>
+          </p:nvSpPr>
+          <p:spPr>
+            <a:xfrm>
+              <a:off x="6787874" y="3691875"/>
+              <a:ext cx="897119" cy="342900"/>
+            </a:xfrm>
+            <a:prstGeom prst="rect">
+              <a:avLst/>
+            </a:prstGeom>
+            <a:noFill/>
+            <a:ln>
+              <a:noFill/>
+            </a:ln>
+          </p:spPr>
+          <p:txBody>
+            <a:bodyPr spcFirstLastPara="1" wrap="square" lIns="91425" tIns="91425" rIns="91425" bIns="91425" anchor="t" anchorCtr="0">
+              <a:noAutofit/>
+            </a:bodyPr>
+            <a:lstStyle/>
+            <a:p>
+              <a:pPr marL="0" lvl="0" indent="0" algn="ctr" rtl="0">
+                <a:spcBef>
+                  <a:spcPts val="0"/>
+                </a:spcBef>
+                <a:spcAft>
+                  <a:spcPts val="0"/>
+                </a:spcAft>
+                <a:buNone/>
+              </a:pPr>
+              <a:r>
+                <a:rPr lang="pt-BR" sz="1200" b="1" dirty="0"/>
+                <a:t>Tatuador</a:t>
+              </a:r>
+              <a:endParaRPr sz="1200" b="1" dirty="0"/>
+            </a:p>
+          </p:txBody>
+        </p:sp>
+      </p:grpSp>
+      <p:cxnSp>
+        <p:nvCxnSpPr>
+          <p:cNvPr id="123" name="Google Shape;123;p15"/>
+          <p:cNvCxnSpPr>
+            <a:stCxn id="117" idx="0"/>
+            <a:endCxn id="102" idx="2"/>
+          </p:cNvCxnSpPr>
+          <p:nvPr/>
+        </p:nvCxnSpPr>
+        <p:spPr>
+          <a:xfrm rot="5400000" flipH="1">
+            <a:off x="5144053" y="327126"/>
+            <a:ext cx="810000" cy="1964100"/>
+          </a:xfrm>
+          <a:prstGeom prst="curvedConnector3">
+            <a:avLst>
+              <a:gd name="adj1" fmla="val 46793"/>
+            </a:avLst>
+          </a:prstGeom>
+          <a:noFill/>
+          <a:ln w="9525" cap="flat" cmpd="sng">
+            <a:solidFill>
+              <a:schemeClr val="dk2"/>
+            </a:solidFill>
+            <a:prstDash val="solid"/>
+            <a:round/>
+            <a:headEnd type="none" w="med" len="med"/>
+            <a:tailEnd type="none" w="med" len="med"/>
+          </a:ln>
+        </p:spPr>
+      </p:cxnSp>
+      <p:cxnSp>
+        <p:nvCxnSpPr>
+          <p:cNvPr id="124" name="Google Shape;124;p15"/>
+          <p:cNvCxnSpPr>
+            <a:stCxn id="112" idx="2"/>
+            <a:endCxn id="125" idx="1"/>
+          </p:cNvCxnSpPr>
+          <p:nvPr/>
+        </p:nvCxnSpPr>
+        <p:spPr>
+          <a:xfrm rot="16200000" flipH="1">
+            <a:off x="3839209" y="2563784"/>
+            <a:ext cx="1162012" cy="775219"/>
+          </a:xfrm>
+          <a:prstGeom prst="curvedConnector2">
+            <a:avLst/>
+          </a:prstGeom>
+          <a:noFill/>
+          <a:ln w="9525" cap="flat" cmpd="sng">
+            <a:solidFill>
+              <a:schemeClr val="dk2"/>
+            </a:solidFill>
+            <a:prstDash val="solid"/>
+            <a:round/>
+            <a:headEnd type="none" w="med" len="med"/>
+            <a:tailEnd type="none" w="med" len="med"/>
+          </a:ln>
+        </p:spPr>
+      </p:cxnSp>
+      <p:sp>
+        <p:nvSpPr>
+          <p:cNvPr id="125" name="Google Shape;125;p15"/>
+          <p:cNvSpPr/>
+          <p:nvPr/>
+        </p:nvSpPr>
+        <p:spPr>
+          <a:xfrm>
+            <a:off x="4807825" y="3266600"/>
+            <a:ext cx="1723200" cy="531600"/>
+          </a:xfrm>
+          <a:prstGeom prst="bracketPair">
+            <a:avLst/>
+          </a:prstGeom>
+          <a:noFill/>
+          <a:ln w="9525" cap="flat" cmpd="sng">
+            <a:solidFill>
+              <a:schemeClr val="dk2"/>
+            </a:solidFill>
+            <a:prstDash val="solid"/>
+            <a:round/>
+            <a:headEnd type="none" w="sm" len="sm"/>
+            <a:tailEnd type="none" w="sm" len="sm"/>
+          </a:ln>
+        </p:spPr>
+        <p:txBody>
+          <a:bodyPr spcFirstLastPara="1" wrap="square" lIns="91425" tIns="91425" rIns="91425" bIns="91425" anchor="ctr" anchorCtr="0">
+            <a:noAutofit/>
+          </a:bodyPr>
+          <a:lstStyle/>
+          <a:p>
+            <a:pPr marL="457200" lvl="0" indent="-292100" algn="l" rtl="0">
+              <a:spcBef>
+                <a:spcPts val="0"/>
+              </a:spcBef>
+              <a:spcAft>
+                <a:spcPts val="0"/>
+              </a:spcAft>
+              <a:buSzPts val="1000"/>
+              <a:buChar char="●"/>
+            </a:pPr>
+            <a:r>
+              <a:rPr lang="pt-BR" sz="1000" dirty="0"/>
+              <a:t>Fechar contrato</a:t>
+            </a:r>
+            <a:endParaRPr sz="1000" dirty="0"/>
+          </a:p>
+        </p:txBody>
+      </p:sp>
+      <p:sp>
+        <p:nvSpPr>
+          <p:cNvPr id="112" name="Google Shape;112;p15"/>
+          <p:cNvSpPr/>
+          <p:nvPr/>
+        </p:nvSpPr>
+        <p:spPr>
+          <a:xfrm>
+            <a:off x="3498209" y="1838788"/>
+            <a:ext cx="1068793" cy="531600"/>
+          </a:xfrm>
+          <a:prstGeom prst="roundRect">
+            <a:avLst>
+              <a:gd name="adj" fmla="val 16667"/>
+            </a:avLst>
+          </a:prstGeom>
+          <a:gradFill>
+            <a:gsLst>
+              <a:gs pos="0">
+                <a:srgbClr val="D4E5F5"/>
+              </a:gs>
+              <a:gs pos="100000">
+                <a:srgbClr val="70A4D5"/>
+              </a:gs>
+            </a:gsLst>
+            <a:path path="circle">
+              <a:fillToRect l="50000" t="50000" r="50000" b="50000"/>
+            </a:path>
+            <a:tileRect/>
+          </a:gradFill>
+          <a:ln w="9525" cap="flat" cmpd="sng">
+            <a:solidFill>
+              <a:srgbClr val="F3F3F3"/>
+            </a:solidFill>
+            <a:prstDash val="solid"/>
+            <a:round/>
+            <a:headEnd type="none" w="sm" len="sm"/>
+            <a:tailEnd type="none" w="sm" len="sm"/>
+          </a:ln>
+        </p:spPr>
+        <p:txBody>
+          <a:bodyPr spcFirstLastPara="1" wrap="square" lIns="91425" tIns="91425" rIns="91425" bIns="91425" anchor="ctr" anchorCtr="0">
+            <a:noAutofit/>
+          </a:bodyPr>
+          <a:lstStyle/>
+          <a:p>
+            <a:pPr marL="0" lvl="0" indent="0" algn="ctr" rtl="0">
+              <a:spcBef>
+                <a:spcPts val="0"/>
+              </a:spcBef>
+              <a:spcAft>
+                <a:spcPts val="0"/>
+              </a:spcAft>
+              <a:buNone/>
+            </a:pPr>
+            <a:r>
+              <a:rPr lang="pt-BR" sz="1000" dirty="0"/>
+              <a:t>Administração</a:t>
+            </a:r>
+            <a:endParaRPr sz="1000" dirty="0"/>
+          </a:p>
+        </p:txBody>
+      </p:sp>
+    </p:spTree>
+    <p:extLst>
+      <p:ext uri="{BB962C8B-B14F-4D97-AF65-F5344CB8AC3E}">
+        <p14:creationId xmlns:p14="http://schemas.microsoft.com/office/powerpoint/2010/main" val="332632794"/>
+      </p:ext>
+    </p:extLst>
+  </p:cSld>
+  <p:clrMapOvr>
+    <a:masterClrMapping/>
+  </p:clrMapOvr>
+</p:sld>
+</file>
+
+<file path=ppt/slides/slide5.xml><?xml version="1.0" encoding="utf-8"?>
+<p:sld xmlns:a="http://schemas.openxmlformats.org/drawingml/2006/main" xmlns:r="http://schemas.openxmlformats.org/officeDocument/2006/relationships" xmlns:p="http://schemas.openxmlformats.org/presentationml/2006/main">
+  <p:cSld>
+    <p:spTree>
+      <p:nvGrpSpPr>
+        <p:cNvPr id="1" name="Shape 100"/>
+        <p:cNvGrpSpPr/>
+        <p:nvPr/>
+      </p:nvGrpSpPr>
+      <p:grpSpPr>
+        <a:xfrm>
+          <a:off x="0" y="0"/>
+          <a:ext cx="0" cy="0"/>
+          <a:chOff x="0" y="0"/>
+          <a:chExt cx="0" cy="0"/>
+        </a:xfrm>
+      </p:grpSpPr>
+      <p:sp>
+        <p:nvSpPr>
+          <p:cNvPr id="101" name="Google Shape;101;p15"/>
+          <p:cNvSpPr txBox="1"/>
+          <p:nvPr/>
+        </p:nvSpPr>
+        <p:spPr>
+          <a:xfrm>
+            <a:off x="130400" y="1445725"/>
+            <a:ext cx="8542500" cy="1367400"/>
+          </a:xfrm>
+          <a:prstGeom prst="rect">
+            <a:avLst/>
+          </a:prstGeom>
+          <a:noFill/>
+          <a:ln w="9525" cap="flat" cmpd="sng">
+            <a:solidFill>
+              <a:srgbClr val="FF9900"/>
+            </a:solidFill>
+            <a:prstDash val="solid"/>
+            <a:round/>
+            <a:headEnd type="none" w="sm" len="sm"/>
+            <a:tailEnd type="none" w="sm" len="sm"/>
+          </a:ln>
+        </p:spPr>
+        <p:txBody>
+          <a:bodyPr spcFirstLastPara="1" wrap="square" lIns="91425" tIns="91425" rIns="91425" bIns="91425" anchor="t" anchorCtr="0">
+            <a:noAutofit/>
+          </a:bodyPr>
+          <a:lstStyle/>
+          <a:p>
+            <a:pPr marL="0" lvl="0" indent="0" algn="l" rtl="0">
+              <a:spcBef>
+                <a:spcPts val="0"/>
+              </a:spcBef>
+              <a:spcAft>
+                <a:spcPts val="0"/>
+              </a:spcAft>
+              <a:buNone/>
+            </a:pPr>
+            <a:r>
+              <a:rPr lang="pt-BR" dirty="0"/>
+              <a:t>Nós Operacionais</a:t>
+            </a:r>
+            <a:endParaRPr dirty="0"/>
+          </a:p>
+        </p:txBody>
+      </p:sp>
+      <p:sp>
+        <p:nvSpPr>
+          <p:cNvPr id="102" name="Google Shape;102;p15"/>
+          <p:cNvSpPr/>
+          <p:nvPr/>
+        </p:nvSpPr>
+        <p:spPr>
+          <a:xfrm>
+            <a:off x="3659550" y="186275"/>
+            <a:ext cx="1815000" cy="771900"/>
+          </a:xfrm>
+          <a:prstGeom prst="wave">
+            <a:avLst>
+              <a:gd name="adj1" fmla="val 6999"/>
+              <a:gd name="adj2" fmla="val 0"/>
+            </a:avLst>
+          </a:prstGeom>
+          <a:solidFill>
+            <a:srgbClr val="F4CCCC"/>
+          </a:solidFill>
+          <a:ln w="9525" cap="flat" cmpd="sng">
+            <a:solidFill>
+              <a:srgbClr val="FFFFFF"/>
+            </a:solidFill>
+            <a:prstDash val="solid"/>
+            <a:round/>
+            <a:headEnd type="none" w="sm" len="sm"/>
+            <a:tailEnd type="none" w="sm" len="sm"/>
+          </a:ln>
+        </p:spPr>
+        <p:txBody>
+          <a:bodyPr spcFirstLastPara="1" wrap="square" lIns="91425" tIns="91425" rIns="91425" bIns="91425" anchor="ctr" anchorCtr="0">
+            <a:noAutofit/>
+          </a:bodyPr>
+          <a:lstStyle/>
+          <a:p>
+            <a:pPr marL="457200" lvl="0" indent="-292100" algn="l" rtl="0">
+              <a:spcBef>
+                <a:spcPts val="0"/>
+              </a:spcBef>
+              <a:spcAft>
+                <a:spcPts val="0"/>
+              </a:spcAft>
+              <a:buClr>
+                <a:schemeClr val="dk1"/>
+              </a:buClr>
+              <a:buSzPts val="1000"/>
+              <a:buChar char="❖"/>
+            </a:pPr>
+            <a:r>
+              <a:rPr lang="pt-BR" sz="1000" dirty="0">
+                <a:solidFill>
+                  <a:schemeClr val="dk1"/>
+                </a:solidFill>
+              </a:rPr>
+              <a:t>Realizar serviço </a:t>
+            </a:r>
+            <a:endParaRPr sz="1200" dirty="0"/>
+          </a:p>
+        </p:txBody>
+      </p:sp>
+      <p:grpSp>
+        <p:nvGrpSpPr>
+          <p:cNvPr id="103" name="Google Shape;103;p15"/>
+          <p:cNvGrpSpPr/>
+          <p:nvPr/>
+        </p:nvGrpSpPr>
+        <p:grpSpPr>
+          <a:xfrm>
+            <a:off x="1485327" y="1888715"/>
+            <a:ext cx="1021200" cy="830484"/>
+            <a:chOff x="2852000" y="3424900"/>
+            <a:chExt cx="1021200" cy="830484"/>
+          </a:xfrm>
+        </p:grpSpPr>
+        <p:grpSp>
+          <p:nvGrpSpPr>
+            <p:cNvPr id="104" name="Google Shape;104;p15"/>
+            <p:cNvGrpSpPr/>
+            <p:nvPr/>
+          </p:nvGrpSpPr>
+          <p:grpSpPr>
+            <a:xfrm>
+              <a:off x="3206355" y="3424900"/>
+              <a:ext cx="308885" cy="587736"/>
+              <a:chOff x="1499725" y="1450825"/>
+              <a:chExt cx="497400" cy="843600"/>
+            </a:xfrm>
+          </p:grpSpPr>
+          <p:sp>
+            <p:nvSpPr>
+              <p:cNvPr id="105" name="Google Shape;105;p15"/>
+              <p:cNvSpPr/>
+              <p:nvPr/>
+            </p:nvSpPr>
+            <p:spPr>
+              <a:xfrm>
+                <a:off x="1597825" y="1450825"/>
+                <a:ext cx="313200" cy="281400"/>
+              </a:xfrm>
+              <a:prstGeom prst="flowChartConnector">
+                <a:avLst/>
+              </a:prstGeom>
+              <a:solidFill>
+                <a:srgbClr val="EEEEEE"/>
+              </a:solidFill>
+              <a:ln w="9525" cap="flat" cmpd="sng">
+                <a:solidFill>
+                  <a:srgbClr val="595959"/>
+                </a:solidFill>
+                <a:prstDash val="solid"/>
+                <a:round/>
+                <a:headEnd type="none" w="sm" len="sm"/>
+                <a:tailEnd type="none" w="sm" len="sm"/>
+              </a:ln>
+            </p:spPr>
+            <p:txBody>
+              <a:bodyPr spcFirstLastPara="1" wrap="square" lIns="91425" tIns="91425" rIns="91425" bIns="91425" anchor="ctr" anchorCtr="0">
+                <a:noAutofit/>
+              </a:bodyPr>
+              <a:lstStyle/>
+              <a:p>
+                <a:pPr marL="0" lvl="0" indent="0" algn="l" rtl="0">
+                  <a:spcBef>
+                    <a:spcPts val="0"/>
+                  </a:spcBef>
+                  <a:spcAft>
+                    <a:spcPts val="0"/>
+                  </a:spcAft>
+                  <a:buNone/>
+                </a:pPr>
+                <a:endParaRPr dirty="0"/>
+              </a:p>
+            </p:txBody>
+          </p:sp>
+          <p:cxnSp>
+            <p:nvCxnSpPr>
+              <p:cNvPr id="106" name="Google Shape;106;p15"/>
+              <p:cNvCxnSpPr>
+                <a:stCxn id="105" idx="4"/>
+              </p:cNvCxnSpPr>
+              <p:nvPr/>
+            </p:nvCxnSpPr>
+            <p:spPr>
+              <a:xfrm flipH="1">
+                <a:off x="1748725" y="1732225"/>
+                <a:ext cx="5700" cy="293100"/>
+              </a:xfrm>
+              <a:prstGeom prst="straightConnector1">
+                <a:avLst/>
+              </a:prstGeom>
+              <a:noFill/>
+              <a:ln w="9525" cap="flat" cmpd="sng">
+                <a:solidFill>
+                  <a:srgbClr val="595959"/>
+                </a:solidFill>
+                <a:prstDash val="solid"/>
+                <a:round/>
+                <a:headEnd type="none" w="med" len="med"/>
+                <a:tailEnd type="none" w="med" len="med"/>
+              </a:ln>
+            </p:spPr>
+          </p:cxnSp>
+          <p:cxnSp>
+            <p:nvCxnSpPr>
+              <p:cNvPr id="107" name="Google Shape;107;p15"/>
+              <p:cNvCxnSpPr/>
+              <p:nvPr/>
+            </p:nvCxnSpPr>
+            <p:spPr>
+              <a:xfrm>
+                <a:off x="1527475" y="1858775"/>
+                <a:ext cx="453900" cy="1800"/>
+              </a:xfrm>
+              <a:prstGeom prst="straightConnector1">
+                <a:avLst/>
+              </a:prstGeom>
+              <a:noFill/>
+              <a:ln w="9525" cap="flat" cmpd="sng">
+                <a:solidFill>
+                  <a:srgbClr val="595959"/>
+                </a:solidFill>
+                <a:prstDash val="solid"/>
+                <a:round/>
+                <a:headEnd type="none" w="med" len="med"/>
+                <a:tailEnd type="none" w="med" len="med"/>
+              </a:ln>
+            </p:spPr>
+          </p:cxnSp>
+          <p:cxnSp>
+            <p:nvCxnSpPr>
+              <p:cNvPr id="108" name="Google Shape;108;p15"/>
+              <p:cNvCxnSpPr/>
+              <p:nvPr/>
+            </p:nvCxnSpPr>
+            <p:spPr>
+              <a:xfrm flipH="1">
+                <a:off x="1499725" y="2022925"/>
+                <a:ext cx="248700" cy="271500"/>
+              </a:xfrm>
+              <a:prstGeom prst="straightConnector1">
+                <a:avLst/>
+              </a:prstGeom>
+              <a:noFill/>
+              <a:ln w="9525" cap="flat" cmpd="sng">
+                <a:solidFill>
+                  <a:srgbClr val="595959"/>
+                </a:solidFill>
+                <a:prstDash val="solid"/>
+                <a:round/>
+                <a:headEnd type="none" w="med" len="med"/>
+                <a:tailEnd type="none" w="med" len="med"/>
+              </a:ln>
+            </p:spPr>
+          </p:cxnSp>
+          <p:cxnSp>
+            <p:nvCxnSpPr>
+              <p:cNvPr id="109" name="Google Shape;109;p15"/>
+              <p:cNvCxnSpPr/>
+              <p:nvPr/>
+            </p:nvCxnSpPr>
+            <p:spPr>
+              <a:xfrm rot="10800000">
+                <a:off x="1748425" y="2022925"/>
+                <a:ext cx="248700" cy="271500"/>
+              </a:xfrm>
+              <a:prstGeom prst="straightConnector1">
+                <a:avLst/>
+              </a:prstGeom>
+              <a:noFill/>
+              <a:ln w="9525" cap="flat" cmpd="sng">
+                <a:solidFill>
+                  <a:srgbClr val="595959"/>
+                </a:solidFill>
+                <a:prstDash val="solid"/>
+                <a:round/>
+                <a:headEnd type="none" w="med" len="med"/>
+                <a:tailEnd type="none" w="med" len="med"/>
+              </a:ln>
+            </p:spPr>
+          </p:cxnSp>
+        </p:grpSp>
+        <p:sp>
+          <p:nvSpPr>
+            <p:cNvPr id="110" name="Google Shape;110;p15"/>
+            <p:cNvSpPr txBox="1"/>
+            <p:nvPr/>
+          </p:nvSpPr>
+          <p:spPr>
+            <a:xfrm>
+              <a:off x="2852000" y="3912484"/>
+              <a:ext cx="1021200" cy="342900"/>
+            </a:xfrm>
+            <a:prstGeom prst="rect">
+              <a:avLst/>
+            </a:prstGeom>
+            <a:noFill/>
+            <a:ln>
+              <a:noFill/>
+            </a:ln>
+          </p:spPr>
+          <p:txBody>
+            <a:bodyPr spcFirstLastPara="1" wrap="square" lIns="91425" tIns="91425" rIns="91425" bIns="91425" anchor="t" anchorCtr="0">
+              <a:noAutofit/>
+            </a:bodyPr>
+            <a:lstStyle/>
+            <a:p>
+              <a:pPr marL="0" lvl="0" indent="0" algn="ctr" rtl="0">
+                <a:spcBef>
+                  <a:spcPts val="0"/>
+                </a:spcBef>
+                <a:spcAft>
+                  <a:spcPts val="0"/>
+                </a:spcAft>
+                <a:buNone/>
+              </a:pPr>
+              <a:r>
+                <a:rPr lang="pt-BR" sz="1200" b="1" dirty="0"/>
+                <a:t>Cliente</a:t>
+              </a:r>
+              <a:endParaRPr sz="1200" b="1" dirty="0"/>
+            </a:p>
+          </p:txBody>
+        </p:sp>
+      </p:grpSp>
+      <p:cxnSp>
+        <p:nvCxnSpPr>
+          <p:cNvPr id="111" name="Google Shape;111;p15"/>
+          <p:cNvCxnSpPr>
+            <a:stCxn id="112" idx="0"/>
+            <a:endCxn id="102" idx="2"/>
+          </p:cNvCxnSpPr>
+          <p:nvPr/>
+        </p:nvCxnSpPr>
+        <p:spPr>
+          <a:xfrm rot="-5400000">
+            <a:off x="3849102" y="1120888"/>
+            <a:ext cx="934500" cy="501300"/>
+          </a:xfrm>
+          <a:prstGeom prst="curvedConnector3">
+            <a:avLst>
+              <a:gd name="adj1" fmla="val 47226"/>
+            </a:avLst>
+          </a:prstGeom>
+          <a:noFill/>
+          <a:ln w="9525" cap="flat" cmpd="sng">
+            <a:solidFill>
+              <a:schemeClr val="dk2"/>
+            </a:solidFill>
+            <a:prstDash val="solid"/>
+            <a:round/>
+            <a:headEnd type="none" w="med" len="med"/>
+            <a:tailEnd type="none" w="med" len="med"/>
+          </a:ln>
+        </p:spPr>
+      </p:cxnSp>
+      <p:sp>
+        <p:nvSpPr>
+          <p:cNvPr id="113" name="Google Shape;113;p15"/>
+          <p:cNvSpPr txBox="1"/>
+          <p:nvPr/>
+        </p:nvSpPr>
+        <p:spPr>
+          <a:xfrm>
+            <a:off x="130400" y="2813122"/>
+            <a:ext cx="8542500" cy="1367400"/>
+          </a:xfrm>
+          <a:prstGeom prst="rect">
+            <a:avLst/>
+          </a:prstGeom>
+          <a:noFill/>
+          <a:ln w="9525" cap="flat" cmpd="sng">
+            <a:solidFill>
+              <a:srgbClr val="FF9900"/>
+            </a:solidFill>
+            <a:prstDash val="solid"/>
+            <a:round/>
+            <a:headEnd type="none" w="sm" len="sm"/>
+            <a:tailEnd type="none" w="sm" len="sm"/>
+          </a:ln>
+        </p:spPr>
+        <p:txBody>
+          <a:bodyPr spcFirstLastPara="1" wrap="square" lIns="91425" tIns="91425" rIns="91425" bIns="91425" anchor="t" anchorCtr="0">
+            <a:noAutofit/>
+          </a:bodyPr>
+          <a:lstStyle/>
+          <a:p>
+            <a:pPr marL="0" lvl="0" indent="0" algn="l" rtl="0">
+              <a:spcBef>
+                <a:spcPts val="0"/>
+              </a:spcBef>
+              <a:spcAft>
+                <a:spcPts val="0"/>
+              </a:spcAft>
+              <a:buNone/>
+            </a:pPr>
+            <a:r>
+              <a:rPr lang="pt-BR" dirty="0"/>
+              <a:t>Capacidades Operacionais</a:t>
+            </a:r>
+            <a:endParaRPr dirty="0"/>
+          </a:p>
+        </p:txBody>
+      </p:sp>
+      <p:cxnSp>
+        <p:nvCxnSpPr>
+          <p:cNvPr id="114" name="Google Shape;114;p15"/>
+          <p:cNvCxnSpPr>
+            <a:stCxn id="105" idx="0"/>
+            <a:endCxn id="102" idx="2"/>
+          </p:cNvCxnSpPr>
+          <p:nvPr/>
+        </p:nvCxnSpPr>
+        <p:spPr>
+          <a:xfrm rot="-5400000">
+            <a:off x="2790151" y="111815"/>
+            <a:ext cx="984600" cy="2569200"/>
+          </a:xfrm>
+          <a:prstGeom prst="curvedConnector3">
+            <a:avLst>
+              <a:gd name="adj1" fmla="val 47358"/>
+            </a:avLst>
+          </a:prstGeom>
+          <a:noFill/>
+          <a:ln w="9525" cap="flat" cmpd="sng">
+            <a:solidFill>
+              <a:schemeClr val="dk2"/>
+            </a:solidFill>
+            <a:prstDash val="solid"/>
+            <a:round/>
+            <a:headEnd type="none" w="med" len="med"/>
+            <a:tailEnd type="none" w="med" len="med"/>
+          </a:ln>
+        </p:spPr>
+      </p:cxnSp>
+      <p:grpSp>
+        <p:nvGrpSpPr>
+          <p:cNvPr id="115" name="Google Shape;115;p15"/>
+          <p:cNvGrpSpPr/>
+          <p:nvPr/>
+        </p:nvGrpSpPr>
+        <p:grpSpPr>
+          <a:xfrm>
+            <a:off x="6116076" y="1714176"/>
+            <a:ext cx="897119" cy="830488"/>
+            <a:chOff x="6787874" y="3204287"/>
+            <a:chExt cx="897119" cy="830488"/>
+          </a:xfrm>
+        </p:grpSpPr>
+        <p:grpSp>
+          <p:nvGrpSpPr>
+            <p:cNvPr id="116" name="Google Shape;116;p15"/>
+            <p:cNvGrpSpPr/>
+            <p:nvPr/>
+          </p:nvGrpSpPr>
+          <p:grpSpPr>
+            <a:xfrm>
+              <a:off x="7044733" y="3204287"/>
+              <a:ext cx="308885" cy="587736"/>
+              <a:chOff x="1499725" y="1450825"/>
+              <a:chExt cx="497400" cy="843600"/>
+            </a:xfrm>
+          </p:grpSpPr>
+          <p:sp>
+            <p:nvSpPr>
+              <p:cNvPr id="117" name="Google Shape;117;p15"/>
+              <p:cNvSpPr/>
+              <p:nvPr/>
+            </p:nvSpPr>
+            <p:spPr>
+              <a:xfrm>
+                <a:off x="1597825" y="1450825"/>
+                <a:ext cx="313200" cy="281400"/>
+              </a:xfrm>
+              <a:prstGeom prst="flowChartConnector">
+                <a:avLst/>
+              </a:prstGeom>
+              <a:solidFill>
+                <a:srgbClr val="EEEEEE"/>
+              </a:solidFill>
+              <a:ln w="9525" cap="flat" cmpd="sng">
+                <a:solidFill>
+                  <a:srgbClr val="595959"/>
+                </a:solidFill>
+                <a:prstDash val="solid"/>
+                <a:round/>
+                <a:headEnd type="none" w="sm" len="sm"/>
+                <a:tailEnd type="none" w="sm" len="sm"/>
+              </a:ln>
+            </p:spPr>
+            <p:txBody>
+              <a:bodyPr spcFirstLastPara="1" wrap="square" lIns="91425" tIns="91425" rIns="91425" bIns="91425" anchor="ctr" anchorCtr="0">
+                <a:noAutofit/>
+              </a:bodyPr>
+              <a:lstStyle/>
+              <a:p>
+                <a:pPr marL="0" lvl="0" indent="0" algn="l" rtl="0">
+                  <a:spcBef>
+                    <a:spcPts val="0"/>
+                  </a:spcBef>
+                  <a:spcAft>
+                    <a:spcPts val="0"/>
+                  </a:spcAft>
+                  <a:buNone/>
+                </a:pPr>
+                <a:endParaRPr dirty="0"/>
+              </a:p>
+            </p:txBody>
+          </p:sp>
+          <p:cxnSp>
+            <p:nvCxnSpPr>
+              <p:cNvPr id="118" name="Google Shape;118;p15"/>
+              <p:cNvCxnSpPr>
+                <a:stCxn id="117" idx="4"/>
+              </p:cNvCxnSpPr>
+              <p:nvPr/>
+            </p:nvCxnSpPr>
+            <p:spPr>
+              <a:xfrm flipH="1">
+                <a:off x="1748725" y="1732225"/>
+                <a:ext cx="5700" cy="293100"/>
+              </a:xfrm>
+              <a:prstGeom prst="straightConnector1">
+                <a:avLst/>
+              </a:prstGeom>
+              <a:noFill/>
+              <a:ln w="9525" cap="flat" cmpd="sng">
+                <a:solidFill>
+                  <a:srgbClr val="595959"/>
+                </a:solidFill>
+                <a:prstDash val="solid"/>
+                <a:round/>
+                <a:headEnd type="none" w="med" len="med"/>
+                <a:tailEnd type="none" w="med" len="med"/>
+              </a:ln>
+            </p:spPr>
+          </p:cxnSp>
+          <p:cxnSp>
+            <p:nvCxnSpPr>
+              <p:cNvPr id="119" name="Google Shape;119;p15"/>
+              <p:cNvCxnSpPr/>
+              <p:nvPr/>
+            </p:nvCxnSpPr>
+            <p:spPr>
+              <a:xfrm>
+                <a:off x="1527475" y="1858775"/>
+                <a:ext cx="453900" cy="1800"/>
+              </a:xfrm>
+              <a:prstGeom prst="straightConnector1">
+                <a:avLst/>
+              </a:prstGeom>
+              <a:noFill/>
+              <a:ln w="9525" cap="flat" cmpd="sng">
+                <a:solidFill>
+                  <a:srgbClr val="595959"/>
+                </a:solidFill>
+                <a:prstDash val="solid"/>
+                <a:round/>
+                <a:headEnd type="none" w="med" len="med"/>
+                <a:tailEnd type="none" w="med" len="med"/>
+              </a:ln>
+            </p:spPr>
+          </p:cxnSp>
+          <p:cxnSp>
+            <p:nvCxnSpPr>
+              <p:cNvPr id="120" name="Google Shape;120;p15"/>
+              <p:cNvCxnSpPr/>
+              <p:nvPr/>
+            </p:nvCxnSpPr>
+            <p:spPr>
+              <a:xfrm flipH="1">
+                <a:off x="1499725" y="2022925"/>
+                <a:ext cx="248700" cy="271500"/>
+              </a:xfrm>
+              <a:prstGeom prst="straightConnector1">
+                <a:avLst/>
+              </a:prstGeom>
+              <a:noFill/>
+              <a:ln w="9525" cap="flat" cmpd="sng">
+                <a:solidFill>
+                  <a:srgbClr val="595959"/>
+                </a:solidFill>
+                <a:prstDash val="solid"/>
+                <a:round/>
+                <a:headEnd type="none" w="med" len="med"/>
+                <a:tailEnd type="none" w="med" len="med"/>
+              </a:ln>
+            </p:spPr>
+          </p:cxnSp>
+          <p:cxnSp>
+            <p:nvCxnSpPr>
+              <p:cNvPr id="121" name="Google Shape;121;p15"/>
+              <p:cNvCxnSpPr/>
+              <p:nvPr/>
+            </p:nvCxnSpPr>
+            <p:spPr>
+              <a:xfrm rot="10800000">
+                <a:off x="1748425" y="2022925"/>
+                <a:ext cx="248700" cy="271500"/>
+              </a:xfrm>
+              <a:prstGeom prst="straightConnector1">
+                <a:avLst/>
+              </a:prstGeom>
+              <a:noFill/>
+              <a:ln w="9525" cap="flat" cmpd="sng">
+                <a:solidFill>
+                  <a:srgbClr val="595959"/>
+                </a:solidFill>
+                <a:prstDash val="solid"/>
+                <a:round/>
+                <a:headEnd type="none" w="med" len="med"/>
+                <a:tailEnd type="none" w="med" len="med"/>
+              </a:ln>
+            </p:spPr>
+          </p:cxnSp>
+        </p:grpSp>
+        <p:sp>
+          <p:nvSpPr>
+            <p:cNvPr id="122" name="Google Shape;122;p15"/>
+            <p:cNvSpPr txBox="1"/>
+            <p:nvPr/>
+          </p:nvSpPr>
+          <p:spPr>
+            <a:xfrm>
+              <a:off x="6787874" y="3691875"/>
+              <a:ext cx="897119" cy="342900"/>
+            </a:xfrm>
+            <a:prstGeom prst="rect">
+              <a:avLst/>
+            </a:prstGeom>
+            <a:noFill/>
+            <a:ln>
+              <a:noFill/>
+            </a:ln>
+          </p:spPr>
+          <p:txBody>
+            <a:bodyPr spcFirstLastPara="1" wrap="square" lIns="91425" tIns="91425" rIns="91425" bIns="91425" anchor="t" anchorCtr="0">
+              <a:noAutofit/>
+            </a:bodyPr>
+            <a:lstStyle/>
+            <a:p>
+              <a:pPr marL="0" lvl="0" indent="0" algn="ctr" rtl="0">
+                <a:spcBef>
+                  <a:spcPts val="0"/>
+                </a:spcBef>
+                <a:spcAft>
+                  <a:spcPts val="0"/>
+                </a:spcAft>
+                <a:buNone/>
+              </a:pPr>
+              <a:r>
+                <a:rPr lang="pt-BR" sz="1200" b="1" dirty="0"/>
                 <a:t>Tatuador</a:t>
               </a:r>
               <a:endParaRPr sz="1200" b="1" dirty="0"/>
@@ -11040,8 +9837,24 @@
               <a:buChar char="●"/>
             </a:pPr>
             <a:r>
-              <a:rPr lang="pt-BR" sz="1000" dirty="0" smtClean="0"/>
+              <a:rPr lang="pt-BR" sz="1000" dirty="0"/>
               <a:t>Receber serviço</a:t>
+            </a:r>
+          </a:p>
+          <a:p>
+            <a:pPr marL="457200" lvl="0" indent="-292100" algn="l" rtl="0">
+              <a:spcBef>
+                <a:spcPts val="0"/>
+              </a:spcBef>
+              <a:spcAft>
+                <a:spcPts val="0"/>
+              </a:spcAft>
+              <a:buSzPts val="1000"/>
+              <a:buChar char="●"/>
+            </a:pPr>
+            <a:r>
+              <a:rPr lang="pt-BR" sz="1000" dirty="0"/>
+              <a:t>Realizar serviço</a:t>
             </a:r>
             <a:endParaRPr sz="1000" dirty="0"/>
           </a:p>
@@ -11103,7 +9916,7 @@
               <a:buNone/>
             </a:pPr>
             <a:r>
-              <a:rPr lang="pt-BR" sz="1000" dirty="0" smtClean="0"/>
+              <a:rPr lang="pt-BR" sz="1000" dirty="0"/>
               <a:t>Estúdio</a:t>
             </a:r>
             <a:endParaRPr sz="1000" dirty="0"/>
